--- a/A3 Training - Synchrony.pptx
+++ b/A3 Training - Synchrony.pptx
@@ -8,6 +8,17 @@
     <p:sldId id="256" r:id="rId2"/>
     <p:sldId id="257" r:id="rId3"/>
     <p:sldId id="258" r:id="rId4"/>
+    <p:sldId id="259" r:id="rId5"/>
+    <p:sldId id="260" r:id="rId6"/>
+    <p:sldId id="261" r:id="rId7"/>
+    <p:sldId id="262" r:id="rId8"/>
+    <p:sldId id="263" r:id="rId9"/>
+    <p:sldId id="264" r:id="rId10"/>
+    <p:sldId id="265" r:id="rId11"/>
+    <p:sldId id="266" r:id="rId12"/>
+    <p:sldId id="267" r:id="rId13"/>
+    <p:sldId id="268" r:id="rId14"/>
+    <p:sldId id="269" r:id="rId15"/>
   </p:sldIdLst>
   <p:sldSz cx="12192000" cy="6858000"/>
   <p:notesSz cx="6858000" cy="9144000"/>
@@ -106,6 +117,11 @@
       </a:defRPr>
     </a:lvl9pPr>
   </p:defaultTextStyle>
+  <p:extLst>
+    <p:ext uri="{EFAFB233-063F-42B5-8137-9DF3F51BA10A}">
+      <p15:sldGuideLst xmlns:p15="http://schemas.microsoft.com/office/powerpoint/2012/main"/>
+    </p:ext>
+  </p:extLst>
 </p:presentation>
 </file>
 
@@ -256,7 +272,7 @@
           <a:p>
             <a:fld id="{9E1A7574-445E-4F28-B3D2-8E5A2A5B0C21}" type="datetimeFigureOut">
               <a:rPr lang="en-US" smtClean="0"/>
-              <a:t>3/24/2020</a:t>
+              <a:t>3/27/2020</a:t>
             </a:fld>
             <a:endParaRPr lang="en-US"/>
           </a:p>
@@ -454,7 +470,7 @@
           <a:p>
             <a:fld id="{9E1A7574-445E-4F28-B3D2-8E5A2A5B0C21}" type="datetimeFigureOut">
               <a:rPr lang="en-US" smtClean="0"/>
-              <a:t>3/24/2020</a:t>
+              <a:t>3/27/2020</a:t>
             </a:fld>
             <a:endParaRPr lang="en-US"/>
           </a:p>
@@ -662,7 +678,7 @@
           <a:p>
             <a:fld id="{9E1A7574-445E-4F28-B3D2-8E5A2A5B0C21}" type="datetimeFigureOut">
               <a:rPr lang="en-US" smtClean="0"/>
-              <a:t>3/24/2020</a:t>
+              <a:t>3/27/2020</a:t>
             </a:fld>
             <a:endParaRPr lang="en-US"/>
           </a:p>
@@ -860,7 +876,7 @@
           <a:p>
             <a:fld id="{9E1A7574-445E-4F28-B3D2-8E5A2A5B0C21}" type="datetimeFigureOut">
               <a:rPr lang="en-US" smtClean="0"/>
-              <a:t>3/24/2020</a:t>
+              <a:t>3/27/2020</a:t>
             </a:fld>
             <a:endParaRPr lang="en-US"/>
           </a:p>
@@ -1135,7 +1151,7 @@
           <a:p>
             <a:fld id="{9E1A7574-445E-4F28-B3D2-8E5A2A5B0C21}" type="datetimeFigureOut">
               <a:rPr lang="en-US" smtClean="0"/>
-              <a:t>3/24/2020</a:t>
+              <a:t>3/27/2020</a:t>
             </a:fld>
             <a:endParaRPr lang="en-US"/>
           </a:p>
@@ -1400,7 +1416,7 @@
           <a:p>
             <a:fld id="{9E1A7574-445E-4F28-B3D2-8E5A2A5B0C21}" type="datetimeFigureOut">
               <a:rPr lang="en-US" smtClean="0"/>
-              <a:t>3/24/2020</a:t>
+              <a:t>3/27/2020</a:t>
             </a:fld>
             <a:endParaRPr lang="en-US"/>
           </a:p>
@@ -1812,7 +1828,7 @@
           <a:p>
             <a:fld id="{9E1A7574-445E-4F28-B3D2-8E5A2A5B0C21}" type="datetimeFigureOut">
               <a:rPr lang="en-US" smtClean="0"/>
-              <a:t>3/24/2020</a:t>
+              <a:t>3/27/2020</a:t>
             </a:fld>
             <a:endParaRPr lang="en-US"/>
           </a:p>
@@ -1953,7 +1969,7 @@
           <a:p>
             <a:fld id="{9E1A7574-445E-4F28-B3D2-8E5A2A5B0C21}" type="datetimeFigureOut">
               <a:rPr lang="en-US" smtClean="0"/>
-              <a:t>3/24/2020</a:t>
+              <a:t>3/27/2020</a:t>
             </a:fld>
             <a:endParaRPr lang="en-US"/>
           </a:p>
@@ -2066,7 +2082,7 @@
           <a:p>
             <a:fld id="{9E1A7574-445E-4F28-B3D2-8E5A2A5B0C21}" type="datetimeFigureOut">
               <a:rPr lang="en-US" smtClean="0"/>
-              <a:t>3/24/2020</a:t>
+              <a:t>3/27/2020</a:t>
             </a:fld>
             <a:endParaRPr lang="en-US"/>
           </a:p>
@@ -2377,7 +2393,7 @@
           <a:p>
             <a:fld id="{9E1A7574-445E-4F28-B3D2-8E5A2A5B0C21}" type="datetimeFigureOut">
               <a:rPr lang="en-US" smtClean="0"/>
-              <a:t>3/24/2020</a:t>
+              <a:t>3/27/2020</a:t>
             </a:fld>
             <a:endParaRPr lang="en-US"/>
           </a:p>
@@ -2665,7 +2681,7 @@
           <a:p>
             <a:fld id="{9E1A7574-445E-4F28-B3D2-8E5A2A5B0C21}" type="datetimeFigureOut">
               <a:rPr lang="en-US" smtClean="0"/>
-              <a:t>3/24/2020</a:t>
+              <a:t>3/27/2020</a:t>
             </a:fld>
             <a:endParaRPr lang="en-US"/>
           </a:p>
@@ -2906,7 +2922,7 @@
           <a:p>
             <a:fld id="{9E1A7574-445E-4F28-B3D2-8E5A2A5B0C21}" type="datetimeFigureOut">
               <a:rPr lang="en-US" smtClean="0"/>
-              <a:t>3/24/2020</a:t>
+              <a:t>3/27/2020</a:t>
             </a:fld>
             <a:endParaRPr lang="en-US"/>
           </a:p>
@@ -3389,6 +3405,1981 @@
 </p:sld>
 </file>
 
+<file path=ppt/slides/slide10.xml><?xml version="1.0" encoding="utf-8"?>
+<p:sld xmlns:a="http://schemas.openxmlformats.org/drawingml/2006/main" xmlns:r="http://schemas.openxmlformats.org/officeDocument/2006/relationships" xmlns:p="http://schemas.openxmlformats.org/presentationml/2006/main">
+  <p:cSld>
+    <p:spTree>
+      <p:nvGrpSpPr>
+        <p:cNvPr id="1" name=""/>
+        <p:cNvGrpSpPr/>
+        <p:nvPr/>
+      </p:nvGrpSpPr>
+      <p:grpSpPr>
+        <a:xfrm>
+          <a:off x="0" y="0"/>
+          <a:ext cx="0" cy="0"/>
+          <a:chOff x="0" y="0"/>
+          <a:chExt cx="0" cy="0"/>
+        </a:xfrm>
+      </p:grpSpPr>
+      <p:sp>
+        <p:nvSpPr>
+          <p:cNvPr id="2" name="Title 1">
+            <a:extLst>
+              <a:ext uri="{FF2B5EF4-FFF2-40B4-BE49-F238E27FC236}">
+                <a16:creationId xmlns:a16="http://schemas.microsoft.com/office/drawing/2014/main" id="{F2289D1F-55E9-4AF5-B699-3CE31098E5FA}"/>
+              </a:ext>
+            </a:extLst>
+          </p:cNvPr>
+          <p:cNvSpPr>
+            <a:spLocks noGrp="1"/>
+          </p:cNvSpPr>
+          <p:nvPr>
+            <p:ph type="title"/>
+          </p:nvPr>
+        </p:nvSpPr>
+        <p:spPr/>
+        <p:txBody>
+          <a:bodyPr/>
+          <a:lstStyle/>
+          <a:p>
+            <a:r>
+              <a:rPr lang="en-US" dirty="0"/>
+              <a:t>Lab Exercise</a:t>
+            </a:r>
+          </a:p>
+        </p:txBody>
+      </p:sp>
+      <p:sp>
+        <p:nvSpPr>
+          <p:cNvPr id="3" name="Content Placeholder 2">
+            <a:extLst>
+              <a:ext uri="{FF2B5EF4-FFF2-40B4-BE49-F238E27FC236}">
+                <a16:creationId xmlns:a16="http://schemas.microsoft.com/office/drawing/2014/main" id="{917C729D-E230-494C-934B-B4692698CFD8}"/>
+              </a:ext>
+            </a:extLst>
+          </p:cNvPr>
+          <p:cNvSpPr>
+            <a:spLocks noGrp="1"/>
+          </p:cNvSpPr>
+          <p:nvPr>
+            <p:ph idx="1"/>
+          </p:nvPr>
+        </p:nvSpPr>
+        <p:spPr/>
+        <p:txBody>
+          <a:bodyPr/>
+          <a:lstStyle/>
+          <a:p>
+            <a:r>
+              <a:rPr lang="en-US" dirty="0"/>
+              <a:t>Check-in the code into GIT Repository</a:t>
+            </a:r>
+          </a:p>
+          <a:p>
+            <a:r>
+              <a:rPr lang="en-US" dirty="0"/>
+              <a:t>Commit and Push</a:t>
+            </a:r>
+          </a:p>
+          <a:p>
+            <a:r>
+              <a:rPr lang="en-US" dirty="0"/>
+              <a:t>Check-out the source code from Remote repository</a:t>
+            </a:r>
+          </a:p>
+          <a:p>
+            <a:r>
+              <a:rPr lang="en-US" dirty="0">
+                <a:highlight>
+                  <a:srgbClr val="FFFF00"/>
+                </a:highlight>
+              </a:rPr>
+              <a:t>Show History – Revision</a:t>
+            </a:r>
+          </a:p>
+          <a:p>
+            <a:r>
+              <a:rPr lang="en-US" dirty="0">
+                <a:highlight>
+                  <a:srgbClr val="FFFF00"/>
+                </a:highlight>
+              </a:rPr>
+              <a:t>Creating Branches </a:t>
+            </a:r>
+            <a:r>
+              <a:rPr lang="en-US" dirty="0">
+                <a:highlight>
+                  <a:srgbClr val="FFFF00"/>
+                </a:highlight>
+                <a:sym typeface="Wingdings" panose="05000000000000000000" pitchFamily="2" charset="2"/>
+              </a:rPr>
+              <a:t> Merge Branches with Master</a:t>
+            </a:r>
+          </a:p>
+          <a:p>
+            <a:r>
+              <a:rPr lang="en-US" dirty="0">
+                <a:highlight>
+                  <a:srgbClr val="FFFF00"/>
+                </a:highlight>
+                <a:sym typeface="Wingdings" panose="05000000000000000000" pitchFamily="2" charset="2"/>
+              </a:rPr>
+              <a:t>Git Ignore</a:t>
+            </a:r>
+          </a:p>
+          <a:p>
+            <a:endParaRPr lang="en-US" dirty="0">
+              <a:highlight>
+                <a:srgbClr val="FFFF00"/>
+              </a:highlight>
+            </a:endParaRPr>
+          </a:p>
+          <a:p>
+            <a:endParaRPr lang="en-US" dirty="0"/>
+          </a:p>
+        </p:txBody>
+      </p:sp>
+    </p:spTree>
+    <p:extLst>
+      <p:ext uri="{BB962C8B-B14F-4D97-AF65-F5344CB8AC3E}">
+        <p14:creationId xmlns:p14="http://schemas.microsoft.com/office/powerpoint/2010/main" val="3436554643"/>
+      </p:ext>
+    </p:extLst>
+  </p:cSld>
+  <p:clrMapOvr>
+    <a:masterClrMapping/>
+  </p:clrMapOvr>
+</p:sld>
+</file>
+
+<file path=ppt/slides/slide11.xml><?xml version="1.0" encoding="utf-8"?>
+<p:sld xmlns:a="http://schemas.openxmlformats.org/drawingml/2006/main" xmlns:r="http://schemas.openxmlformats.org/officeDocument/2006/relationships" xmlns:p="http://schemas.openxmlformats.org/presentationml/2006/main">
+  <p:cSld>
+    <p:spTree>
+      <p:nvGrpSpPr>
+        <p:cNvPr id="1" name=""/>
+        <p:cNvGrpSpPr/>
+        <p:nvPr/>
+      </p:nvGrpSpPr>
+      <p:grpSpPr>
+        <a:xfrm>
+          <a:off x="0" y="0"/>
+          <a:ext cx="0" cy="0"/>
+          <a:chOff x="0" y="0"/>
+          <a:chExt cx="0" cy="0"/>
+        </a:xfrm>
+      </p:grpSpPr>
+      <p:sp>
+        <p:nvSpPr>
+          <p:cNvPr id="4" name="Arrow: Right 3">
+            <a:extLst>
+              <a:ext uri="{FF2B5EF4-FFF2-40B4-BE49-F238E27FC236}">
+                <a16:creationId xmlns:a16="http://schemas.microsoft.com/office/drawing/2014/main" id="{A999E801-4600-44EC-A408-62278DF7AA1A}"/>
+              </a:ext>
+            </a:extLst>
+          </p:cNvPr>
+          <p:cNvSpPr/>
+          <p:nvPr/>
+        </p:nvSpPr>
+        <p:spPr>
+          <a:xfrm>
+            <a:off x="626724" y="1654141"/>
+            <a:ext cx="11342669" cy="737171"/>
+          </a:xfrm>
+          <a:prstGeom prst="rightArrow">
+            <a:avLst/>
+          </a:prstGeom>
+        </p:spPr>
+        <p:style>
+          <a:lnRef idx="2">
+            <a:schemeClr val="accent1">
+              <a:shade val="50000"/>
+            </a:schemeClr>
+          </a:lnRef>
+          <a:fillRef idx="1">
+            <a:schemeClr val="accent1"/>
+          </a:fillRef>
+          <a:effectRef idx="0">
+            <a:schemeClr val="accent1"/>
+          </a:effectRef>
+          <a:fontRef idx="minor">
+            <a:schemeClr val="lt1"/>
+          </a:fontRef>
+        </p:style>
+        <p:txBody>
+          <a:bodyPr rtlCol="0" anchor="ctr"/>
+          <a:lstStyle/>
+          <a:p>
+            <a:pPr algn="ctr"/>
+            <a:r>
+              <a:rPr lang="en-US" dirty="0"/>
+              <a:t>master</a:t>
+            </a:r>
+          </a:p>
+        </p:txBody>
+      </p:sp>
+      <p:sp>
+        <p:nvSpPr>
+          <p:cNvPr id="5" name="Oval 4">
+            <a:extLst>
+              <a:ext uri="{FF2B5EF4-FFF2-40B4-BE49-F238E27FC236}">
+                <a16:creationId xmlns:a16="http://schemas.microsoft.com/office/drawing/2014/main" id="{AE121118-B15B-4F10-AFEE-DC5A86EDE09E}"/>
+              </a:ext>
+            </a:extLst>
+          </p:cNvPr>
+          <p:cNvSpPr/>
+          <p:nvPr/>
+        </p:nvSpPr>
+        <p:spPr>
+          <a:xfrm>
+            <a:off x="1397285" y="1818528"/>
+            <a:ext cx="452063" cy="410966"/>
+          </a:xfrm>
+          <a:prstGeom prst="ellipse">
+            <a:avLst/>
+          </a:prstGeom>
+          <a:solidFill>
+            <a:schemeClr val="accent2"/>
+          </a:solidFill>
+        </p:spPr>
+        <p:style>
+          <a:lnRef idx="2">
+            <a:schemeClr val="accent1">
+              <a:shade val="50000"/>
+            </a:schemeClr>
+          </a:lnRef>
+          <a:fillRef idx="1">
+            <a:schemeClr val="accent1"/>
+          </a:fillRef>
+          <a:effectRef idx="0">
+            <a:schemeClr val="accent1"/>
+          </a:effectRef>
+          <a:fontRef idx="minor">
+            <a:schemeClr val="lt1"/>
+          </a:fontRef>
+        </p:style>
+        <p:txBody>
+          <a:bodyPr rtlCol="0" anchor="ctr"/>
+          <a:lstStyle/>
+          <a:p>
+            <a:pPr algn="ctr"/>
+            <a:endParaRPr lang="en-US"/>
+          </a:p>
+        </p:txBody>
+      </p:sp>
+      <p:sp>
+        <p:nvSpPr>
+          <p:cNvPr id="6" name="Oval 5">
+            <a:extLst>
+              <a:ext uri="{FF2B5EF4-FFF2-40B4-BE49-F238E27FC236}">
+                <a16:creationId xmlns:a16="http://schemas.microsoft.com/office/drawing/2014/main" id="{5877729A-AF69-4833-8A15-92D250682A50}"/>
+              </a:ext>
+            </a:extLst>
+          </p:cNvPr>
+          <p:cNvSpPr/>
+          <p:nvPr/>
+        </p:nvSpPr>
+        <p:spPr>
+          <a:xfrm>
+            <a:off x="2924709" y="1828802"/>
+            <a:ext cx="452063" cy="410966"/>
+          </a:xfrm>
+          <a:prstGeom prst="ellipse">
+            <a:avLst/>
+          </a:prstGeom>
+          <a:solidFill>
+            <a:schemeClr val="accent2"/>
+          </a:solidFill>
+        </p:spPr>
+        <p:style>
+          <a:lnRef idx="2">
+            <a:schemeClr val="accent1">
+              <a:shade val="50000"/>
+            </a:schemeClr>
+          </a:lnRef>
+          <a:fillRef idx="1">
+            <a:schemeClr val="accent1"/>
+          </a:fillRef>
+          <a:effectRef idx="0">
+            <a:schemeClr val="accent1"/>
+          </a:effectRef>
+          <a:fontRef idx="minor">
+            <a:schemeClr val="lt1"/>
+          </a:fontRef>
+        </p:style>
+        <p:txBody>
+          <a:bodyPr rtlCol="0" anchor="ctr"/>
+          <a:lstStyle/>
+          <a:p>
+            <a:pPr algn="ctr"/>
+            <a:endParaRPr lang="en-US"/>
+          </a:p>
+        </p:txBody>
+      </p:sp>
+      <p:sp>
+        <p:nvSpPr>
+          <p:cNvPr id="7" name="Oval 6">
+            <a:extLst>
+              <a:ext uri="{FF2B5EF4-FFF2-40B4-BE49-F238E27FC236}">
+                <a16:creationId xmlns:a16="http://schemas.microsoft.com/office/drawing/2014/main" id="{D9B67550-1F70-4245-A6F6-F9E27A9AB47B}"/>
+              </a:ext>
+            </a:extLst>
+          </p:cNvPr>
+          <p:cNvSpPr/>
+          <p:nvPr/>
+        </p:nvSpPr>
+        <p:spPr>
+          <a:xfrm>
+            <a:off x="4693577" y="1817243"/>
+            <a:ext cx="452063" cy="410966"/>
+          </a:xfrm>
+          <a:prstGeom prst="ellipse">
+            <a:avLst/>
+          </a:prstGeom>
+          <a:solidFill>
+            <a:schemeClr val="accent2"/>
+          </a:solidFill>
+        </p:spPr>
+        <p:style>
+          <a:lnRef idx="2">
+            <a:schemeClr val="accent1">
+              <a:shade val="50000"/>
+            </a:schemeClr>
+          </a:lnRef>
+          <a:fillRef idx="1">
+            <a:schemeClr val="accent1"/>
+          </a:fillRef>
+          <a:effectRef idx="0">
+            <a:schemeClr val="accent1"/>
+          </a:effectRef>
+          <a:fontRef idx="minor">
+            <a:schemeClr val="lt1"/>
+          </a:fontRef>
+        </p:style>
+        <p:txBody>
+          <a:bodyPr rtlCol="0" anchor="ctr"/>
+          <a:lstStyle/>
+          <a:p>
+            <a:pPr algn="ctr"/>
+            <a:endParaRPr lang="en-US"/>
+          </a:p>
+        </p:txBody>
+      </p:sp>
+      <p:sp>
+        <p:nvSpPr>
+          <p:cNvPr id="8" name="Oval 7">
+            <a:extLst>
+              <a:ext uri="{FF2B5EF4-FFF2-40B4-BE49-F238E27FC236}">
+                <a16:creationId xmlns:a16="http://schemas.microsoft.com/office/drawing/2014/main" id="{1AC7B2C0-7CD2-4A54-8A73-0A8FDF7C4215}"/>
+              </a:ext>
+            </a:extLst>
+          </p:cNvPr>
+          <p:cNvSpPr/>
+          <p:nvPr/>
+        </p:nvSpPr>
+        <p:spPr>
+          <a:xfrm>
+            <a:off x="7217593" y="1817243"/>
+            <a:ext cx="452063" cy="410966"/>
+          </a:xfrm>
+          <a:prstGeom prst="ellipse">
+            <a:avLst/>
+          </a:prstGeom>
+          <a:solidFill>
+            <a:schemeClr val="accent2"/>
+          </a:solidFill>
+        </p:spPr>
+        <p:style>
+          <a:lnRef idx="2">
+            <a:schemeClr val="accent1">
+              <a:shade val="50000"/>
+            </a:schemeClr>
+          </a:lnRef>
+          <a:fillRef idx="1">
+            <a:schemeClr val="accent1"/>
+          </a:fillRef>
+          <a:effectRef idx="0">
+            <a:schemeClr val="accent1"/>
+          </a:effectRef>
+          <a:fontRef idx="minor">
+            <a:schemeClr val="lt1"/>
+          </a:fontRef>
+        </p:style>
+        <p:txBody>
+          <a:bodyPr rtlCol="0" anchor="ctr"/>
+          <a:lstStyle/>
+          <a:p>
+            <a:pPr algn="ctr"/>
+            <a:endParaRPr lang="en-US"/>
+          </a:p>
+        </p:txBody>
+      </p:sp>
+      <p:sp>
+        <p:nvSpPr>
+          <p:cNvPr id="9" name="TextBox 8">
+            <a:extLst>
+              <a:ext uri="{FF2B5EF4-FFF2-40B4-BE49-F238E27FC236}">
+                <a16:creationId xmlns:a16="http://schemas.microsoft.com/office/drawing/2014/main" id="{63D19CAD-10E7-49D7-B28A-27FF3E2DF4A4}"/>
+              </a:ext>
+            </a:extLst>
+          </p:cNvPr>
+          <p:cNvSpPr txBox="1"/>
+          <p:nvPr/>
+        </p:nvSpPr>
+        <p:spPr>
+          <a:xfrm>
+            <a:off x="1013213" y="2287555"/>
+            <a:ext cx="1220206" cy="369332"/>
+          </a:xfrm>
+          <a:prstGeom prst="rect">
+            <a:avLst/>
+          </a:prstGeom>
+          <a:noFill/>
+        </p:spPr>
+        <p:txBody>
+          <a:bodyPr wrap="none" rtlCol="0">
+            <a:spAutoFit/>
+          </a:bodyPr>
+          <a:lstStyle/>
+          <a:p>
+            <a:r>
+              <a:rPr lang="en-US" dirty="0"/>
+              <a:t>Commit All</a:t>
+            </a:r>
+          </a:p>
+        </p:txBody>
+      </p:sp>
+      <p:sp>
+        <p:nvSpPr>
+          <p:cNvPr id="10" name="TextBox 9">
+            <a:extLst>
+              <a:ext uri="{FF2B5EF4-FFF2-40B4-BE49-F238E27FC236}">
+                <a16:creationId xmlns:a16="http://schemas.microsoft.com/office/drawing/2014/main" id="{D3D35E12-892A-461A-AB66-F8CF33B839B5}"/>
+              </a:ext>
+            </a:extLst>
+          </p:cNvPr>
+          <p:cNvSpPr txBox="1"/>
+          <p:nvPr/>
+        </p:nvSpPr>
+        <p:spPr>
+          <a:xfrm>
+            <a:off x="2540637" y="1446627"/>
+            <a:ext cx="1505027" cy="369332"/>
+          </a:xfrm>
+          <a:prstGeom prst="rect">
+            <a:avLst/>
+          </a:prstGeom>
+          <a:noFill/>
+        </p:spPr>
+        <p:txBody>
+          <a:bodyPr wrap="none" rtlCol="0">
+            <a:spAutoFit/>
+          </a:bodyPr>
+          <a:lstStyle/>
+          <a:p>
+            <a:r>
+              <a:rPr lang="en-US" dirty="0"/>
+              <a:t>Show Method</a:t>
+            </a:r>
+          </a:p>
+        </p:txBody>
+      </p:sp>
+      <p:sp>
+        <p:nvSpPr>
+          <p:cNvPr id="11" name="TextBox 10">
+            <a:extLst>
+              <a:ext uri="{FF2B5EF4-FFF2-40B4-BE49-F238E27FC236}">
+                <a16:creationId xmlns:a16="http://schemas.microsoft.com/office/drawing/2014/main" id="{BB752EE3-81EC-4E7D-989A-B663EA7996F1}"/>
+              </a:ext>
+            </a:extLst>
+          </p:cNvPr>
+          <p:cNvSpPr txBox="1"/>
+          <p:nvPr/>
+        </p:nvSpPr>
+        <p:spPr>
+          <a:xfrm>
+            <a:off x="134782" y="4099390"/>
+            <a:ext cx="2222853" cy="400110"/>
+          </a:xfrm>
+          <a:prstGeom prst="rect">
+            <a:avLst/>
+          </a:prstGeom>
+          <a:noFill/>
+        </p:spPr>
+        <p:txBody>
+          <a:bodyPr wrap="none" rtlCol="0">
+            <a:spAutoFit/>
+          </a:bodyPr>
+          <a:lstStyle/>
+          <a:p>
+            <a:r>
+              <a:rPr lang="en-US" sz="2000" b="1" dirty="0"/>
+              <a:t>Remote Repository</a:t>
+            </a:r>
+          </a:p>
+        </p:txBody>
+      </p:sp>
+      <p:sp>
+        <p:nvSpPr>
+          <p:cNvPr id="12" name="Arrow: Right 11">
+            <a:extLst>
+              <a:ext uri="{FF2B5EF4-FFF2-40B4-BE49-F238E27FC236}">
+                <a16:creationId xmlns:a16="http://schemas.microsoft.com/office/drawing/2014/main" id="{A2D97DA7-28E8-4C7A-A3C2-BEE74045DACD}"/>
+              </a:ext>
+            </a:extLst>
+          </p:cNvPr>
+          <p:cNvSpPr/>
+          <p:nvPr/>
+        </p:nvSpPr>
+        <p:spPr>
+          <a:xfrm>
+            <a:off x="356171" y="4539467"/>
+            <a:ext cx="11342669" cy="737171"/>
+          </a:xfrm>
+          <a:prstGeom prst="rightArrow">
+            <a:avLst/>
+          </a:prstGeom>
+        </p:spPr>
+        <p:style>
+          <a:lnRef idx="2">
+            <a:schemeClr val="accent1">
+              <a:shade val="50000"/>
+            </a:schemeClr>
+          </a:lnRef>
+          <a:fillRef idx="1">
+            <a:schemeClr val="accent1"/>
+          </a:fillRef>
+          <a:effectRef idx="0">
+            <a:schemeClr val="accent1"/>
+          </a:effectRef>
+          <a:fontRef idx="minor">
+            <a:schemeClr val="lt1"/>
+          </a:fontRef>
+        </p:style>
+        <p:txBody>
+          <a:bodyPr rtlCol="0" anchor="ctr"/>
+          <a:lstStyle/>
+          <a:p>
+            <a:pPr algn="ctr"/>
+            <a:r>
+              <a:rPr lang="en-US" dirty="0"/>
+              <a:t>master</a:t>
+            </a:r>
+          </a:p>
+        </p:txBody>
+      </p:sp>
+      <p:sp>
+        <p:nvSpPr>
+          <p:cNvPr id="13" name="Oval 12">
+            <a:extLst>
+              <a:ext uri="{FF2B5EF4-FFF2-40B4-BE49-F238E27FC236}">
+                <a16:creationId xmlns:a16="http://schemas.microsoft.com/office/drawing/2014/main" id="{56C25C79-06E5-40AA-A0DF-930070979877}"/>
+              </a:ext>
+            </a:extLst>
+          </p:cNvPr>
+          <p:cNvSpPr/>
+          <p:nvPr/>
+        </p:nvSpPr>
+        <p:spPr>
+          <a:xfrm>
+            <a:off x="1126732" y="4703854"/>
+            <a:ext cx="452063" cy="410966"/>
+          </a:xfrm>
+          <a:prstGeom prst="ellipse">
+            <a:avLst/>
+          </a:prstGeom>
+          <a:solidFill>
+            <a:schemeClr val="accent2"/>
+          </a:solidFill>
+        </p:spPr>
+        <p:style>
+          <a:lnRef idx="2">
+            <a:schemeClr val="accent1">
+              <a:shade val="50000"/>
+            </a:schemeClr>
+          </a:lnRef>
+          <a:fillRef idx="1">
+            <a:schemeClr val="accent1"/>
+          </a:fillRef>
+          <a:effectRef idx="0">
+            <a:schemeClr val="accent1"/>
+          </a:effectRef>
+          <a:fontRef idx="minor">
+            <a:schemeClr val="lt1"/>
+          </a:fontRef>
+        </p:style>
+        <p:txBody>
+          <a:bodyPr rtlCol="0" anchor="ctr"/>
+          <a:lstStyle/>
+          <a:p>
+            <a:pPr algn="ctr"/>
+            <a:endParaRPr lang="en-US"/>
+          </a:p>
+        </p:txBody>
+      </p:sp>
+      <p:sp>
+        <p:nvSpPr>
+          <p:cNvPr id="14" name="Oval 13">
+            <a:extLst>
+              <a:ext uri="{FF2B5EF4-FFF2-40B4-BE49-F238E27FC236}">
+                <a16:creationId xmlns:a16="http://schemas.microsoft.com/office/drawing/2014/main" id="{5644EE35-6E83-4207-AE3D-A342A0C0E69E}"/>
+              </a:ext>
+            </a:extLst>
+          </p:cNvPr>
+          <p:cNvSpPr/>
+          <p:nvPr/>
+        </p:nvSpPr>
+        <p:spPr>
+          <a:xfrm>
+            <a:off x="2654156" y="4714128"/>
+            <a:ext cx="452063" cy="410966"/>
+          </a:xfrm>
+          <a:prstGeom prst="ellipse">
+            <a:avLst/>
+          </a:prstGeom>
+          <a:solidFill>
+            <a:schemeClr val="accent2"/>
+          </a:solidFill>
+        </p:spPr>
+        <p:style>
+          <a:lnRef idx="2">
+            <a:schemeClr val="accent1">
+              <a:shade val="50000"/>
+            </a:schemeClr>
+          </a:lnRef>
+          <a:fillRef idx="1">
+            <a:schemeClr val="accent1"/>
+          </a:fillRef>
+          <a:effectRef idx="0">
+            <a:schemeClr val="accent1"/>
+          </a:effectRef>
+          <a:fontRef idx="minor">
+            <a:schemeClr val="lt1"/>
+          </a:fontRef>
+        </p:style>
+        <p:txBody>
+          <a:bodyPr rtlCol="0" anchor="ctr"/>
+          <a:lstStyle/>
+          <a:p>
+            <a:pPr algn="ctr"/>
+            <a:endParaRPr lang="en-US"/>
+          </a:p>
+        </p:txBody>
+      </p:sp>
+      <p:sp>
+        <p:nvSpPr>
+          <p:cNvPr id="15" name="Oval 14">
+            <a:extLst>
+              <a:ext uri="{FF2B5EF4-FFF2-40B4-BE49-F238E27FC236}">
+                <a16:creationId xmlns:a16="http://schemas.microsoft.com/office/drawing/2014/main" id="{C0E91CA5-AFF7-4F86-9BDD-C23ABD85A5CC}"/>
+              </a:ext>
+            </a:extLst>
+          </p:cNvPr>
+          <p:cNvSpPr/>
+          <p:nvPr/>
+        </p:nvSpPr>
+        <p:spPr>
+          <a:xfrm>
+            <a:off x="4423024" y="4702569"/>
+            <a:ext cx="452063" cy="410966"/>
+          </a:xfrm>
+          <a:prstGeom prst="ellipse">
+            <a:avLst/>
+          </a:prstGeom>
+          <a:solidFill>
+            <a:schemeClr val="accent2"/>
+          </a:solidFill>
+        </p:spPr>
+        <p:style>
+          <a:lnRef idx="2">
+            <a:schemeClr val="accent1">
+              <a:shade val="50000"/>
+            </a:schemeClr>
+          </a:lnRef>
+          <a:fillRef idx="1">
+            <a:schemeClr val="accent1"/>
+          </a:fillRef>
+          <a:effectRef idx="0">
+            <a:schemeClr val="accent1"/>
+          </a:effectRef>
+          <a:fontRef idx="minor">
+            <a:schemeClr val="lt1"/>
+          </a:fontRef>
+        </p:style>
+        <p:txBody>
+          <a:bodyPr rtlCol="0" anchor="ctr"/>
+          <a:lstStyle/>
+          <a:p>
+            <a:pPr algn="ctr"/>
+            <a:endParaRPr lang="en-US"/>
+          </a:p>
+        </p:txBody>
+      </p:sp>
+      <p:sp>
+        <p:nvSpPr>
+          <p:cNvPr id="16" name="Oval 15">
+            <a:extLst>
+              <a:ext uri="{FF2B5EF4-FFF2-40B4-BE49-F238E27FC236}">
+                <a16:creationId xmlns:a16="http://schemas.microsoft.com/office/drawing/2014/main" id="{7EDC32EF-2B9C-4819-85D3-1D1A16730E46}"/>
+              </a:ext>
+            </a:extLst>
+          </p:cNvPr>
+          <p:cNvSpPr/>
+          <p:nvPr/>
+        </p:nvSpPr>
+        <p:spPr>
+          <a:xfrm>
+            <a:off x="6947040" y="4702569"/>
+            <a:ext cx="452063" cy="410966"/>
+          </a:xfrm>
+          <a:prstGeom prst="ellipse">
+            <a:avLst/>
+          </a:prstGeom>
+          <a:solidFill>
+            <a:schemeClr val="accent2"/>
+          </a:solidFill>
+        </p:spPr>
+        <p:style>
+          <a:lnRef idx="2">
+            <a:schemeClr val="accent1">
+              <a:shade val="50000"/>
+            </a:schemeClr>
+          </a:lnRef>
+          <a:fillRef idx="1">
+            <a:schemeClr val="accent1"/>
+          </a:fillRef>
+          <a:effectRef idx="0">
+            <a:schemeClr val="accent1"/>
+          </a:effectRef>
+          <a:fontRef idx="minor">
+            <a:schemeClr val="lt1"/>
+          </a:fontRef>
+        </p:style>
+        <p:txBody>
+          <a:bodyPr rtlCol="0" anchor="ctr"/>
+          <a:lstStyle/>
+          <a:p>
+            <a:pPr algn="ctr"/>
+            <a:endParaRPr lang="en-US"/>
+          </a:p>
+        </p:txBody>
+      </p:sp>
+      <p:sp>
+        <p:nvSpPr>
+          <p:cNvPr id="17" name="TextBox 16">
+            <a:extLst>
+              <a:ext uri="{FF2B5EF4-FFF2-40B4-BE49-F238E27FC236}">
+                <a16:creationId xmlns:a16="http://schemas.microsoft.com/office/drawing/2014/main" id="{A38AC5C5-8EEA-4776-8D09-8BCA090BEAEB}"/>
+              </a:ext>
+            </a:extLst>
+          </p:cNvPr>
+          <p:cNvSpPr txBox="1"/>
+          <p:nvPr/>
+        </p:nvSpPr>
+        <p:spPr>
+          <a:xfrm>
+            <a:off x="742660" y="5172881"/>
+            <a:ext cx="1220206" cy="369332"/>
+          </a:xfrm>
+          <a:prstGeom prst="rect">
+            <a:avLst/>
+          </a:prstGeom>
+          <a:noFill/>
+        </p:spPr>
+        <p:txBody>
+          <a:bodyPr wrap="none" rtlCol="0">
+            <a:spAutoFit/>
+          </a:bodyPr>
+          <a:lstStyle/>
+          <a:p>
+            <a:r>
+              <a:rPr lang="en-US" dirty="0"/>
+              <a:t>Commit All</a:t>
+            </a:r>
+          </a:p>
+        </p:txBody>
+      </p:sp>
+      <p:sp>
+        <p:nvSpPr>
+          <p:cNvPr id="18" name="TextBox 17">
+            <a:extLst>
+              <a:ext uri="{FF2B5EF4-FFF2-40B4-BE49-F238E27FC236}">
+                <a16:creationId xmlns:a16="http://schemas.microsoft.com/office/drawing/2014/main" id="{F80A3FF4-889C-4D52-B07B-77DB50B7C048}"/>
+              </a:ext>
+            </a:extLst>
+          </p:cNvPr>
+          <p:cNvSpPr txBox="1"/>
+          <p:nvPr/>
+        </p:nvSpPr>
+        <p:spPr>
+          <a:xfrm>
+            <a:off x="2270084" y="4331953"/>
+            <a:ext cx="1505027" cy="369332"/>
+          </a:xfrm>
+          <a:prstGeom prst="rect">
+            <a:avLst/>
+          </a:prstGeom>
+          <a:noFill/>
+        </p:spPr>
+        <p:txBody>
+          <a:bodyPr wrap="none" rtlCol="0">
+            <a:spAutoFit/>
+          </a:bodyPr>
+          <a:lstStyle/>
+          <a:p>
+            <a:r>
+              <a:rPr lang="en-US" dirty="0"/>
+              <a:t>Show Method</a:t>
+            </a:r>
+          </a:p>
+        </p:txBody>
+      </p:sp>
+      <p:sp>
+        <p:nvSpPr>
+          <p:cNvPr id="19" name="Arrow: Right 18">
+            <a:extLst>
+              <a:ext uri="{FF2B5EF4-FFF2-40B4-BE49-F238E27FC236}">
+                <a16:creationId xmlns:a16="http://schemas.microsoft.com/office/drawing/2014/main" id="{C6E87416-9CDD-4737-AE16-AE9DCA5FDB69}"/>
+              </a:ext>
+            </a:extLst>
+          </p:cNvPr>
+          <p:cNvSpPr/>
+          <p:nvPr/>
+        </p:nvSpPr>
+        <p:spPr>
+          <a:xfrm rot="19284264">
+            <a:off x="3453684" y="703773"/>
+            <a:ext cx="3291109" cy="750014"/>
+          </a:xfrm>
+          <a:prstGeom prst="rightArrow">
+            <a:avLst/>
+          </a:prstGeom>
+        </p:spPr>
+        <p:style>
+          <a:lnRef idx="2">
+            <a:schemeClr val="accent1">
+              <a:shade val="50000"/>
+            </a:schemeClr>
+          </a:lnRef>
+          <a:fillRef idx="1">
+            <a:schemeClr val="accent1"/>
+          </a:fillRef>
+          <a:effectRef idx="0">
+            <a:schemeClr val="accent1"/>
+          </a:effectRef>
+          <a:fontRef idx="minor">
+            <a:schemeClr val="lt1"/>
+          </a:fontRef>
+        </p:style>
+        <p:txBody>
+          <a:bodyPr rtlCol="0" anchor="ctr"/>
+          <a:lstStyle/>
+          <a:p>
+            <a:pPr algn="ctr"/>
+            <a:r>
+              <a:rPr lang="en-US" dirty="0"/>
+              <a:t>Login Feature</a:t>
+            </a:r>
+          </a:p>
+        </p:txBody>
+      </p:sp>
+      <p:sp>
+        <p:nvSpPr>
+          <p:cNvPr id="20" name="Arrow: Right 19">
+            <a:extLst>
+              <a:ext uri="{FF2B5EF4-FFF2-40B4-BE49-F238E27FC236}">
+                <a16:creationId xmlns:a16="http://schemas.microsoft.com/office/drawing/2014/main" id="{3629467B-74DD-4E19-9EAA-1FC54F34066B}"/>
+              </a:ext>
+            </a:extLst>
+          </p:cNvPr>
+          <p:cNvSpPr/>
+          <p:nvPr/>
+        </p:nvSpPr>
+        <p:spPr>
+          <a:xfrm rot="2390715">
+            <a:off x="5610660" y="740968"/>
+            <a:ext cx="3035405" cy="733644"/>
+          </a:xfrm>
+          <a:prstGeom prst="rightArrow">
+            <a:avLst/>
+          </a:prstGeom>
+        </p:spPr>
+        <p:style>
+          <a:lnRef idx="2">
+            <a:schemeClr val="accent1">
+              <a:shade val="50000"/>
+            </a:schemeClr>
+          </a:lnRef>
+          <a:fillRef idx="1">
+            <a:schemeClr val="accent1"/>
+          </a:fillRef>
+          <a:effectRef idx="0">
+            <a:schemeClr val="accent1"/>
+          </a:effectRef>
+          <a:fontRef idx="minor">
+            <a:schemeClr val="lt1"/>
+          </a:fontRef>
+        </p:style>
+        <p:txBody>
+          <a:bodyPr rtlCol="0" anchor="ctr"/>
+          <a:lstStyle/>
+          <a:p>
+            <a:pPr algn="ctr"/>
+            <a:r>
+              <a:rPr lang="en-US" dirty="0"/>
+              <a:t>Merge Login Feature</a:t>
+            </a:r>
+          </a:p>
+        </p:txBody>
+      </p:sp>
+      <p:sp>
+        <p:nvSpPr>
+          <p:cNvPr id="21" name="Arrow: Right 20">
+            <a:extLst>
+              <a:ext uri="{FF2B5EF4-FFF2-40B4-BE49-F238E27FC236}">
+                <a16:creationId xmlns:a16="http://schemas.microsoft.com/office/drawing/2014/main" id="{363E8154-105E-4C3B-9B09-92008D03EA98}"/>
+              </a:ext>
+            </a:extLst>
+          </p:cNvPr>
+          <p:cNvSpPr/>
+          <p:nvPr/>
+        </p:nvSpPr>
+        <p:spPr>
+          <a:xfrm rot="1857280">
+            <a:off x="6582093" y="2466813"/>
+            <a:ext cx="3230951" cy="750014"/>
+          </a:xfrm>
+          <a:prstGeom prst="rightArrow">
+            <a:avLst/>
+          </a:prstGeom>
+        </p:spPr>
+        <p:style>
+          <a:lnRef idx="2">
+            <a:schemeClr val="accent1">
+              <a:shade val="50000"/>
+            </a:schemeClr>
+          </a:lnRef>
+          <a:fillRef idx="1">
+            <a:schemeClr val="accent1"/>
+          </a:fillRef>
+          <a:effectRef idx="0">
+            <a:schemeClr val="accent1"/>
+          </a:effectRef>
+          <a:fontRef idx="minor">
+            <a:schemeClr val="lt1"/>
+          </a:fontRef>
+        </p:style>
+        <p:txBody>
+          <a:bodyPr rtlCol="0" anchor="ctr"/>
+          <a:lstStyle/>
+          <a:p>
+            <a:pPr algn="ctr"/>
+            <a:r>
+              <a:rPr lang="en-US" dirty="0"/>
+              <a:t>Validate Feature</a:t>
+            </a:r>
+          </a:p>
+        </p:txBody>
+      </p:sp>
+      <p:sp>
+        <p:nvSpPr>
+          <p:cNvPr id="22" name="Arrow: Right 21">
+            <a:extLst>
+              <a:ext uri="{FF2B5EF4-FFF2-40B4-BE49-F238E27FC236}">
+                <a16:creationId xmlns:a16="http://schemas.microsoft.com/office/drawing/2014/main" id="{D9548FDA-0544-4504-B792-713D3444B9BB}"/>
+              </a:ext>
+            </a:extLst>
+          </p:cNvPr>
+          <p:cNvSpPr/>
+          <p:nvPr/>
+        </p:nvSpPr>
+        <p:spPr>
+          <a:xfrm rot="1857280">
+            <a:off x="3748423" y="2561218"/>
+            <a:ext cx="3230951" cy="750014"/>
+          </a:xfrm>
+          <a:prstGeom prst="rightArrow">
+            <a:avLst/>
+          </a:prstGeom>
+        </p:spPr>
+        <p:style>
+          <a:lnRef idx="2">
+            <a:schemeClr val="accent1">
+              <a:shade val="50000"/>
+            </a:schemeClr>
+          </a:lnRef>
+          <a:fillRef idx="1">
+            <a:schemeClr val="accent1"/>
+          </a:fillRef>
+          <a:effectRef idx="0">
+            <a:schemeClr val="accent1"/>
+          </a:effectRef>
+          <a:fontRef idx="minor">
+            <a:schemeClr val="lt1"/>
+          </a:fontRef>
+        </p:style>
+        <p:txBody>
+          <a:bodyPr rtlCol="0" anchor="ctr"/>
+          <a:lstStyle/>
+          <a:p>
+            <a:pPr algn="ctr"/>
+            <a:r>
+              <a:rPr lang="en-US" dirty="0"/>
+              <a:t>Report Feature</a:t>
+            </a:r>
+          </a:p>
+        </p:txBody>
+      </p:sp>
+      <p:sp>
+        <p:nvSpPr>
+          <p:cNvPr id="23" name="Oval 22">
+            <a:extLst>
+              <a:ext uri="{FF2B5EF4-FFF2-40B4-BE49-F238E27FC236}">
+                <a16:creationId xmlns:a16="http://schemas.microsoft.com/office/drawing/2014/main" id="{5518868C-3E79-414C-954C-C166FD3DEFA2}"/>
+              </a:ext>
+            </a:extLst>
+          </p:cNvPr>
+          <p:cNvSpPr/>
+          <p:nvPr/>
+        </p:nvSpPr>
+        <p:spPr>
+          <a:xfrm>
+            <a:off x="4365109" y="2261759"/>
+            <a:ext cx="452063" cy="410966"/>
+          </a:xfrm>
+          <a:prstGeom prst="ellipse">
+            <a:avLst/>
+          </a:prstGeom>
+          <a:solidFill>
+            <a:schemeClr val="accent2"/>
+          </a:solidFill>
+        </p:spPr>
+        <p:style>
+          <a:lnRef idx="2">
+            <a:schemeClr val="accent1">
+              <a:shade val="50000"/>
+            </a:schemeClr>
+          </a:lnRef>
+          <a:fillRef idx="1">
+            <a:schemeClr val="accent1"/>
+          </a:fillRef>
+          <a:effectRef idx="0">
+            <a:schemeClr val="accent1"/>
+          </a:effectRef>
+          <a:fontRef idx="minor">
+            <a:schemeClr val="lt1"/>
+          </a:fontRef>
+        </p:style>
+        <p:txBody>
+          <a:bodyPr rtlCol="0" anchor="ctr"/>
+          <a:lstStyle/>
+          <a:p>
+            <a:pPr algn="ctr"/>
+            <a:endParaRPr lang="en-US"/>
+          </a:p>
+        </p:txBody>
+      </p:sp>
+      <p:sp>
+        <p:nvSpPr>
+          <p:cNvPr id="24" name="Oval 23">
+            <a:extLst>
+              <a:ext uri="{FF2B5EF4-FFF2-40B4-BE49-F238E27FC236}">
+                <a16:creationId xmlns:a16="http://schemas.microsoft.com/office/drawing/2014/main" id="{4E690578-6B2E-4420-AE5F-08B0D2DBEA7D}"/>
+              </a:ext>
+            </a:extLst>
+          </p:cNvPr>
+          <p:cNvSpPr/>
+          <p:nvPr/>
+        </p:nvSpPr>
+        <p:spPr>
+          <a:xfrm>
+            <a:off x="5406392" y="2925652"/>
+            <a:ext cx="452063" cy="410966"/>
+          </a:xfrm>
+          <a:prstGeom prst="ellipse">
+            <a:avLst/>
+          </a:prstGeom>
+          <a:solidFill>
+            <a:schemeClr val="accent2"/>
+          </a:solidFill>
+        </p:spPr>
+        <p:style>
+          <a:lnRef idx="2">
+            <a:schemeClr val="accent1">
+              <a:shade val="50000"/>
+            </a:schemeClr>
+          </a:lnRef>
+          <a:fillRef idx="1">
+            <a:schemeClr val="accent1"/>
+          </a:fillRef>
+          <a:effectRef idx="0">
+            <a:schemeClr val="accent1"/>
+          </a:effectRef>
+          <a:fontRef idx="minor">
+            <a:schemeClr val="lt1"/>
+          </a:fontRef>
+        </p:style>
+        <p:txBody>
+          <a:bodyPr rtlCol="0" anchor="ctr"/>
+          <a:lstStyle/>
+          <a:p>
+            <a:pPr algn="ctr"/>
+            <a:endParaRPr lang="en-US"/>
+          </a:p>
+        </p:txBody>
+      </p:sp>
+      <p:sp>
+        <p:nvSpPr>
+          <p:cNvPr id="25" name="Oval 24">
+            <a:extLst>
+              <a:ext uri="{FF2B5EF4-FFF2-40B4-BE49-F238E27FC236}">
+                <a16:creationId xmlns:a16="http://schemas.microsoft.com/office/drawing/2014/main" id="{7A3D1BDD-1827-4047-BF34-27F20308C398}"/>
+              </a:ext>
+            </a:extLst>
+          </p:cNvPr>
+          <p:cNvSpPr/>
+          <p:nvPr/>
+        </p:nvSpPr>
+        <p:spPr>
+          <a:xfrm>
+            <a:off x="4478311" y="1137867"/>
+            <a:ext cx="452063" cy="410966"/>
+          </a:xfrm>
+          <a:prstGeom prst="ellipse">
+            <a:avLst/>
+          </a:prstGeom>
+          <a:solidFill>
+            <a:schemeClr val="accent2"/>
+          </a:solidFill>
+        </p:spPr>
+        <p:style>
+          <a:lnRef idx="2">
+            <a:schemeClr val="accent1">
+              <a:shade val="50000"/>
+            </a:schemeClr>
+          </a:lnRef>
+          <a:fillRef idx="1">
+            <a:schemeClr val="accent1"/>
+          </a:fillRef>
+          <a:effectRef idx="0">
+            <a:schemeClr val="accent1"/>
+          </a:effectRef>
+          <a:fontRef idx="minor">
+            <a:schemeClr val="lt1"/>
+          </a:fontRef>
+        </p:style>
+        <p:txBody>
+          <a:bodyPr rtlCol="0" anchor="ctr"/>
+          <a:lstStyle/>
+          <a:p>
+            <a:pPr algn="ctr"/>
+            <a:endParaRPr lang="en-US"/>
+          </a:p>
+        </p:txBody>
+      </p:sp>
+      <p:sp>
+        <p:nvSpPr>
+          <p:cNvPr id="26" name="Oval 25">
+            <a:extLst>
+              <a:ext uri="{FF2B5EF4-FFF2-40B4-BE49-F238E27FC236}">
+                <a16:creationId xmlns:a16="http://schemas.microsoft.com/office/drawing/2014/main" id="{A288D903-2E23-4873-B4D4-0AFBFF3653C4}"/>
+              </a:ext>
+            </a:extLst>
+          </p:cNvPr>
+          <p:cNvSpPr/>
+          <p:nvPr/>
+        </p:nvSpPr>
+        <p:spPr>
+          <a:xfrm>
+            <a:off x="5284573" y="554811"/>
+            <a:ext cx="452063" cy="410966"/>
+          </a:xfrm>
+          <a:prstGeom prst="ellipse">
+            <a:avLst/>
+          </a:prstGeom>
+          <a:solidFill>
+            <a:schemeClr val="accent2"/>
+          </a:solidFill>
+        </p:spPr>
+        <p:style>
+          <a:lnRef idx="2">
+            <a:schemeClr val="accent1">
+              <a:shade val="50000"/>
+            </a:schemeClr>
+          </a:lnRef>
+          <a:fillRef idx="1">
+            <a:schemeClr val="accent1"/>
+          </a:fillRef>
+          <a:effectRef idx="0">
+            <a:schemeClr val="accent1"/>
+          </a:effectRef>
+          <a:fontRef idx="minor">
+            <a:schemeClr val="lt1"/>
+          </a:fontRef>
+        </p:style>
+        <p:txBody>
+          <a:bodyPr rtlCol="0" anchor="ctr"/>
+          <a:lstStyle/>
+          <a:p>
+            <a:pPr algn="ctr"/>
+            <a:endParaRPr lang="en-US"/>
+          </a:p>
+        </p:txBody>
+      </p:sp>
+      <p:sp>
+        <p:nvSpPr>
+          <p:cNvPr id="27" name="Oval 26">
+            <a:extLst>
+              <a:ext uri="{FF2B5EF4-FFF2-40B4-BE49-F238E27FC236}">
+                <a16:creationId xmlns:a16="http://schemas.microsoft.com/office/drawing/2014/main" id="{9AA24542-E235-4541-A6D0-01F6B4CD1110}"/>
+              </a:ext>
+            </a:extLst>
+          </p:cNvPr>
+          <p:cNvSpPr/>
+          <p:nvPr/>
+        </p:nvSpPr>
+        <p:spPr>
+          <a:xfrm>
+            <a:off x="6939612" y="898993"/>
+            <a:ext cx="452063" cy="410966"/>
+          </a:xfrm>
+          <a:prstGeom prst="ellipse">
+            <a:avLst/>
+          </a:prstGeom>
+          <a:solidFill>
+            <a:schemeClr val="accent2"/>
+          </a:solidFill>
+        </p:spPr>
+        <p:style>
+          <a:lnRef idx="2">
+            <a:schemeClr val="accent1">
+              <a:shade val="50000"/>
+            </a:schemeClr>
+          </a:lnRef>
+          <a:fillRef idx="1">
+            <a:schemeClr val="accent1"/>
+          </a:fillRef>
+          <a:effectRef idx="0">
+            <a:schemeClr val="accent1"/>
+          </a:effectRef>
+          <a:fontRef idx="minor">
+            <a:schemeClr val="lt1"/>
+          </a:fontRef>
+        </p:style>
+        <p:txBody>
+          <a:bodyPr rtlCol="0" anchor="ctr"/>
+          <a:lstStyle/>
+          <a:p>
+            <a:pPr algn="ctr"/>
+            <a:endParaRPr lang="en-US"/>
+          </a:p>
+        </p:txBody>
+      </p:sp>
+      <p:sp>
+        <p:nvSpPr>
+          <p:cNvPr id="28" name="Oval 27">
+            <a:extLst>
+              <a:ext uri="{FF2B5EF4-FFF2-40B4-BE49-F238E27FC236}">
+                <a16:creationId xmlns:a16="http://schemas.microsoft.com/office/drawing/2014/main" id="{E1E30EF1-7880-4F7F-8DE9-3F76A4283863}"/>
+              </a:ext>
+            </a:extLst>
+          </p:cNvPr>
+          <p:cNvSpPr/>
+          <p:nvPr/>
+        </p:nvSpPr>
+        <p:spPr>
+          <a:xfrm>
+            <a:off x="7365697" y="2267006"/>
+            <a:ext cx="452063" cy="410966"/>
+          </a:xfrm>
+          <a:prstGeom prst="ellipse">
+            <a:avLst/>
+          </a:prstGeom>
+          <a:solidFill>
+            <a:schemeClr val="accent2"/>
+          </a:solidFill>
+        </p:spPr>
+        <p:style>
+          <a:lnRef idx="2">
+            <a:schemeClr val="accent1">
+              <a:shade val="50000"/>
+            </a:schemeClr>
+          </a:lnRef>
+          <a:fillRef idx="1">
+            <a:schemeClr val="accent1"/>
+          </a:fillRef>
+          <a:effectRef idx="0">
+            <a:schemeClr val="accent1"/>
+          </a:effectRef>
+          <a:fontRef idx="minor">
+            <a:schemeClr val="lt1"/>
+          </a:fontRef>
+        </p:style>
+        <p:txBody>
+          <a:bodyPr rtlCol="0" anchor="ctr"/>
+          <a:lstStyle/>
+          <a:p>
+            <a:pPr algn="ctr"/>
+            <a:endParaRPr lang="en-US"/>
+          </a:p>
+        </p:txBody>
+      </p:sp>
+      <p:sp>
+        <p:nvSpPr>
+          <p:cNvPr id="29" name="Oval 28">
+            <a:extLst>
+              <a:ext uri="{FF2B5EF4-FFF2-40B4-BE49-F238E27FC236}">
+                <a16:creationId xmlns:a16="http://schemas.microsoft.com/office/drawing/2014/main" id="{EDA671C9-807B-42FE-BF63-78F8918E40C1}"/>
+              </a:ext>
+            </a:extLst>
+          </p:cNvPr>
+          <p:cNvSpPr/>
+          <p:nvPr/>
+        </p:nvSpPr>
+        <p:spPr>
+          <a:xfrm>
+            <a:off x="8336919" y="2812555"/>
+            <a:ext cx="452063" cy="410966"/>
+          </a:xfrm>
+          <a:prstGeom prst="ellipse">
+            <a:avLst/>
+          </a:prstGeom>
+          <a:solidFill>
+            <a:schemeClr val="accent2"/>
+          </a:solidFill>
+        </p:spPr>
+        <p:style>
+          <a:lnRef idx="2">
+            <a:schemeClr val="accent1">
+              <a:shade val="50000"/>
+            </a:schemeClr>
+          </a:lnRef>
+          <a:fillRef idx="1">
+            <a:schemeClr val="accent1"/>
+          </a:fillRef>
+          <a:effectRef idx="0">
+            <a:schemeClr val="accent1"/>
+          </a:effectRef>
+          <a:fontRef idx="minor">
+            <a:schemeClr val="lt1"/>
+          </a:fontRef>
+        </p:style>
+        <p:txBody>
+          <a:bodyPr rtlCol="0" anchor="ctr"/>
+          <a:lstStyle/>
+          <a:p>
+            <a:pPr algn="ctr"/>
+            <a:endParaRPr lang="en-US"/>
+          </a:p>
+        </p:txBody>
+      </p:sp>
+      <p:sp>
+        <p:nvSpPr>
+          <p:cNvPr id="30" name="TextBox 29">
+            <a:extLst>
+              <a:ext uri="{FF2B5EF4-FFF2-40B4-BE49-F238E27FC236}">
+                <a16:creationId xmlns:a16="http://schemas.microsoft.com/office/drawing/2014/main" id="{A0518F7B-0AEF-42B5-8E9D-C1E7AEEBF83E}"/>
+              </a:ext>
+            </a:extLst>
+          </p:cNvPr>
+          <p:cNvSpPr txBox="1"/>
+          <p:nvPr/>
+        </p:nvSpPr>
+        <p:spPr>
+          <a:xfrm>
+            <a:off x="511889" y="717070"/>
+            <a:ext cx="1933350" cy="400110"/>
+          </a:xfrm>
+          <a:prstGeom prst="rect">
+            <a:avLst/>
+          </a:prstGeom>
+          <a:noFill/>
+        </p:spPr>
+        <p:txBody>
+          <a:bodyPr wrap="none" rtlCol="0">
+            <a:spAutoFit/>
+          </a:bodyPr>
+          <a:lstStyle/>
+          <a:p>
+            <a:r>
+              <a:rPr lang="en-US" sz="2000" b="1" dirty="0"/>
+              <a:t>Local Repository</a:t>
+            </a:r>
+          </a:p>
+        </p:txBody>
+      </p:sp>
+      <p:sp>
+        <p:nvSpPr>
+          <p:cNvPr id="31" name="Rectangle 30">
+            <a:extLst>
+              <a:ext uri="{FF2B5EF4-FFF2-40B4-BE49-F238E27FC236}">
+                <a16:creationId xmlns:a16="http://schemas.microsoft.com/office/drawing/2014/main" id="{500F7D00-6C0D-4E07-81E4-8A38634B9CEB}"/>
+              </a:ext>
+            </a:extLst>
+          </p:cNvPr>
+          <p:cNvSpPr/>
+          <p:nvPr/>
+        </p:nvSpPr>
+        <p:spPr>
+          <a:xfrm>
+            <a:off x="356171" y="233739"/>
+            <a:ext cx="11613222" cy="3760613"/>
+          </a:xfrm>
+          <a:prstGeom prst="rect">
+            <a:avLst/>
+          </a:prstGeom>
+          <a:noFill/>
+        </p:spPr>
+        <p:style>
+          <a:lnRef idx="2">
+            <a:schemeClr val="accent1">
+              <a:shade val="50000"/>
+            </a:schemeClr>
+          </a:lnRef>
+          <a:fillRef idx="1">
+            <a:schemeClr val="accent1"/>
+          </a:fillRef>
+          <a:effectRef idx="0">
+            <a:schemeClr val="accent1"/>
+          </a:effectRef>
+          <a:fontRef idx="minor">
+            <a:schemeClr val="lt1"/>
+          </a:fontRef>
+        </p:style>
+        <p:txBody>
+          <a:bodyPr rtlCol="0" anchor="ctr"/>
+          <a:lstStyle/>
+          <a:p>
+            <a:pPr algn="ctr"/>
+            <a:endParaRPr lang="en-US"/>
+          </a:p>
+        </p:txBody>
+      </p:sp>
+      <p:sp>
+        <p:nvSpPr>
+          <p:cNvPr id="32" name="Arrow: Right 31">
+            <a:extLst>
+              <a:ext uri="{FF2B5EF4-FFF2-40B4-BE49-F238E27FC236}">
+                <a16:creationId xmlns:a16="http://schemas.microsoft.com/office/drawing/2014/main" id="{D56174DC-C06F-4FF0-8215-DFAC4F89A2AD}"/>
+              </a:ext>
+            </a:extLst>
+          </p:cNvPr>
+          <p:cNvSpPr/>
+          <p:nvPr/>
+        </p:nvSpPr>
+        <p:spPr>
+          <a:xfrm rot="5873802">
+            <a:off x="4259957" y="3110880"/>
+            <a:ext cx="1440400" cy="685639"/>
+          </a:xfrm>
+          <a:prstGeom prst="rightArrow">
+            <a:avLst/>
+          </a:prstGeom>
+        </p:spPr>
+        <p:style>
+          <a:lnRef idx="2">
+            <a:schemeClr val="accent1">
+              <a:shade val="50000"/>
+            </a:schemeClr>
+          </a:lnRef>
+          <a:fillRef idx="1">
+            <a:schemeClr val="accent1"/>
+          </a:fillRef>
+          <a:effectRef idx="0">
+            <a:schemeClr val="accent1"/>
+          </a:effectRef>
+          <a:fontRef idx="minor">
+            <a:schemeClr val="lt1"/>
+          </a:fontRef>
+        </p:style>
+        <p:txBody>
+          <a:bodyPr rtlCol="0" anchor="ctr"/>
+          <a:lstStyle/>
+          <a:p>
+            <a:pPr algn="ctr"/>
+            <a:endParaRPr lang="en-US"/>
+          </a:p>
+        </p:txBody>
+      </p:sp>
+      <p:sp>
+        <p:nvSpPr>
+          <p:cNvPr id="33" name="Arrow: Right 32">
+            <a:extLst>
+              <a:ext uri="{FF2B5EF4-FFF2-40B4-BE49-F238E27FC236}">
+                <a16:creationId xmlns:a16="http://schemas.microsoft.com/office/drawing/2014/main" id="{5CF2C7AB-E598-47BC-94B4-586DEFE801FA}"/>
+              </a:ext>
+            </a:extLst>
+          </p:cNvPr>
+          <p:cNvSpPr/>
+          <p:nvPr/>
+        </p:nvSpPr>
+        <p:spPr>
+          <a:xfrm rot="21353585">
+            <a:off x="8254171" y="2449101"/>
+            <a:ext cx="1440400" cy="685639"/>
+          </a:xfrm>
+          <a:prstGeom prst="rightArrow">
+            <a:avLst/>
+          </a:prstGeom>
+        </p:spPr>
+        <p:style>
+          <a:lnRef idx="2">
+            <a:schemeClr val="accent1">
+              <a:shade val="50000"/>
+            </a:schemeClr>
+          </a:lnRef>
+          <a:fillRef idx="1">
+            <a:schemeClr val="accent1"/>
+          </a:fillRef>
+          <a:effectRef idx="0">
+            <a:schemeClr val="accent1"/>
+          </a:effectRef>
+          <a:fontRef idx="minor">
+            <a:schemeClr val="lt1"/>
+          </a:fontRef>
+        </p:style>
+        <p:txBody>
+          <a:bodyPr rtlCol="0" anchor="ctr"/>
+          <a:lstStyle/>
+          <a:p>
+            <a:pPr algn="ctr"/>
+            <a:endParaRPr lang="en-US"/>
+          </a:p>
+        </p:txBody>
+      </p:sp>
+      <p:sp>
+        <p:nvSpPr>
+          <p:cNvPr id="34" name="Arrow: Right 33">
+            <a:extLst>
+              <a:ext uri="{FF2B5EF4-FFF2-40B4-BE49-F238E27FC236}">
+                <a16:creationId xmlns:a16="http://schemas.microsoft.com/office/drawing/2014/main" id="{EBC83734-C1BB-4FAB-BB5C-2E55C5D21604}"/>
+              </a:ext>
+            </a:extLst>
+          </p:cNvPr>
+          <p:cNvSpPr/>
+          <p:nvPr/>
+        </p:nvSpPr>
+        <p:spPr>
+          <a:xfrm rot="20342182">
+            <a:off x="4751123" y="3381836"/>
+            <a:ext cx="1572871" cy="685639"/>
+          </a:xfrm>
+          <a:prstGeom prst="rightArrow">
+            <a:avLst/>
+          </a:prstGeom>
+        </p:spPr>
+        <p:style>
+          <a:lnRef idx="2">
+            <a:schemeClr val="accent1">
+              <a:shade val="50000"/>
+            </a:schemeClr>
+          </a:lnRef>
+          <a:fillRef idx="1">
+            <a:schemeClr val="accent1"/>
+          </a:fillRef>
+          <a:effectRef idx="0">
+            <a:schemeClr val="accent1"/>
+          </a:effectRef>
+          <a:fontRef idx="minor">
+            <a:schemeClr val="lt1"/>
+          </a:fontRef>
+        </p:style>
+        <p:txBody>
+          <a:bodyPr rtlCol="0" anchor="ctr"/>
+          <a:lstStyle/>
+          <a:p>
+            <a:pPr algn="ctr"/>
+            <a:endParaRPr lang="en-US"/>
+          </a:p>
+        </p:txBody>
+      </p:sp>
+      <p:sp>
+        <p:nvSpPr>
+          <p:cNvPr id="35" name="Arrow: Right 34">
+            <a:extLst>
+              <a:ext uri="{FF2B5EF4-FFF2-40B4-BE49-F238E27FC236}">
+                <a16:creationId xmlns:a16="http://schemas.microsoft.com/office/drawing/2014/main" id="{3D1D2DCE-A081-4469-A50B-69D02DC8B0D6}"/>
+              </a:ext>
+            </a:extLst>
+          </p:cNvPr>
+          <p:cNvSpPr/>
+          <p:nvPr/>
+        </p:nvSpPr>
+        <p:spPr>
+          <a:xfrm rot="18609241">
+            <a:off x="5151271" y="2132570"/>
+            <a:ext cx="1710506" cy="750014"/>
+          </a:xfrm>
+          <a:prstGeom prst="rightArrow">
+            <a:avLst/>
+          </a:prstGeom>
+        </p:spPr>
+        <p:style>
+          <a:lnRef idx="2">
+            <a:schemeClr val="accent1">
+              <a:shade val="50000"/>
+            </a:schemeClr>
+          </a:lnRef>
+          <a:fillRef idx="1">
+            <a:schemeClr val="accent1"/>
+          </a:fillRef>
+          <a:effectRef idx="0">
+            <a:schemeClr val="accent1"/>
+          </a:effectRef>
+          <a:fontRef idx="minor">
+            <a:schemeClr val="lt1"/>
+          </a:fontRef>
+        </p:style>
+        <p:txBody>
+          <a:bodyPr rtlCol="0" anchor="ctr"/>
+          <a:lstStyle/>
+          <a:p>
+            <a:pPr algn="ctr"/>
+            <a:r>
+              <a:rPr lang="en-US" dirty="0"/>
+              <a:t>Report Feature</a:t>
+            </a:r>
+          </a:p>
+        </p:txBody>
+      </p:sp>
+    </p:spTree>
+    <p:extLst>
+      <p:ext uri="{BB962C8B-B14F-4D97-AF65-F5344CB8AC3E}">
+        <p14:creationId xmlns:p14="http://schemas.microsoft.com/office/powerpoint/2010/main" val="2081179879"/>
+      </p:ext>
+    </p:extLst>
+  </p:cSld>
+  <p:clrMapOvr>
+    <a:masterClrMapping/>
+  </p:clrMapOvr>
+</p:sld>
+</file>
+
+<file path=ppt/slides/slide12.xml><?xml version="1.0" encoding="utf-8"?>
+<p:sld xmlns:a="http://schemas.openxmlformats.org/drawingml/2006/main" xmlns:r="http://schemas.openxmlformats.org/officeDocument/2006/relationships" xmlns:p="http://schemas.openxmlformats.org/presentationml/2006/main">
+  <p:cSld>
+    <p:spTree>
+      <p:nvGrpSpPr>
+        <p:cNvPr id="1" name=""/>
+        <p:cNvGrpSpPr/>
+        <p:nvPr/>
+      </p:nvGrpSpPr>
+      <p:grpSpPr>
+        <a:xfrm>
+          <a:off x="0" y="0"/>
+          <a:ext cx="0" cy="0"/>
+          <a:chOff x="0" y="0"/>
+          <a:chExt cx="0" cy="0"/>
+        </a:xfrm>
+      </p:grpSpPr>
+      <p:sp>
+        <p:nvSpPr>
+          <p:cNvPr id="2" name="Title 1">
+            <a:extLst>
+              <a:ext uri="{FF2B5EF4-FFF2-40B4-BE49-F238E27FC236}">
+                <a16:creationId xmlns:a16="http://schemas.microsoft.com/office/drawing/2014/main" id="{182EEA1D-56C2-4712-B8B1-42DECD1710CD}"/>
+              </a:ext>
+            </a:extLst>
+          </p:cNvPr>
+          <p:cNvSpPr>
+            <a:spLocks noGrp="1"/>
+          </p:cNvSpPr>
+          <p:nvPr>
+            <p:ph type="title"/>
+          </p:nvPr>
+        </p:nvSpPr>
+        <p:spPr/>
+        <p:txBody>
+          <a:bodyPr/>
+          <a:lstStyle/>
+          <a:p>
+            <a:r>
+              <a:rPr lang="en-US" dirty="0"/>
+              <a:t>Developer</a:t>
+            </a:r>
+          </a:p>
+        </p:txBody>
+      </p:sp>
+      <p:sp>
+        <p:nvSpPr>
+          <p:cNvPr id="3" name="Content Placeholder 2">
+            <a:extLst>
+              <a:ext uri="{FF2B5EF4-FFF2-40B4-BE49-F238E27FC236}">
+                <a16:creationId xmlns:a16="http://schemas.microsoft.com/office/drawing/2014/main" id="{ECF8C213-082C-43F8-827E-C64AA4B3023A}"/>
+              </a:ext>
+            </a:extLst>
+          </p:cNvPr>
+          <p:cNvSpPr>
+            <a:spLocks noGrp="1"/>
+          </p:cNvSpPr>
+          <p:nvPr>
+            <p:ph idx="1"/>
+          </p:nvPr>
+        </p:nvSpPr>
+        <p:spPr/>
+        <p:txBody>
+          <a:bodyPr/>
+          <a:lstStyle/>
+          <a:p>
+            <a:r>
+              <a:rPr lang="en-US" dirty="0"/>
+              <a:t>Features</a:t>
+            </a:r>
+          </a:p>
+          <a:p>
+            <a:pPr lvl="1"/>
+            <a:r>
+              <a:rPr lang="en-US" dirty="0"/>
+              <a:t>Login Feature</a:t>
+            </a:r>
+          </a:p>
+          <a:p>
+            <a:pPr lvl="1"/>
+            <a:r>
+              <a:rPr lang="en-US" dirty="0"/>
+              <a:t>Report Feature</a:t>
+            </a:r>
+          </a:p>
+          <a:p>
+            <a:pPr lvl="1"/>
+            <a:r>
+              <a:rPr lang="en-US" dirty="0"/>
+              <a:t>Validate Feature</a:t>
+            </a:r>
+          </a:p>
+        </p:txBody>
+      </p:sp>
+    </p:spTree>
+    <p:extLst>
+      <p:ext uri="{BB962C8B-B14F-4D97-AF65-F5344CB8AC3E}">
+        <p14:creationId xmlns:p14="http://schemas.microsoft.com/office/powerpoint/2010/main" val="3373665103"/>
+      </p:ext>
+    </p:extLst>
+  </p:cSld>
+  <p:clrMapOvr>
+    <a:masterClrMapping/>
+  </p:clrMapOvr>
+</p:sld>
+</file>
+
+<file path=ppt/slides/slide13.xml><?xml version="1.0" encoding="utf-8"?>
+<p:sld xmlns:a="http://schemas.openxmlformats.org/drawingml/2006/main" xmlns:r="http://schemas.openxmlformats.org/officeDocument/2006/relationships" xmlns:p="http://schemas.openxmlformats.org/presentationml/2006/main">
+  <p:cSld>
+    <p:spTree>
+      <p:nvGrpSpPr>
+        <p:cNvPr id="1" name=""/>
+        <p:cNvGrpSpPr/>
+        <p:nvPr/>
+      </p:nvGrpSpPr>
+      <p:grpSpPr>
+        <a:xfrm>
+          <a:off x="0" y="0"/>
+          <a:ext cx="0" cy="0"/>
+          <a:chOff x="0" y="0"/>
+          <a:chExt cx="0" cy="0"/>
+        </a:xfrm>
+      </p:grpSpPr>
+      <p:sp>
+        <p:nvSpPr>
+          <p:cNvPr id="2" name="Title 1">
+            <a:extLst>
+              <a:ext uri="{FF2B5EF4-FFF2-40B4-BE49-F238E27FC236}">
+                <a16:creationId xmlns:a16="http://schemas.microsoft.com/office/drawing/2014/main" id="{46B8198C-2592-404E-B13F-0209509DDD31}"/>
+              </a:ext>
+            </a:extLst>
+          </p:cNvPr>
+          <p:cNvSpPr>
+            <a:spLocks noGrp="1"/>
+          </p:cNvSpPr>
+          <p:nvPr>
+            <p:ph type="title"/>
+          </p:nvPr>
+        </p:nvSpPr>
+        <p:spPr/>
+        <p:txBody>
+          <a:bodyPr/>
+          <a:lstStyle/>
+          <a:p>
+            <a:r>
+              <a:rPr lang="en-US" dirty="0"/>
+              <a:t>Git Ignore</a:t>
+            </a:r>
+          </a:p>
+        </p:txBody>
+      </p:sp>
+      <p:sp>
+        <p:nvSpPr>
+          <p:cNvPr id="3" name="Content Placeholder 2">
+            <a:extLst>
+              <a:ext uri="{FF2B5EF4-FFF2-40B4-BE49-F238E27FC236}">
+                <a16:creationId xmlns:a16="http://schemas.microsoft.com/office/drawing/2014/main" id="{9DDCE7E6-E251-42A9-B59A-9B5F0B46A079}"/>
+              </a:ext>
+            </a:extLst>
+          </p:cNvPr>
+          <p:cNvSpPr>
+            <a:spLocks noGrp="1"/>
+          </p:cNvSpPr>
+          <p:nvPr>
+            <p:ph idx="1"/>
+          </p:nvPr>
+        </p:nvSpPr>
+        <p:spPr/>
+        <p:txBody>
+          <a:bodyPr/>
+          <a:lstStyle/>
+          <a:p>
+            <a:r>
+              <a:rPr lang="en-US" dirty="0"/>
+              <a:t>If you want to ignore any files/directories, not to be pushed to remote repository.</a:t>
+            </a:r>
+          </a:p>
+          <a:p>
+            <a:r>
+              <a:rPr lang="en-US" dirty="0"/>
+              <a:t>.</a:t>
+            </a:r>
+            <a:r>
+              <a:rPr lang="en-US" dirty="0" err="1"/>
+              <a:t>gitignore</a:t>
+            </a:r>
+            <a:endParaRPr lang="en-US" dirty="0"/>
+          </a:p>
+        </p:txBody>
+      </p:sp>
+    </p:spTree>
+    <p:extLst>
+      <p:ext uri="{BB962C8B-B14F-4D97-AF65-F5344CB8AC3E}">
+        <p14:creationId xmlns:p14="http://schemas.microsoft.com/office/powerpoint/2010/main" val="3826683982"/>
+      </p:ext>
+    </p:extLst>
+  </p:cSld>
+  <p:clrMapOvr>
+    <a:masterClrMapping/>
+  </p:clrMapOvr>
+</p:sld>
+</file>
+
+<file path=ppt/slides/slide14.xml><?xml version="1.0" encoding="utf-8"?>
+<p:sld xmlns:a="http://schemas.openxmlformats.org/drawingml/2006/main" xmlns:r="http://schemas.openxmlformats.org/officeDocument/2006/relationships" xmlns:p="http://schemas.openxmlformats.org/presentationml/2006/main">
+  <p:cSld>
+    <p:spTree>
+      <p:nvGrpSpPr>
+        <p:cNvPr id="1" name=""/>
+        <p:cNvGrpSpPr/>
+        <p:nvPr/>
+      </p:nvGrpSpPr>
+      <p:grpSpPr>
+        <a:xfrm>
+          <a:off x="0" y="0"/>
+          <a:ext cx="0" cy="0"/>
+          <a:chOff x="0" y="0"/>
+          <a:chExt cx="0" cy="0"/>
+        </a:xfrm>
+      </p:grpSpPr>
+      <p:sp>
+        <p:nvSpPr>
+          <p:cNvPr id="2" name="Title 1">
+            <a:extLst>
+              <a:ext uri="{FF2B5EF4-FFF2-40B4-BE49-F238E27FC236}">
+                <a16:creationId xmlns:a16="http://schemas.microsoft.com/office/drawing/2014/main" id="{89ADCEDE-C63B-4437-910A-6902DF11FDCC}"/>
+              </a:ext>
+            </a:extLst>
+          </p:cNvPr>
+          <p:cNvSpPr>
+            <a:spLocks noGrp="1"/>
+          </p:cNvSpPr>
+          <p:nvPr>
+            <p:ph type="title"/>
+          </p:nvPr>
+        </p:nvSpPr>
+        <p:spPr/>
+        <p:txBody>
+          <a:bodyPr/>
+          <a:lstStyle/>
+          <a:p>
+            <a:r>
+              <a:rPr lang="en-US" dirty="0"/>
+              <a:t>Conflict – GIT Conflict</a:t>
+            </a:r>
+          </a:p>
+        </p:txBody>
+      </p:sp>
+      <p:sp>
+        <p:nvSpPr>
+          <p:cNvPr id="3" name="Content Placeholder 2">
+            <a:extLst>
+              <a:ext uri="{FF2B5EF4-FFF2-40B4-BE49-F238E27FC236}">
+                <a16:creationId xmlns:a16="http://schemas.microsoft.com/office/drawing/2014/main" id="{74676051-9D2B-4482-84EA-C1C67CD08F43}"/>
+              </a:ext>
+            </a:extLst>
+          </p:cNvPr>
+          <p:cNvSpPr>
+            <a:spLocks noGrp="1"/>
+          </p:cNvSpPr>
+          <p:nvPr>
+            <p:ph idx="1"/>
+          </p:nvPr>
+        </p:nvSpPr>
+        <p:spPr/>
+        <p:txBody>
+          <a:bodyPr/>
+          <a:lstStyle/>
+          <a:p>
+            <a:r>
+              <a:rPr lang="en-US" dirty="0">
+                <a:highlight>
+                  <a:srgbClr val="FFFF00"/>
+                </a:highlight>
+              </a:rPr>
+              <a:t>Rebasing</a:t>
+            </a:r>
+          </a:p>
+          <a:p>
+            <a:endParaRPr lang="en-US" dirty="0"/>
+          </a:p>
+          <a:p>
+            <a:r>
+              <a:rPr lang="en-US" u="sng" dirty="0"/>
+              <a:t>Scenarios:</a:t>
+            </a:r>
+          </a:p>
+          <a:p>
+            <a:pPr lvl="1"/>
+            <a:r>
+              <a:rPr lang="en-US" dirty="0"/>
+              <a:t>2 developers are working on the same file in the same project. If they try to update the code and push into remote URL. Conflict will raise</a:t>
+            </a:r>
+          </a:p>
+          <a:p>
+            <a:pPr lvl="1"/>
+            <a:r>
+              <a:rPr lang="en-US" dirty="0"/>
+              <a:t>Create a branch (master and branch ) modified the same file, that time also conflict will raise.</a:t>
+            </a:r>
+          </a:p>
+          <a:p>
+            <a:pPr lvl="1"/>
+            <a:endParaRPr lang="en-US" dirty="0"/>
+          </a:p>
+          <a:p>
+            <a:endParaRPr lang="en-US" dirty="0"/>
+          </a:p>
+        </p:txBody>
+      </p:sp>
+    </p:spTree>
+    <p:extLst>
+      <p:ext uri="{BB962C8B-B14F-4D97-AF65-F5344CB8AC3E}">
+        <p14:creationId xmlns:p14="http://schemas.microsoft.com/office/powerpoint/2010/main" val="3244887264"/>
+      </p:ext>
+    </p:extLst>
+  </p:cSld>
+  <p:clrMapOvr>
+    <a:masterClrMapping/>
+  </p:clrMapOvr>
+</p:sld>
+</file>
+
 <file path=ppt/slides/slide2.xml><?xml version="1.0" encoding="utf-8"?>
 <p:sld xmlns:a="http://schemas.openxmlformats.org/drawingml/2006/main" xmlns:r="http://schemas.openxmlformats.org/officeDocument/2006/relationships" xmlns:p="http://schemas.openxmlformats.org/presentationml/2006/main">
   <p:cSld>
@@ -3712,6 +5703,5172 @@
     <p:extLst>
       <p:ext uri="{BB962C8B-B14F-4D97-AF65-F5344CB8AC3E}">
         <p14:creationId xmlns:p14="http://schemas.microsoft.com/office/powerpoint/2010/main" val="3677388993"/>
+      </p:ext>
+    </p:extLst>
+  </p:cSld>
+  <p:clrMapOvr>
+    <a:masterClrMapping/>
+  </p:clrMapOvr>
+</p:sld>
+</file>
+
+<file path=ppt/slides/slide4.xml><?xml version="1.0" encoding="utf-8"?>
+<p:sld xmlns:a="http://schemas.openxmlformats.org/drawingml/2006/main" xmlns:r="http://schemas.openxmlformats.org/officeDocument/2006/relationships" xmlns:p="http://schemas.openxmlformats.org/presentationml/2006/main">
+  <p:cSld>
+    <p:spTree>
+      <p:nvGrpSpPr>
+        <p:cNvPr id="1" name=""/>
+        <p:cNvGrpSpPr/>
+        <p:nvPr/>
+      </p:nvGrpSpPr>
+      <p:grpSpPr>
+        <a:xfrm>
+          <a:off x="0" y="0"/>
+          <a:ext cx="0" cy="0"/>
+          <a:chOff x="0" y="0"/>
+          <a:chExt cx="0" cy="0"/>
+        </a:xfrm>
+      </p:grpSpPr>
+      <p:sp>
+        <p:nvSpPr>
+          <p:cNvPr id="2" name="Title 1">
+            <a:extLst>
+              <a:ext uri="{FF2B5EF4-FFF2-40B4-BE49-F238E27FC236}">
+                <a16:creationId xmlns:a16="http://schemas.microsoft.com/office/drawing/2014/main" id="{D1E0E6E2-1165-4057-86C3-FA08209E8292}"/>
+              </a:ext>
+            </a:extLst>
+          </p:cNvPr>
+          <p:cNvSpPr>
+            <a:spLocks noGrp="1"/>
+          </p:cNvSpPr>
+          <p:nvPr>
+            <p:ph type="title"/>
+          </p:nvPr>
+        </p:nvSpPr>
+        <p:spPr/>
+        <p:txBody>
+          <a:bodyPr/>
+          <a:lstStyle/>
+          <a:p>
+            <a:r>
+              <a:rPr lang="en-US" dirty="0"/>
+              <a:t>DevOps Tools </a:t>
+            </a:r>
+            <a:r>
+              <a:rPr lang="en-US" dirty="0">
+                <a:sym typeface="Wingdings" panose="05000000000000000000" pitchFamily="2" charset="2"/>
+              </a:rPr>
+              <a:t> Git </a:t>
+            </a:r>
+            <a:r>
+              <a:rPr lang="en-US" dirty="0" err="1">
+                <a:sym typeface="Wingdings" panose="05000000000000000000" pitchFamily="2" charset="2"/>
+              </a:rPr>
+              <a:t>Respository</a:t>
+            </a:r>
+            <a:endParaRPr lang="en-US" dirty="0"/>
+          </a:p>
+        </p:txBody>
+      </p:sp>
+      <p:sp>
+        <p:nvSpPr>
+          <p:cNvPr id="3" name="Content Placeholder 2">
+            <a:extLst>
+              <a:ext uri="{FF2B5EF4-FFF2-40B4-BE49-F238E27FC236}">
+                <a16:creationId xmlns:a16="http://schemas.microsoft.com/office/drawing/2014/main" id="{0458C47C-1AFE-4FA5-B0B8-D14A3829EB68}"/>
+              </a:ext>
+            </a:extLst>
+          </p:cNvPr>
+          <p:cNvSpPr>
+            <a:spLocks noGrp="1"/>
+          </p:cNvSpPr>
+          <p:nvPr>
+            <p:ph idx="1"/>
+          </p:nvPr>
+        </p:nvSpPr>
+        <p:spPr/>
+        <p:txBody>
+          <a:bodyPr/>
+          <a:lstStyle/>
+          <a:p>
+            <a:r>
+              <a:rPr lang="en-US" dirty="0" err="1"/>
+              <a:t>DevOPs</a:t>
+            </a:r>
+            <a:r>
+              <a:rPr lang="en-US" dirty="0"/>
+              <a:t> </a:t>
+            </a:r>
+            <a:r>
+              <a:rPr lang="en-US" dirty="0">
+                <a:sym typeface="Wingdings" panose="05000000000000000000" pitchFamily="2" charset="2"/>
+              </a:rPr>
+              <a:t> </a:t>
+            </a:r>
+            <a:r>
+              <a:rPr lang="en-US" dirty="0" err="1">
+                <a:highlight>
+                  <a:srgbClr val="FFFF00"/>
+                </a:highlight>
+                <a:sym typeface="Wingdings" panose="05000000000000000000" pitchFamily="2" charset="2"/>
+              </a:rPr>
+              <a:t>Dev</a:t>
+            </a:r>
+            <a:r>
+              <a:rPr lang="en-US" dirty="0" err="1">
+                <a:sym typeface="Wingdings" panose="05000000000000000000" pitchFamily="2" charset="2"/>
+              </a:rPr>
+              <a:t>lopment</a:t>
+            </a:r>
+            <a:r>
+              <a:rPr lang="en-US" dirty="0">
+                <a:sym typeface="Wingdings" panose="05000000000000000000" pitchFamily="2" charset="2"/>
+              </a:rPr>
+              <a:t> + </a:t>
+            </a:r>
+            <a:r>
+              <a:rPr lang="en-US" dirty="0">
+                <a:highlight>
+                  <a:srgbClr val="FFFF00"/>
+                </a:highlight>
+                <a:sym typeface="Wingdings" panose="05000000000000000000" pitchFamily="2" charset="2"/>
+              </a:rPr>
+              <a:t>Op</a:t>
+            </a:r>
+            <a:r>
+              <a:rPr lang="en-US" dirty="0">
+                <a:sym typeface="Wingdings" panose="05000000000000000000" pitchFamily="2" charset="2"/>
+              </a:rPr>
+              <a:t>eration</a:t>
+            </a:r>
+            <a:r>
+              <a:rPr lang="en-US" dirty="0">
+                <a:highlight>
+                  <a:srgbClr val="FFFF00"/>
+                </a:highlight>
+                <a:sym typeface="Wingdings" panose="05000000000000000000" pitchFamily="2" charset="2"/>
+              </a:rPr>
+              <a:t>s</a:t>
+            </a:r>
+          </a:p>
+          <a:p>
+            <a:pPr lvl="1"/>
+            <a:r>
+              <a:rPr lang="en-US" dirty="0">
+                <a:highlight>
+                  <a:srgbClr val="FFFF00"/>
+                </a:highlight>
+              </a:rPr>
+              <a:t>SCM </a:t>
+            </a:r>
+            <a:r>
+              <a:rPr lang="en-US" dirty="0">
+                <a:highlight>
+                  <a:srgbClr val="FFFF00"/>
+                </a:highlight>
+                <a:sym typeface="Wingdings" panose="05000000000000000000" pitchFamily="2" charset="2"/>
+              </a:rPr>
+              <a:t> Source Control Management System</a:t>
+            </a:r>
+          </a:p>
+          <a:p>
+            <a:r>
+              <a:rPr lang="en-US" dirty="0">
+                <a:sym typeface="Wingdings" panose="05000000000000000000" pitchFamily="2" charset="2"/>
+              </a:rPr>
+              <a:t>CI (Continuous Integration) and CD (Continuous Delivery)</a:t>
+            </a:r>
+          </a:p>
+          <a:p>
+            <a:pPr lvl="1"/>
+            <a:r>
+              <a:rPr lang="en-US" dirty="0"/>
+              <a:t>CI</a:t>
+            </a:r>
+          </a:p>
+          <a:p>
+            <a:pPr lvl="2"/>
+            <a:r>
+              <a:rPr lang="en-US" dirty="0"/>
+              <a:t>SCM </a:t>
+            </a:r>
+          </a:p>
+          <a:p>
+            <a:pPr lvl="3"/>
+            <a:r>
+              <a:rPr lang="en-US" dirty="0"/>
+              <a:t>GIT (Source Code Repository)</a:t>
+            </a:r>
+          </a:p>
+          <a:p>
+            <a:pPr lvl="3"/>
+            <a:endParaRPr lang="en-US" dirty="0"/>
+          </a:p>
+        </p:txBody>
+      </p:sp>
+    </p:spTree>
+    <p:extLst>
+      <p:ext uri="{BB962C8B-B14F-4D97-AF65-F5344CB8AC3E}">
+        <p14:creationId xmlns:p14="http://schemas.microsoft.com/office/powerpoint/2010/main" val="162492846"/>
+      </p:ext>
+    </p:extLst>
+  </p:cSld>
+  <p:clrMapOvr>
+    <a:masterClrMapping/>
+  </p:clrMapOvr>
+</p:sld>
+</file>
+
+<file path=ppt/slides/slide5.xml><?xml version="1.0" encoding="utf-8"?>
+<p:sld xmlns:a="http://schemas.openxmlformats.org/drawingml/2006/main" xmlns:r="http://schemas.openxmlformats.org/officeDocument/2006/relationships" xmlns:p="http://schemas.openxmlformats.org/presentationml/2006/main">
+  <p:cSld>
+    <p:spTree>
+      <p:nvGrpSpPr>
+        <p:cNvPr id="1" name=""/>
+        <p:cNvGrpSpPr/>
+        <p:nvPr/>
+      </p:nvGrpSpPr>
+      <p:grpSpPr>
+        <a:xfrm>
+          <a:off x="0" y="0"/>
+          <a:ext cx="0" cy="0"/>
+          <a:chOff x="0" y="0"/>
+          <a:chExt cx="0" cy="0"/>
+        </a:xfrm>
+      </p:grpSpPr>
+      <p:sp>
+        <p:nvSpPr>
+          <p:cNvPr id="2" name="Title 1">
+            <a:extLst>
+              <a:ext uri="{FF2B5EF4-FFF2-40B4-BE49-F238E27FC236}">
+                <a16:creationId xmlns:a16="http://schemas.microsoft.com/office/drawing/2014/main" id="{E4B99B70-5B52-4C48-BA28-D2A72744D070}"/>
+              </a:ext>
+            </a:extLst>
+          </p:cNvPr>
+          <p:cNvSpPr>
+            <a:spLocks noGrp="1"/>
+          </p:cNvSpPr>
+          <p:nvPr>
+            <p:ph type="title"/>
+          </p:nvPr>
+        </p:nvSpPr>
+        <p:spPr>
+          <a:xfrm>
+            <a:off x="838200" y="365126"/>
+            <a:ext cx="10515600" cy="428958"/>
+          </a:xfrm>
+        </p:spPr>
+        <p:txBody>
+          <a:bodyPr>
+            <a:normAutofit fontScale="90000"/>
+          </a:bodyPr>
+          <a:lstStyle/>
+          <a:p>
+            <a:r>
+              <a:rPr lang="en-US" dirty="0"/>
+              <a:t>CI </a:t>
+            </a:r>
+            <a:r>
+              <a:rPr lang="en-US" dirty="0">
+                <a:sym typeface="Wingdings" panose="05000000000000000000" pitchFamily="2" charset="2"/>
+              </a:rPr>
+              <a:t> Continuous Integration</a:t>
+            </a:r>
+            <a:endParaRPr lang="en-US" dirty="0"/>
+          </a:p>
+        </p:txBody>
+      </p:sp>
+      <p:sp>
+        <p:nvSpPr>
+          <p:cNvPr id="4" name="Rectangle 3">
+            <a:extLst>
+              <a:ext uri="{FF2B5EF4-FFF2-40B4-BE49-F238E27FC236}">
+                <a16:creationId xmlns:a16="http://schemas.microsoft.com/office/drawing/2014/main" id="{10F9D766-4080-4121-87FA-11FDAB82F5F3}"/>
+              </a:ext>
+            </a:extLst>
+          </p:cNvPr>
+          <p:cNvSpPr/>
+          <p:nvPr/>
+        </p:nvSpPr>
+        <p:spPr>
+          <a:xfrm>
+            <a:off x="249382" y="2585258"/>
+            <a:ext cx="1521229" cy="665018"/>
+          </a:xfrm>
+          <a:prstGeom prst="rect">
+            <a:avLst/>
+          </a:prstGeom>
+        </p:spPr>
+        <p:style>
+          <a:lnRef idx="2">
+            <a:schemeClr val="accent1">
+              <a:shade val="50000"/>
+            </a:schemeClr>
+          </a:lnRef>
+          <a:fillRef idx="1">
+            <a:schemeClr val="accent1"/>
+          </a:fillRef>
+          <a:effectRef idx="0">
+            <a:schemeClr val="accent1"/>
+          </a:effectRef>
+          <a:fontRef idx="minor">
+            <a:schemeClr val="lt1"/>
+          </a:fontRef>
+        </p:style>
+        <p:txBody>
+          <a:bodyPr rtlCol="0" anchor="ctr"/>
+          <a:lstStyle/>
+          <a:p>
+            <a:pPr algn="ctr"/>
+            <a:r>
+              <a:rPr lang="en-US" dirty="0"/>
+              <a:t>Dev 2</a:t>
+            </a:r>
+          </a:p>
+        </p:txBody>
+      </p:sp>
+      <p:sp>
+        <p:nvSpPr>
+          <p:cNvPr id="6" name="Rectangle 5">
+            <a:extLst>
+              <a:ext uri="{FF2B5EF4-FFF2-40B4-BE49-F238E27FC236}">
+                <a16:creationId xmlns:a16="http://schemas.microsoft.com/office/drawing/2014/main" id="{1656AF6E-C759-4C67-AB39-A52EA2849C97}"/>
+              </a:ext>
+            </a:extLst>
+          </p:cNvPr>
+          <p:cNvSpPr/>
+          <p:nvPr/>
+        </p:nvSpPr>
+        <p:spPr>
+          <a:xfrm>
+            <a:off x="926869" y="1459101"/>
+            <a:ext cx="1521229" cy="665018"/>
+          </a:xfrm>
+          <a:prstGeom prst="rect">
+            <a:avLst/>
+          </a:prstGeom>
+        </p:spPr>
+        <p:style>
+          <a:lnRef idx="2">
+            <a:schemeClr val="accent1">
+              <a:shade val="50000"/>
+            </a:schemeClr>
+          </a:lnRef>
+          <a:fillRef idx="1">
+            <a:schemeClr val="accent1"/>
+          </a:fillRef>
+          <a:effectRef idx="0">
+            <a:schemeClr val="accent1"/>
+          </a:effectRef>
+          <a:fontRef idx="minor">
+            <a:schemeClr val="lt1"/>
+          </a:fontRef>
+        </p:style>
+        <p:txBody>
+          <a:bodyPr rtlCol="0" anchor="ctr"/>
+          <a:lstStyle/>
+          <a:p>
+            <a:pPr algn="ctr"/>
+            <a:r>
+              <a:rPr lang="en-US" dirty="0"/>
+              <a:t>Dev 1</a:t>
+            </a:r>
+          </a:p>
+        </p:txBody>
+      </p:sp>
+      <p:sp>
+        <p:nvSpPr>
+          <p:cNvPr id="7" name="Rectangle 6">
+            <a:extLst>
+              <a:ext uri="{FF2B5EF4-FFF2-40B4-BE49-F238E27FC236}">
+                <a16:creationId xmlns:a16="http://schemas.microsoft.com/office/drawing/2014/main" id="{A7100D02-A20A-4A74-93C9-3EFEFB3BE6C7}"/>
+              </a:ext>
+            </a:extLst>
+          </p:cNvPr>
+          <p:cNvSpPr/>
+          <p:nvPr/>
+        </p:nvSpPr>
+        <p:spPr>
+          <a:xfrm>
+            <a:off x="166255" y="3964737"/>
+            <a:ext cx="1521229" cy="665018"/>
+          </a:xfrm>
+          <a:prstGeom prst="rect">
+            <a:avLst/>
+          </a:prstGeom>
+        </p:spPr>
+        <p:style>
+          <a:lnRef idx="2">
+            <a:schemeClr val="accent1">
+              <a:shade val="50000"/>
+            </a:schemeClr>
+          </a:lnRef>
+          <a:fillRef idx="1">
+            <a:schemeClr val="accent1"/>
+          </a:fillRef>
+          <a:effectRef idx="0">
+            <a:schemeClr val="accent1"/>
+          </a:effectRef>
+          <a:fontRef idx="minor">
+            <a:schemeClr val="lt1"/>
+          </a:fontRef>
+        </p:style>
+        <p:txBody>
+          <a:bodyPr rtlCol="0" anchor="ctr"/>
+          <a:lstStyle/>
+          <a:p>
+            <a:pPr algn="ctr"/>
+            <a:r>
+              <a:rPr lang="en-US" dirty="0"/>
+              <a:t>Dev 3</a:t>
+            </a:r>
+          </a:p>
+        </p:txBody>
+      </p:sp>
+      <p:sp>
+        <p:nvSpPr>
+          <p:cNvPr id="8" name="Rectangle 7">
+            <a:extLst>
+              <a:ext uri="{FF2B5EF4-FFF2-40B4-BE49-F238E27FC236}">
+                <a16:creationId xmlns:a16="http://schemas.microsoft.com/office/drawing/2014/main" id="{A56DE38A-0240-445E-8E0E-E784B957CFFE}"/>
+              </a:ext>
+            </a:extLst>
+          </p:cNvPr>
+          <p:cNvSpPr/>
+          <p:nvPr/>
+        </p:nvSpPr>
+        <p:spPr>
+          <a:xfrm>
+            <a:off x="432262" y="5164975"/>
+            <a:ext cx="1521229" cy="665018"/>
+          </a:xfrm>
+          <a:prstGeom prst="rect">
+            <a:avLst/>
+          </a:prstGeom>
+        </p:spPr>
+        <p:style>
+          <a:lnRef idx="2">
+            <a:schemeClr val="accent1">
+              <a:shade val="50000"/>
+            </a:schemeClr>
+          </a:lnRef>
+          <a:fillRef idx="1">
+            <a:schemeClr val="accent1"/>
+          </a:fillRef>
+          <a:effectRef idx="0">
+            <a:schemeClr val="accent1"/>
+          </a:effectRef>
+          <a:fontRef idx="minor">
+            <a:schemeClr val="lt1"/>
+          </a:fontRef>
+        </p:style>
+        <p:txBody>
+          <a:bodyPr rtlCol="0" anchor="ctr"/>
+          <a:lstStyle/>
+          <a:p>
+            <a:pPr algn="ctr"/>
+            <a:r>
+              <a:rPr lang="en-US" dirty="0"/>
+              <a:t>Dev 4</a:t>
+            </a:r>
+          </a:p>
+        </p:txBody>
+      </p:sp>
+      <p:sp>
+        <p:nvSpPr>
+          <p:cNvPr id="9" name="Rectangle 8">
+            <a:extLst>
+              <a:ext uri="{FF2B5EF4-FFF2-40B4-BE49-F238E27FC236}">
+                <a16:creationId xmlns:a16="http://schemas.microsoft.com/office/drawing/2014/main" id="{94E54BB1-6180-47AA-9A0A-A612BC86F35E}"/>
+              </a:ext>
+            </a:extLst>
+          </p:cNvPr>
+          <p:cNvSpPr/>
+          <p:nvPr/>
+        </p:nvSpPr>
+        <p:spPr>
+          <a:xfrm>
+            <a:off x="2233353" y="5741323"/>
+            <a:ext cx="1521229" cy="665018"/>
+          </a:xfrm>
+          <a:prstGeom prst="rect">
+            <a:avLst/>
+          </a:prstGeom>
+        </p:spPr>
+        <p:style>
+          <a:lnRef idx="2">
+            <a:schemeClr val="accent1">
+              <a:shade val="50000"/>
+            </a:schemeClr>
+          </a:lnRef>
+          <a:fillRef idx="1">
+            <a:schemeClr val="accent1"/>
+          </a:fillRef>
+          <a:effectRef idx="0">
+            <a:schemeClr val="accent1"/>
+          </a:effectRef>
+          <a:fontRef idx="minor">
+            <a:schemeClr val="lt1"/>
+          </a:fontRef>
+        </p:style>
+        <p:txBody>
+          <a:bodyPr rtlCol="0" anchor="ctr"/>
+          <a:lstStyle/>
+          <a:p>
+            <a:pPr algn="ctr"/>
+            <a:r>
+              <a:rPr lang="en-US" dirty="0"/>
+              <a:t>Dev 5</a:t>
+            </a:r>
+          </a:p>
+        </p:txBody>
+      </p:sp>
+      <p:sp>
+        <p:nvSpPr>
+          <p:cNvPr id="10" name="Rectangle 9">
+            <a:extLst>
+              <a:ext uri="{FF2B5EF4-FFF2-40B4-BE49-F238E27FC236}">
+                <a16:creationId xmlns:a16="http://schemas.microsoft.com/office/drawing/2014/main" id="{A53C613C-DC4C-44B2-B038-6828B5AA03C8}"/>
+              </a:ext>
+            </a:extLst>
+          </p:cNvPr>
+          <p:cNvSpPr/>
+          <p:nvPr/>
+        </p:nvSpPr>
+        <p:spPr>
+          <a:xfrm>
+            <a:off x="2809702" y="3218095"/>
+            <a:ext cx="2394065" cy="979832"/>
+          </a:xfrm>
+          <a:prstGeom prst="rect">
+            <a:avLst/>
+          </a:prstGeom>
+          <a:solidFill>
+            <a:schemeClr val="accent2"/>
+          </a:solidFill>
+        </p:spPr>
+        <p:style>
+          <a:lnRef idx="2">
+            <a:schemeClr val="accent1">
+              <a:shade val="50000"/>
+            </a:schemeClr>
+          </a:lnRef>
+          <a:fillRef idx="1">
+            <a:schemeClr val="accent1"/>
+          </a:fillRef>
+          <a:effectRef idx="0">
+            <a:schemeClr val="accent1"/>
+          </a:effectRef>
+          <a:fontRef idx="minor">
+            <a:schemeClr val="lt1"/>
+          </a:fontRef>
+        </p:style>
+        <p:txBody>
+          <a:bodyPr rtlCol="0" anchor="ctr"/>
+          <a:lstStyle/>
+          <a:p>
+            <a:pPr algn="ctr"/>
+            <a:r>
+              <a:rPr lang="en-US" dirty="0"/>
+              <a:t>SCM</a:t>
+            </a:r>
+          </a:p>
+          <a:p>
+            <a:pPr algn="ctr"/>
+            <a:r>
+              <a:rPr lang="en-US" dirty="0"/>
+              <a:t>(</a:t>
+            </a:r>
+            <a:r>
+              <a:rPr lang="en-US" dirty="0" err="1"/>
+              <a:t>git,svn,bitbucket</a:t>
+            </a:r>
+            <a:r>
+              <a:rPr lang="en-US" dirty="0"/>
+              <a:t>)</a:t>
+            </a:r>
+          </a:p>
+        </p:txBody>
+      </p:sp>
+      <p:cxnSp>
+        <p:nvCxnSpPr>
+          <p:cNvPr id="12" name="Straight Arrow Connector 11">
+            <a:extLst>
+              <a:ext uri="{FF2B5EF4-FFF2-40B4-BE49-F238E27FC236}">
+                <a16:creationId xmlns:a16="http://schemas.microsoft.com/office/drawing/2014/main" id="{1172DC9D-A82D-4E14-A027-36B88A9A6D4F}"/>
+              </a:ext>
+            </a:extLst>
+          </p:cNvPr>
+          <p:cNvCxnSpPr>
+            <a:stCxn id="6" idx="3"/>
+            <a:endCxn id="10" idx="0"/>
+          </p:cNvCxnSpPr>
+          <p:nvPr/>
+        </p:nvCxnSpPr>
+        <p:spPr>
+          <a:xfrm>
+            <a:off x="2448098" y="1791610"/>
+            <a:ext cx="1558637" cy="1426485"/>
+          </a:xfrm>
+          <a:prstGeom prst="straightConnector1">
+            <a:avLst/>
+          </a:prstGeom>
+          <a:ln>
+            <a:tailEnd type="triangle"/>
+          </a:ln>
+        </p:spPr>
+        <p:style>
+          <a:lnRef idx="1">
+            <a:schemeClr val="accent1"/>
+          </a:lnRef>
+          <a:fillRef idx="0">
+            <a:schemeClr val="accent1"/>
+          </a:fillRef>
+          <a:effectRef idx="0">
+            <a:schemeClr val="accent1"/>
+          </a:effectRef>
+          <a:fontRef idx="minor">
+            <a:schemeClr val="tx1"/>
+          </a:fontRef>
+        </p:style>
+      </p:cxnSp>
+      <p:cxnSp>
+        <p:nvCxnSpPr>
+          <p:cNvPr id="14" name="Straight Arrow Connector 13">
+            <a:extLst>
+              <a:ext uri="{FF2B5EF4-FFF2-40B4-BE49-F238E27FC236}">
+                <a16:creationId xmlns:a16="http://schemas.microsoft.com/office/drawing/2014/main" id="{E99921AB-1F00-4CF6-B997-73FDC98C9117}"/>
+              </a:ext>
+            </a:extLst>
+          </p:cNvPr>
+          <p:cNvCxnSpPr>
+            <a:stCxn id="4" idx="3"/>
+            <a:endCxn id="10" idx="1"/>
+          </p:cNvCxnSpPr>
+          <p:nvPr/>
+        </p:nvCxnSpPr>
+        <p:spPr>
+          <a:xfrm>
+            <a:off x="1770611" y="2917767"/>
+            <a:ext cx="1039091" cy="790244"/>
+          </a:xfrm>
+          <a:prstGeom prst="straightConnector1">
+            <a:avLst/>
+          </a:prstGeom>
+          <a:ln>
+            <a:tailEnd type="triangle"/>
+          </a:ln>
+        </p:spPr>
+        <p:style>
+          <a:lnRef idx="1">
+            <a:schemeClr val="accent1"/>
+          </a:lnRef>
+          <a:fillRef idx="0">
+            <a:schemeClr val="accent1"/>
+          </a:fillRef>
+          <a:effectRef idx="0">
+            <a:schemeClr val="accent1"/>
+          </a:effectRef>
+          <a:fontRef idx="minor">
+            <a:schemeClr val="tx1"/>
+          </a:fontRef>
+        </p:style>
+      </p:cxnSp>
+      <p:cxnSp>
+        <p:nvCxnSpPr>
+          <p:cNvPr id="16" name="Straight Arrow Connector 15">
+            <a:extLst>
+              <a:ext uri="{FF2B5EF4-FFF2-40B4-BE49-F238E27FC236}">
+                <a16:creationId xmlns:a16="http://schemas.microsoft.com/office/drawing/2014/main" id="{35635743-FEBD-450A-AFE5-9EA96AD5031E}"/>
+              </a:ext>
+            </a:extLst>
+          </p:cNvPr>
+          <p:cNvCxnSpPr>
+            <a:stCxn id="7" idx="3"/>
+            <a:endCxn id="10" idx="1"/>
+          </p:cNvCxnSpPr>
+          <p:nvPr/>
+        </p:nvCxnSpPr>
+        <p:spPr>
+          <a:xfrm flipV="1">
+            <a:off x="1687484" y="3708011"/>
+            <a:ext cx="1122218" cy="589235"/>
+          </a:xfrm>
+          <a:prstGeom prst="straightConnector1">
+            <a:avLst/>
+          </a:prstGeom>
+          <a:ln>
+            <a:tailEnd type="triangle"/>
+          </a:ln>
+        </p:spPr>
+        <p:style>
+          <a:lnRef idx="1">
+            <a:schemeClr val="accent1"/>
+          </a:lnRef>
+          <a:fillRef idx="0">
+            <a:schemeClr val="accent1"/>
+          </a:fillRef>
+          <a:effectRef idx="0">
+            <a:schemeClr val="accent1"/>
+          </a:effectRef>
+          <a:fontRef idx="minor">
+            <a:schemeClr val="tx1"/>
+          </a:fontRef>
+        </p:style>
+      </p:cxnSp>
+      <p:cxnSp>
+        <p:nvCxnSpPr>
+          <p:cNvPr id="18" name="Straight Arrow Connector 17">
+            <a:extLst>
+              <a:ext uri="{FF2B5EF4-FFF2-40B4-BE49-F238E27FC236}">
+                <a16:creationId xmlns:a16="http://schemas.microsoft.com/office/drawing/2014/main" id="{16FE11BA-19C5-4408-9BA4-F82599D52BFC}"/>
+              </a:ext>
+            </a:extLst>
+          </p:cNvPr>
+          <p:cNvCxnSpPr>
+            <a:stCxn id="8" idx="3"/>
+            <a:endCxn id="10" idx="2"/>
+          </p:cNvCxnSpPr>
+          <p:nvPr/>
+        </p:nvCxnSpPr>
+        <p:spPr>
+          <a:xfrm flipV="1">
+            <a:off x="1953491" y="4197927"/>
+            <a:ext cx="2053244" cy="1299557"/>
+          </a:xfrm>
+          <a:prstGeom prst="straightConnector1">
+            <a:avLst/>
+          </a:prstGeom>
+          <a:ln>
+            <a:tailEnd type="triangle"/>
+          </a:ln>
+        </p:spPr>
+        <p:style>
+          <a:lnRef idx="1">
+            <a:schemeClr val="accent1"/>
+          </a:lnRef>
+          <a:fillRef idx="0">
+            <a:schemeClr val="accent1"/>
+          </a:fillRef>
+          <a:effectRef idx="0">
+            <a:schemeClr val="accent1"/>
+          </a:effectRef>
+          <a:fontRef idx="minor">
+            <a:schemeClr val="tx1"/>
+          </a:fontRef>
+        </p:style>
+      </p:cxnSp>
+      <p:cxnSp>
+        <p:nvCxnSpPr>
+          <p:cNvPr id="20" name="Straight Arrow Connector 19">
+            <a:extLst>
+              <a:ext uri="{FF2B5EF4-FFF2-40B4-BE49-F238E27FC236}">
+                <a16:creationId xmlns:a16="http://schemas.microsoft.com/office/drawing/2014/main" id="{353E348A-5AE5-44C0-B792-68D7162F8997}"/>
+              </a:ext>
+            </a:extLst>
+          </p:cNvPr>
+          <p:cNvCxnSpPr>
+            <a:stCxn id="9" idx="0"/>
+            <a:endCxn id="10" idx="2"/>
+          </p:cNvCxnSpPr>
+          <p:nvPr/>
+        </p:nvCxnSpPr>
+        <p:spPr>
+          <a:xfrm flipV="1">
+            <a:off x="2993968" y="4197927"/>
+            <a:ext cx="1012767" cy="1543396"/>
+          </a:xfrm>
+          <a:prstGeom prst="straightConnector1">
+            <a:avLst/>
+          </a:prstGeom>
+          <a:ln>
+            <a:tailEnd type="triangle"/>
+          </a:ln>
+        </p:spPr>
+        <p:style>
+          <a:lnRef idx="1">
+            <a:schemeClr val="accent1"/>
+          </a:lnRef>
+          <a:fillRef idx="0">
+            <a:schemeClr val="accent1"/>
+          </a:fillRef>
+          <a:effectRef idx="0">
+            <a:schemeClr val="accent1"/>
+          </a:effectRef>
+          <a:fontRef idx="minor">
+            <a:schemeClr val="tx1"/>
+          </a:fontRef>
+        </p:style>
+      </p:cxnSp>
+      <p:sp>
+        <p:nvSpPr>
+          <p:cNvPr id="21" name="TextBox 20">
+            <a:extLst>
+              <a:ext uri="{FF2B5EF4-FFF2-40B4-BE49-F238E27FC236}">
+                <a16:creationId xmlns:a16="http://schemas.microsoft.com/office/drawing/2014/main" id="{D2083E20-44F3-4025-A6AD-5CAECFB4C999}"/>
+              </a:ext>
+            </a:extLst>
+          </p:cNvPr>
+          <p:cNvSpPr txBox="1"/>
+          <p:nvPr/>
+        </p:nvSpPr>
+        <p:spPr>
+          <a:xfrm>
+            <a:off x="4024656" y="5497484"/>
+            <a:ext cx="2045112" cy="1200329"/>
+          </a:xfrm>
+          <a:prstGeom prst="rect">
+            <a:avLst/>
+          </a:prstGeom>
+          <a:noFill/>
+        </p:spPr>
+        <p:txBody>
+          <a:bodyPr wrap="none" rtlCol="0">
+            <a:spAutoFit/>
+          </a:bodyPr>
+          <a:lstStyle/>
+          <a:p>
+            <a:r>
+              <a:rPr lang="en-US" dirty="0"/>
+              <a:t>Maven</a:t>
+            </a:r>
+          </a:p>
+          <a:p>
+            <a:r>
+              <a:rPr lang="en-US" dirty="0"/>
+              <a:t>Junit </a:t>
+            </a:r>
+            <a:r>
+              <a:rPr lang="en-US" dirty="0">
+                <a:sym typeface="Wingdings" panose="05000000000000000000" pitchFamily="2" charset="2"/>
+              </a:rPr>
+              <a:t> unit Testing</a:t>
+            </a:r>
+          </a:p>
+          <a:p>
+            <a:r>
+              <a:rPr lang="en-US" dirty="0">
+                <a:sym typeface="Wingdings" panose="05000000000000000000" pitchFamily="2" charset="2"/>
+              </a:rPr>
+              <a:t>SonarQube</a:t>
+            </a:r>
+          </a:p>
+          <a:p>
+            <a:r>
+              <a:rPr lang="en-US" dirty="0" err="1">
+                <a:sym typeface="Wingdings" panose="05000000000000000000" pitchFamily="2" charset="2"/>
+              </a:rPr>
+              <a:t>CodeCoverage</a:t>
+            </a:r>
+            <a:endParaRPr lang="en-US" dirty="0"/>
+          </a:p>
+        </p:txBody>
+      </p:sp>
+      <p:sp>
+        <p:nvSpPr>
+          <p:cNvPr id="22" name="Rectangle 21">
+            <a:extLst>
+              <a:ext uri="{FF2B5EF4-FFF2-40B4-BE49-F238E27FC236}">
+                <a16:creationId xmlns:a16="http://schemas.microsoft.com/office/drawing/2014/main" id="{C1E16DE0-08D5-4385-BF59-C961B1213A78}"/>
+              </a:ext>
+            </a:extLst>
+          </p:cNvPr>
+          <p:cNvSpPr/>
+          <p:nvPr/>
+        </p:nvSpPr>
+        <p:spPr>
+          <a:xfrm>
+            <a:off x="6492240" y="3217025"/>
+            <a:ext cx="2202873" cy="979832"/>
+          </a:xfrm>
+          <a:prstGeom prst="rect">
+            <a:avLst/>
+          </a:prstGeom>
+        </p:spPr>
+        <p:style>
+          <a:lnRef idx="2">
+            <a:schemeClr val="accent1">
+              <a:shade val="50000"/>
+            </a:schemeClr>
+          </a:lnRef>
+          <a:fillRef idx="1">
+            <a:schemeClr val="accent1"/>
+          </a:fillRef>
+          <a:effectRef idx="0">
+            <a:schemeClr val="accent1"/>
+          </a:effectRef>
+          <a:fontRef idx="minor">
+            <a:schemeClr val="lt1"/>
+          </a:fontRef>
+        </p:style>
+        <p:txBody>
+          <a:bodyPr rtlCol="0" anchor="ctr"/>
+          <a:lstStyle/>
+          <a:p>
+            <a:pPr algn="ctr"/>
+            <a:r>
+              <a:rPr lang="en-US" dirty="0"/>
+              <a:t>Jenkins /Bamboo</a:t>
+            </a:r>
+          </a:p>
+        </p:txBody>
+      </p:sp>
+      <p:cxnSp>
+        <p:nvCxnSpPr>
+          <p:cNvPr id="24" name="Straight Arrow Connector 23">
+            <a:extLst>
+              <a:ext uri="{FF2B5EF4-FFF2-40B4-BE49-F238E27FC236}">
+                <a16:creationId xmlns:a16="http://schemas.microsoft.com/office/drawing/2014/main" id="{D9432044-A040-40D0-B63D-823C4ED9D18A}"/>
+              </a:ext>
+            </a:extLst>
+          </p:cNvPr>
+          <p:cNvCxnSpPr>
+            <a:cxnSpLocks/>
+            <a:stCxn id="10" idx="3"/>
+            <a:endCxn id="22" idx="1"/>
+          </p:cNvCxnSpPr>
+          <p:nvPr/>
+        </p:nvCxnSpPr>
+        <p:spPr>
+          <a:xfrm flipV="1">
+            <a:off x="5203767" y="3706941"/>
+            <a:ext cx="1288473" cy="1070"/>
+          </a:xfrm>
+          <a:prstGeom prst="straightConnector1">
+            <a:avLst/>
+          </a:prstGeom>
+          <a:ln>
+            <a:tailEnd type="triangle"/>
+          </a:ln>
+        </p:spPr>
+        <p:style>
+          <a:lnRef idx="1">
+            <a:schemeClr val="accent1"/>
+          </a:lnRef>
+          <a:fillRef idx="0">
+            <a:schemeClr val="accent1"/>
+          </a:fillRef>
+          <a:effectRef idx="0">
+            <a:schemeClr val="accent1"/>
+          </a:effectRef>
+          <a:fontRef idx="minor">
+            <a:schemeClr val="tx1"/>
+          </a:fontRef>
+        </p:style>
+      </p:cxnSp>
+      <p:sp>
+        <p:nvSpPr>
+          <p:cNvPr id="27" name="Diamond 26">
+            <a:extLst>
+              <a:ext uri="{FF2B5EF4-FFF2-40B4-BE49-F238E27FC236}">
+                <a16:creationId xmlns:a16="http://schemas.microsoft.com/office/drawing/2014/main" id="{E91D445F-6FD1-4311-B8A2-B0B9064370E2}"/>
+              </a:ext>
+            </a:extLst>
+          </p:cNvPr>
+          <p:cNvSpPr/>
+          <p:nvPr/>
+        </p:nvSpPr>
+        <p:spPr>
+          <a:xfrm>
+            <a:off x="9942022" y="3217025"/>
+            <a:ext cx="1047403" cy="979832"/>
+          </a:xfrm>
+          <a:prstGeom prst="diamond">
+            <a:avLst/>
+          </a:prstGeom>
+        </p:spPr>
+        <p:style>
+          <a:lnRef idx="2">
+            <a:schemeClr val="accent1">
+              <a:shade val="50000"/>
+            </a:schemeClr>
+          </a:lnRef>
+          <a:fillRef idx="1">
+            <a:schemeClr val="accent1"/>
+          </a:fillRef>
+          <a:effectRef idx="0">
+            <a:schemeClr val="accent1"/>
+          </a:effectRef>
+          <a:fontRef idx="minor">
+            <a:schemeClr val="lt1"/>
+          </a:fontRef>
+        </p:style>
+        <p:txBody>
+          <a:bodyPr rtlCol="0" anchor="ctr"/>
+          <a:lstStyle/>
+          <a:p>
+            <a:pPr algn="ctr"/>
+            <a:r>
+              <a:rPr lang="en-US" sz="1200" dirty="0"/>
+              <a:t>Build</a:t>
+            </a:r>
+          </a:p>
+          <a:p>
+            <a:pPr algn="ctr"/>
+            <a:r>
+              <a:rPr lang="en-US" sz="1200" dirty="0"/>
+              <a:t>success</a:t>
+            </a:r>
+          </a:p>
+        </p:txBody>
+      </p:sp>
+      <p:cxnSp>
+        <p:nvCxnSpPr>
+          <p:cNvPr id="29" name="Straight Arrow Connector 28">
+            <a:extLst>
+              <a:ext uri="{FF2B5EF4-FFF2-40B4-BE49-F238E27FC236}">
+                <a16:creationId xmlns:a16="http://schemas.microsoft.com/office/drawing/2014/main" id="{EBE195C5-087E-4896-BA86-AD1B39AF7A28}"/>
+              </a:ext>
+            </a:extLst>
+          </p:cNvPr>
+          <p:cNvCxnSpPr>
+            <a:stCxn id="22" idx="3"/>
+            <a:endCxn id="27" idx="1"/>
+          </p:cNvCxnSpPr>
+          <p:nvPr/>
+        </p:nvCxnSpPr>
+        <p:spPr>
+          <a:xfrm>
+            <a:off x="8695113" y="3706941"/>
+            <a:ext cx="1246909" cy="0"/>
+          </a:xfrm>
+          <a:prstGeom prst="straightConnector1">
+            <a:avLst/>
+          </a:prstGeom>
+          <a:ln>
+            <a:tailEnd type="triangle"/>
+          </a:ln>
+        </p:spPr>
+        <p:style>
+          <a:lnRef idx="1">
+            <a:schemeClr val="accent1"/>
+          </a:lnRef>
+          <a:fillRef idx="0">
+            <a:schemeClr val="accent1"/>
+          </a:fillRef>
+          <a:effectRef idx="0">
+            <a:schemeClr val="accent1"/>
+          </a:effectRef>
+          <a:fontRef idx="minor">
+            <a:schemeClr val="tx1"/>
+          </a:fontRef>
+        </p:style>
+      </p:cxnSp>
+      <p:cxnSp>
+        <p:nvCxnSpPr>
+          <p:cNvPr id="31" name="Straight Arrow Connector 30">
+            <a:extLst>
+              <a:ext uri="{FF2B5EF4-FFF2-40B4-BE49-F238E27FC236}">
+                <a16:creationId xmlns:a16="http://schemas.microsoft.com/office/drawing/2014/main" id="{F96A014F-9434-491A-A691-559129826A32}"/>
+              </a:ext>
+            </a:extLst>
+          </p:cNvPr>
+          <p:cNvCxnSpPr>
+            <a:stCxn id="27" idx="3"/>
+          </p:cNvCxnSpPr>
+          <p:nvPr/>
+        </p:nvCxnSpPr>
+        <p:spPr>
+          <a:xfrm>
+            <a:off x="10989425" y="3706941"/>
+            <a:ext cx="1005840" cy="0"/>
+          </a:xfrm>
+          <a:prstGeom prst="straightConnector1">
+            <a:avLst/>
+          </a:prstGeom>
+          <a:ln>
+            <a:tailEnd type="triangle"/>
+          </a:ln>
+        </p:spPr>
+        <p:style>
+          <a:lnRef idx="1">
+            <a:schemeClr val="accent1"/>
+          </a:lnRef>
+          <a:fillRef idx="0">
+            <a:schemeClr val="accent1"/>
+          </a:fillRef>
+          <a:effectRef idx="0">
+            <a:schemeClr val="accent1"/>
+          </a:effectRef>
+          <a:fontRef idx="minor">
+            <a:schemeClr val="tx1"/>
+          </a:fontRef>
+        </p:style>
+      </p:cxnSp>
+      <p:sp>
+        <p:nvSpPr>
+          <p:cNvPr id="32" name="TextBox 31">
+            <a:extLst>
+              <a:ext uri="{FF2B5EF4-FFF2-40B4-BE49-F238E27FC236}">
+                <a16:creationId xmlns:a16="http://schemas.microsoft.com/office/drawing/2014/main" id="{D35A6DED-1378-4336-82C8-850487B34195}"/>
+              </a:ext>
+            </a:extLst>
+          </p:cNvPr>
+          <p:cNvSpPr txBox="1"/>
+          <p:nvPr/>
+        </p:nvSpPr>
+        <p:spPr>
+          <a:xfrm>
+            <a:off x="11280371" y="3358342"/>
+            <a:ext cx="491225" cy="369332"/>
+          </a:xfrm>
+          <a:prstGeom prst="rect">
+            <a:avLst/>
+          </a:prstGeom>
+          <a:noFill/>
+        </p:spPr>
+        <p:txBody>
+          <a:bodyPr wrap="none" rtlCol="0">
+            <a:spAutoFit/>
+          </a:bodyPr>
+          <a:lstStyle/>
+          <a:p>
+            <a:r>
+              <a:rPr lang="en-US" dirty="0"/>
+              <a:t>yes</a:t>
+            </a:r>
+          </a:p>
+        </p:txBody>
+      </p:sp>
+      <p:cxnSp>
+        <p:nvCxnSpPr>
+          <p:cNvPr id="34" name="Straight Arrow Connector 33">
+            <a:extLst>
+              <a:ext uri="{FF2B5EF4-FFF2-40B4-BE49-F238E27FC236}">
+                <a16:creationId xmlns:a16="http://schemas.microsoft.com/office/drawing/2014/main" id="{9179BCAE-9611-4744-8E42-A89FF962FA9C}"/>
+              </a:ext>
+            </a:extLst>
+          </p:cNvPr>
+          <p:cNvCxnSpPr/>
+          <p:nvPr/>
+        </p:nvCxnSpPr>
+        <p:spPr>
+          <a:xfrm>
+            <a:off x="11920451" y="3706941"/>
+            <a:ext cx="0" cy="1289008"/>
+          </a:xfrm>
+          <a:prstGeom prst="straightConnector1">
+            <a:avLst/>
+          </a:prstGeom>
+          <a:ln>
+            <a:tailEnd type="triangle"/>
+          </a:ln>
+        </p:spPr>
+        <p:style>
+          <a:lnRef idx="1">
+            <a:schemeClr val="accent1"/>
+          </a:lnRef>
+          <a:fillRef idx="0">
+            <a:schemeClr val="accent1"/>
+          </a:fillRef>
+          <a:effectRef idx="0">
+            <a:schemeClr val="accent1"/>
+          </a:effectRef>
+          <a:fontRef idx="minor">
+            <a:schemeClr val="tx1"/>
+          </a:fontRef>
+        </p:style>
+      </p:cxnSp>
+      <p:sp>
+        <p:nvSpPr>
+          <p:cNvPr id="35" name="Rectangle 34">
+            <a:extLst>
+              <a:ext uri="{FF2B5EF4-FFF2-40B4-BE49-F238E27FC236}">
+                <a16:creationId xmlns:a16="http://schemas.microsoft.com/office/drawing/2014/main" id="{A41AF26F-187E-4265-A187-1B35F9E4C53D}"/>
+              </a:ext>
+            </a:extLst>
+          </p:cNvPr>
+          <p:cNvSpPr/>
+          <p:nvPr/>
+        </p:nvSpPr>
+        <p:spPr>
+          <a:xfrm>
+            <a:off x="11353800" y="4995949"/>
+            <a:ext cx="838200" cy="565239"/>
+          </a:xfrm>
+          <a:prstGeom prst="rect">
+            <a:avLst/>
+          </a:prstGeom>
+        </p:spPr>
+        <p:style>
+          <a:lnRef idx="2">
+            <a:schemeClr val="accent1">
+              <a:shade val="50000"/>
+            </a:schemeClr>
+          </a:lnRef>
+          <a:fillRef idx="1">
+            <a:schemeClr val="accent1"/>
+          </a:fillRef>
+          <a:effectRef idx="0">
+            <a:schemeClr val="accent1"/>
+          </a:effectRef>
+          <a:fontRef idx="minor">
+            <a:schemeClr val="lt1"/>
+          </a:fontRef>
+        </p:style>
+        <p:txBody>
+          <a:bodyPr rtlCol="0" anchor="ctr"/>
+          <a:lstStyle/>
+          <a:p>
+            <a:pPr algn="ctr"/>
+            <a:r>
+              <a:rPr lang="en-US" dirty="0"/>
+              <a:t>CD</a:t>
+            </a:r>
+          </a:p>
+        </p:txBody>
+      </p:sp>
+      <p:cxnSp>
+        <p:nvCxnSpPr>
+          <p:cNvPr id="37" name="Straight Arrow Connector 36">
+            <a:extLst>
+              <a:ext uri="{FF2B5EF4-FFF2-40B4-BE49-F238E27FC236}">
+                <a16:creationId xmlns:a16="http://schemas.microsoft.com/office/drawing/2014/main" id="{86A9B3FA-A0D6-4384-9FE4-9EC0F4C5364B}"/>
+              </a:ext>
+            </a:extLst>
+          </p:cNvPr>
+          <p:cNvCxnSpPr>
+            <a:stCxn id="27" idx="2"/>
+          </p:cNvCxnSpPr>
+          <p:nvPr/>
+        </p:nvCxnSpPr>
+        <p:spPr>
+          <a:xfrm flipH="1">
+            <a:off x="9418320" y="4196857"/>
+            <a:ext cx="1047404" cy="1364331"/>
+          </a:xfrm>
+          <a:prstGeom prst="straightConnector1">
+            <a:avLst/>
+          </a:prstGeom>
+          <a:ln>
+            <a:tailEnd type="triangle"/>
+          </a:ln>
+        </p:spPr>
+        <p:style>
+          <a:lnRef idx="1">
+            <a:schemeClr val="accent1"/>
+          </a:lnRef>
+          <a:fillRef idx="0">
+            <a:schemeClr val="accent1"/>
+          </a:fillRef>
+          <a:effectRef idx="0">
+            <a:schemeClr val="accent1"/>
+          </a:effectRef>
+          <a:fontRef idx="minor">
+            <a:schemeClr val="tx1"/>
+          </a:fontRef>
+        </p:style>
+      </p:cxnSp>
+      <p:sp>
+        <p:nvSpPr>
+          <p:cNvPr id="38" name="TextBox 37">
+            <a:extLst>
+              <a:ext uri="{FF2B5EF4-FFF2-40B4-BE49-F238E27FC236}">
+                <a16:creationId xmlns:a16="http://schemas.microsoft.com/office/drawing/2014/main" id="{4F2BAE43-DF3D-4845-8E06-2B54F451BB33}"/>
+              </a:ext>
+            </a:extLst>
+          </p:cNvPr>
+          <p:cNvSpPr txBox="1"/>
+          <p:nvPr/>
+        </p:nvSpPr>
+        <p:spPr>
+          <a:xfrm>
+            <a:off x="9775767" y="4581356"/>
+            <a:ext cx="455574" cy="369332"/>
+          </a:xfrm>
+          <a:prstGeom prst="rect">
+            <a:avLst/>
+          </a:prstGeom>
+          <a:noFill/>
+        </p:spPr>
+        <p:txBody>
+          <a:bodyPr wrap="none" rtlCol="0">
+            <a:spAutoFit/>
+          </a:bodyPr>
+          <a:lstStyle/>
+          <a:p>
+            <a:r>
+              <a:rPr lang="en-US" dirty="0"/>
+              <a:t>No</a:t>
+            </a:r>
+          </a:p>
+        </p:txBody>
+      </p:sp>
+      <p:sp>
+        <p:nvSpPr>
+          <p:cNvPr id="39" name="Oval 38">
+            <a:extLst>
+              <a:ext uri="{FF2B5EF4-FFF2-40B4-BE49-F238E27FC236}">
+                <a16:creationId xmlns:a16="http://schemas.microsoft.com/office/drawing/2014/main" id="{46C7CE2E-FAD3-4841-A3DB-45E3442743D5}"/>
+              </a:ext>
+            </a:extLst>
+          </p:cNvPr>
+          <p:cNvSpPr/>
+          <p:nvPr/>
+        </p:nvSpPr>
+        <p:spPr>
+          <a:xfrm>
+            <a:off x="8429105" y="5561187"/>
+            <a:ext cx="1802236" cy="688913"/>
+          </a:xfrm>
+          <a:prstGeom prst="ellipse">
+            <a:avLst/>
+          </a:prstGeom>
+        </p:spPr>
+        <p:style>
+          <a:lnRef idx="2">
+            <a:schemeClr val="accent1">
+              <a:shade val="50000"/>
+            </a:schemeClr>
+          </a:lnRef>
+          <a:fillRef idx="1">
+            <a:schemeClr val="accent1"/>
+          </a:fillRef>
+          <a:effectRef idx="0">
+            <a:schemeClr val="accent1"/>
+          </a:effectRef>
+          <a:fontRef idx="minor">
+            <a:schemeClr val="lt1"/>
+          </a:fontRef>
+        </p:style>
+        <p:txBody>
+          <a:bodyPr rtlCol="0" anchor="ctr"/>
+          <a:lstStyle/>
+          <a:p>
+            <a:pPr algn="ctr"/>
+            <a:r>
+              <a:rPr lang="en-US" sz="1600" dirty="0"/>
+              <a:t>Generate</a:t>
+            </a:r>
+          </a:p>
+          <a:p>
+            <a:pPr algn="ctr"/>
+            <a:r>
+              <a:rPr lang="en-US" sz="1600" dirty="0"/>
+              <a:t>Report</a:t>
+            </a:r>
+          </a:p>
+        </p:txBody>
+      </p:sp>
+      <p:sp>
+        <p:nvSpPr>
+          <p:cNvPr id="40" name="Freeform: Shape 39">
+            <a:extLst>
+              <a:ext uri="{FF2B5EF4-FFF2-40B4-BE49-F238E27FC236}">
+                <a16:creationId xmlns:a16="http://schemas.microsoft.com/office/drawing/2014/main" id="{925369D6-D6AF-4E84-BFF2-BAB43E32DECF}"/>
+              </a:ext>
+            </a:extLst>
+          </p:cNvPr>
+          <p:cNvSpPr/>
+          <p:nvPr/>
+        </p:nvSpPr>
+        <p:spPr>
+          <a:xfrm>
+            <a:off x="-26520" y="1030778"/>
+            <a:ext cx="6681449" cy="6077131"/>
+          </a:xfrm>
+          <a:custGeom>
+            <a:avLst/>
+            <a:gdLst>
+              <a:gd name="connsiteX0" fmla="*/ 6236127 w 6681449"/>
+              <a:gd name="connsiteY0" fmla="*/ 5137266 h 6077131"/>
+              <a:gd name="connsiteX1" fmla="*/ 6236127 w 6681449"/>
+              <a:gd name="connsiteY1" fmla="*/ 5137266 h 6077131"/>
+              <a:gd name="connsiteX2" fmla="*/ 6219502 w 6681449"/>
+              <a:gd name="connsiteY2" fmla="*/ 5212080 h 6077131"/>
+              <a:gd name="connsiteX3" fmla="*/ 6202876 w 6681449"/>
+              <a:gd name="connsiteY3" fmla="*/ 5295207 h 6077131"/>
+              <a:gd name="connsiteX4" fmla="*/ 6186251 w 6681449"/>
+              <a:gd name="connsiteY4" fmla="*/ 5311833 h 6077131"/>
+              <a:gd name="connsiteX5" fmla="*/ 6169625 w 6681449"/>
+              <a:gd name="connsiteY5" fmla="*/ 5345084 h 6077131"/>
+              <a:gd name="connsiteX6" fmla="*/ 6136375 w 6681449"/>
+              <a:gd name="connsiteY6" fmla="*/ 5394960 h 6077131"/>
+              <a:gd name="connsiteX7" fmla="*/ 6019996 w 6681449"/>
+              <a:gd name="connsiteY7" fmla="*/ 5519651 h 6077131"/>
+              <a:gd name="connsiteX8" fmla="*/ 5970120 w 6681449"/>
+              <a:gd name="connsiteY8" fmla="*/ 5544589 h 6077131"/>
+              <a:gd name="connsiteX9" fmla="*/ 5953495 w 6681449"/>
+              <a:gd name="connsiteY9" fmla="*/ 5569527 h 6077131"/>
+              <a:gd name="connsiteX10" fmla="*/ 5920244 w 6681449"/>
+              <a:gd name="connsiteY10" fmla="*/ 5577840 h 6077131"/>
+              <a:gd name="connsiteX11" fmla="*/ 5895305 w 6681449"/>
+              <a:gd name="connsiteY11" fmla="*/ 5586153 h 6077131"/>
+              <a:gd name="connsiteX12" fmla="*/ 5828804 w 6681449"/>
+              <a:gd name="connsiteY12" fmla="*/ 5611091 h 6077131"/>
+              <a:gd name="connsiteX13" fmla="*/ 5795553 w 6681449"/>
+              <a:gd name="connsiteY13" fmla="*/ 5627717 h 6077131"/>
+              <a:gd name="connsiteX14" fmla="*/ 5737364 w 6681449"/>
+              <a:gd name="connsiteY14" fmla="*/ 5644342 h 6077131"/>
+              <a:gd name="connsiteX15" fmla="*/ 5604360 w 6681449"/>
+              <a:gd name="connsiteY15" fmla="*/ 5710844 h 6077131"/>
+              <a:gd name="connsiteX16" fmla="*/ 5554484 w 6681449"/>
+              <a:gd name="connsiteY16" fmla="*/ 5735782 h 6077131"/>
+              <a:gd name="connsiteX17" fmla="*/ 5438105 w 6681449"/>
+              <a:gd name="connsiteY17" fmla="*/ 5769033 h 6077131"/>
+              <a:gd name="connsiteX18" fmla="*/ 5396542 w 6681449"/>
+              <a:gd name="connsiteY18" fmla="*/ 5793971 h 6077131"/>
+              <a:gd name="connsiteX19" fmla="*/ 5371604 w 6681449"/>
+              <a:gd name="connsiteY19" fmla="*/ 5810597 h 6077131"/>
+              <a:gd name="connsiteX20" fmla="*/ 5280164 w 6681449"/>
+              <a:gd name="connsiteY20" fmla="*/ 5843847 h 6077131"/>
+              <a:gd name="connsiteX21" fmla="*/ 5064033 w 6681449"/>
+              <a:gd name="connsiteY21" fmla="*/ 5951913 h 6077131"/>
+              <a:gd name="connsiteX22" fmla="*/ 4872840 w 6681449"/>
+              <a:gd name="connsiteY22" fmla="*/ 6026727 h 6077131"/>
+              <a:gd name="connsiteX23" fmla="*/ 4822964 w 6681449"/>
+              <a:gd name="connsiteY23" fmla="*/ 6068291 h 6077131"/>
+              <a:gd name="connsiteX24" fmla="*/ 4781400 w 6681449"/>
+              <a:gd name="connsiteY24" fmla="*/ 6076604 h 6077131"/>
+              <a:gd name="connsiteX25" fmla="*/ 4157945 w 6681449"/>
+              <a:gd name="connsiteY25" fmla="*/ 5976851 h 6077131"/>
+              <a:gd name="connsiteX26" fmla="*/ 3966753 w 6681449"/>
+              <a:gd name="connsiteY26" fmla="*/ 5893724 h 6077131"/>
+              <a:gd name="connsiteX27" fmla="*/ 3758935 w 6681449"/>
+              <a:gd name="connsiteY27" fmla="*/ 5818909 h 6077131"/>
+              <a:gd name="connsiteX28" fmla="*/ 3675807 w 6681449"/>
+              <a:gd name="connsiteY28" fmla="*/ 5777346 h 6077131"/>
+              <a:gd name="connsiteX29" fmla="*/ 3567742 w 6681449"/>
+              <a:gd name="connsiteY29" fmla="*/ 5752407 h 6077131"/>
+              <a:gd name="connsiteX30" fmla="*/ 3534491 w 6681449"/>
+              <a:gd name="connsiteY30" fmla="*/ 5735782 h 6077131"/>
+              <a:gd name="connsiteX31" fmla="*/ 3509553 w 6681449"/>
+              <a:gd name="connsiteY31" fmla="*/ 5719157 h 6077131"/>
+              <a:gd name="connsiteX32" fmla="*/ 3476302 w 6681449"/>
+              <a:gd name="connsiteY32" fmla="*/ 5710844 h 6077131"/>
+              <a:gd name="connsiteX33" fmla="*/ 3326673 w 6681449"/>
+              <a:gd name="connsiteY33" fmla="*/ 5644342 h 6077131"/>
+              <a:gd name="connsiteX34" fmla="*/ 3243545 w 6681449"/>
+              <a:gd name="connsiteY34" fmla="*/ 5619404 h 6077131"/>
+              <a:gd name="connsiteX35" fmla="*/ 3027415 w 6681449"/>
+              <a:gd name="connsiteY35" fmla="*/ 5552902 h 6077131"/>
+              <a:gd name="connsiteX36" fmla="*/ 2802971 w 6681449"/>
+              <a:gd name="connsiteY36" fmla="*/ 5478087 h 6077131"/>
+              <a:gd name="connsiteX37" fmla="*/ 2678280 w 6681449"/>
+              <a:gd name="connsiteY37" fmla="*/ 5436524 h 6077131"/>
+              <a:gd name="connsiteX38" fmla="*/ 2545276 w 6681449"/>
+              <a:gd name="connsiteY38" fmla="*/ 5428211 h 6077131"/>
+              <a:gd name="connsiteX39" fmla="*/ 2470462 w 6681449"/>
+              <a:gd name="connsiteY39" fmla="*/ 5411586 h 6077131"/>
+              <a:gd name="connsiteX40" fmla="*/ 1996636 w 6681449"/>
+              <a:gd name="connsiteY40" fmla="*/ 5436524 h 6077131"/>
+              <a:gd name="connsiteX41" fmla="*/ 1015735 w 6681449"/>
+              <a:gd name="connsiteY41" fmla="*/ 5428211 h 6077131"/>
+              <a:gd name="connsiteX42" fmla="*/ 774665 w 6681449"/>
+              <a:gd name="connsiteY42" fmla="*/ 5403273 h 6077131"/>
+              <a:gd name="connsiteX43" fmla="*/ 716476 w 6681449"/>
+              <a:gd name="connsiteY43" fmla="*/ 5386647 h 6077131"/>
+              <a:gd name="connsiteX44" fmla="*/ 691538 w 6681449"/>
+              <a:gd name="connsiteY44" fmla="*/ 5353397 h 6077131"/>
+              <a:gd name="connsiteX45" fmla="*/ 641662 w 6681449"/>
+              <a:gd name="connsiteY45" fmla="*/ 5328458 h 6077131"/>
+              <a:gd name="connsiteX46" fmla="*/ 591785 w 6681449"/>
+              <a:gd name="connsiteY46" fmla="*/ 5278582 h 6077131"/>
+              <a:gd name="connsiteX47" fmla="*/ 383967 w 6681449"/>
+              <a:gd name="connsiteY47" fmla="*/ 5153891 h 6077131"/>
+              <a:gd name="connsiteX48" fmla="*/ 334091 w 6681449"/>
+              <a:gd name="connsiteY48" fmla="*/ 5104015 h 6077131"/>
+              <a:gd name="connsiteX49" fmla="*/ 226025 w 6681449"/>
+              <a:gd name="connsiteY49" fmla="*/ 5029200 h 6077131"/>
+              <a:gd name="connsiteX50" fmla="*/ 159524 w 6681449"/>
+              <a:gd name="connsiteY50" fmla="*/ 4937760 h 6077131"/>
+              <a:gd name="connsiteX51" fmla="*/ 142898 w 6681449"/>
+              <a:gd name="connsiteY51" fmla="*/ 4904509 h 6077131"/>
+              <a:gd name="connsiteX52" fmla="*/ 84709 w 6681449"/>
+              <a:gd name="connsiteY52" fmla="*/ 4838007 h 6077131"/>
+              <a:gd name="connsiteX53" fmla="*/ 59771 w 6681449"/>
+              <a:gd name="connsiteY53" fmla="*/ 4804757 h 6077131"/>
+              <a:gd name="connsiteX54" fmla="*/ 34833 w 6681449"/>
+              <a:gd name="connsiteY54" fmla="*/ 4713317 h 6077131"/>
+              <a:gd name="connsiteX55" fmla="*/ 43145 w 6681449"/>
+              <a:gd name="connsiteY55" fmla="*/ 4339244 h 6077131"/>
+              <a:gd name="connsiteX56" fmla="*/ 51458 w 6681449"/>
+              <a:gd name="connsiteY56" fmla="*/ 4305993 h 6077131"/>
+              <a:gd name="connsiteX57" fmla="*/ 68084 w 6681449"/>
+              <a:gd name="connsiteY57" fmla="*/ 4281055 h 6077131"/>
+              <a:gd name="connsiteX58" fmla="*/ 76396 w 6681449"/>
+              <a:gd name="connsiteY58" fmla="*/ 4098175 h 6077131"/>
+              <a:gd name="connsiteX59" fmla="*/ 43145 w 6681449"/>
+              <a:gd name="connsiteY59" fmla="*/ 3782291 h 6077131"/>
+              <a:gd name="connsiteX60" fmla="*/ 26520 w 6681449"/>
+              <a:gd name="connsiteY60" fmla="*/ 3599411 h 6077131"/>
+              <a:gd name="connsiteX61" fmla="*/ 9895 w 6681449"/>
+              <a:gd name="connsiteY61" fmla="*/ 3524597 h 6077131"/>
+              <a:gd name="connsiteX62" fmla="*/ 9895 w 6681449"/>
+              <a:gd name="connsiteY62" fmla="*/ 3142211 h 6077131"/>
+              <a:gd name="connsiteX63" fmla="*/ 18207 w 6681449"/>
+              <a:gd name="connsiteY63" fmla="*/ 3100647 h 6077131"/>
+              <a:gd name="connsiteX64" fmla="*/ 26520 w 6681449"/>
+              <a:gd name="connsiteY64" fmla="*/ 3042458 h 6077131"/>
+              <a:gd name="connsiteX65" fmla="*/ 51458 w 6681449"/>
+              <a:gd name="connsiteY65" fmla="*/ 3017520 h 6077131"/>
+              <a:gd name="connsiteX66" fmla="*/ 59771 w 6681449"/>
+              <a:gd name="connsiteY66" fmla="*/ 2909455 h 6077131"/>
+              <a:gd name="connsiteX67" fmla="*/ 68084 w 6681449"/>
+              <a:gd name="connsiteY67" fmla="*/ 2851266 h 6077131"/>
+              <a:gd name="connsiteX68" fmla="*/ 76396 w 6681449"/>
+              <a:gd name="connsiteY68" fmla="*/ 2751513 h 6077131"/>
+              <a:gd name="connsiteX69" fmla="*/ 93022 w 6681449"/>
+              <a:gd name="connsiteY69" fmla="*/ 2643447 h 6077131"/>
+              <a:gd name="connsiteX70" fmla="*/ 109647 w 6681449"/>
+              <a:gd name="connsiteY70" fmla="*/ 2493818 h 6077131"/>
+              <a:gd name="connsiteX71" fmla="*/ 117960 w 6681449"/>
+              <a:gd name="connsiteY71" fmla="*/ 1379913 h 6077131"/>
+              <a:gd name="connsiteX72" fmla="*/ 159524 w 6681449"/>
+              <a:gd name="connsiteY72" fmla="*/ 1197033 h 6077131"/>
+              <a:gd name="connsiteX73" fmla="*/ 176149 w 6681449"/>
+              <a:gd name="connsiteY73" fmla="*/ 1122218 h 6077131"/>
+              <a:gd name="connsiteX74" fmla="*/ 192775 w 6681449"/>
+              <a:gd name="connsiteY74" fmla="*/ 1088967 h 6077131"/>
+              <a:gd name="connsiteX75" fmla="*/ 250964 w 6681449"/>
+              <a:gd name="connsiteY75" fmla="*/ 964277 h 6077131"/>
+              <a:gd name="connsiteX76" fmla="*/ 259276 w 6681449"/>
+              <a:gd name="connsiteY76" fmla="*/ 931026 h 6077131"/>
+              <a:gd name="connsiteX77" fmla="*/ 275902 w 6681449"/>
+              <a:gd name="connsiteY77" fmla="*/ 897775 h 6077131"/>
+              <a:gd name="connsiteX78" fmla="*/ 309153 w 6681449"/>
+              <a:gd name="connsiteY78" fmla="*/ 814647 h 6077131"/>
+              <a:gd name="connsiteX79" fmla="*/ 367342 w 6681449"/>
+              <a:gd name="connsiteY79" fmla="*/ 681644 h 6077131"/>
+              <a:gd name="connsiteX80" fmla="*/ 400593 w 6681449"/>
+              <a:gd name="connsiteY80" fmla="*/ 623455 h 6077131"/>
+              <a:gd name="connsiteX81" fmla="*/ 408905 w 6681449"/>
+              <a:gd name="connsiteY81" fmla="*/ 556953 h 6077131"/>
+              <a:gd name="connsiteX82" fmla="*/ 425531 w 6681449"/>
+              <a:gd name="connsiteY82" fmla="*/ 540327 h 6077131"/>
+              <a:gd name="connsiteX83" fmla="*/ 508658 w 6681449"/>
+              <a:gd name="connsiteY83" fmla="*/ 440575 h 6077131"/>
+              <a:gd name="connsiteX84" fmla="*/ 641662 w 6681449"/>
+              <a:gd name="connsiteY84" fmla="*/ 365760 h 6077131"/>
+              <a:gd name="connsiteX85" fmla="*/ 649975 w 6681449"/>
+              <a:gd name="connsiteY85" fmla="*/ 332509 h 6077131"/>
+              <a:gd name="connsiteX86" fmla="*/ 699851 w 6681449"/>
+              <a:gd name="connsiteY86" fmla="*/ 299258 h 6077131"/>
+              <a:gd name="connsiteX87" fmla="*/ 907669 w 6681449"/>
+              <a:gd name="connsiteY87" fmla="*/ 207818 h 6077131"/>
+              <a:gd name="connsiteX88" fmla="*/ 990796 w 6681449"/>
+              <a:gd name="connsiteY88" fmla="*/ 182880 h 6077131"/>
+              <a:gd name="connsiteX89" fmla="*/ 1115487 w 6681449"/>
+              <a:gd name="connsiteY89" fmla="*/ 124691 h 6077131"/>
+              <a:gd name="connsiteX90" fmla="*/ 1414745 w 6681449"/>
+              <a:gd name="connsiteY90" fmla="*/ 33251 h 6077131"/>
+              <a:gd name="connsiteX91" fmla="*/ 1481247 w 6681449"/>
+              <a:gd name="connsiteY91" fmla="*/ 8313 h 6077131"/>
+              <a:gd name="connsiteX92" fmla="*/ 1506185 w 6681449"/>
+              <a:gd name="connsiteY92" fmla="*/ 0 h 6077131"/>
+              <a:gd name="connsiteX93" fmla="*/ 1655815 w 6681449"/>
+              <a:gd name="connsiteY93" fmla="*/ 16626 h 6077131"/>
+              <a:gd name="connsiteX94" fmla="*/ 1747255 w 6681449"/>
+              <a:gd name="connsiteY94" fmla="*/ 41564 h 6077131"/>
+              <a:gd name="connsiteX95" fmla="*/ 1797131 w 6681449"/>
+              <a:gd name="connsiteY95" fmla="*/ 66502 h 6077131"/>
+              <a:gd name="connsiteX96" fmla="*/ 1871945 w 6681449"/>
+              <a:gd name="connsiteY96" fmla="*/ 108066 h 6077131"/>
+              <a:gd name="connsiteX97" fmla="*/ 1980011 w 6681449"/>
+              <a:gd name="connsiteY97" fmla="*/ 141317 h 6077131"/>
+              <a:gd name="connsiteX98" fmla="*/ 2088076 w 6681449"/>
+              <a:gd name="connsiteY98" fmla="*/ 191193 h 6077131"/>
+              <a:gd name="connsiteX99" fmla="*/ 2121327 w 6681449"/>
+              <a:gd name="connsiteY99" fmla="*/ 199506 h 6077131"/>
+              <a:gd name="connsiteX100" fmla="*/ 2154578 w 6681449"/>
+              <a:gd name="connsiteY100" fmla="*/ 224444 h 6077131"/>
+              <a:gd name="connsiteX101" fmla="*/ 2187829 w 6681449"/>
+              <a:gd name="connsiteY101" fmla="*/ 232757 h 6077131"/>
+              <a:gd name="connsiteX102" fmla="*/ 2229393 w 6681449"/>
+              <a:gd name="connsiteY102" fmla="*/ 249382 h 6077131"/>
+              <a:gd name="connsiteX103" fmla="*/ 2337458 w 6681449"/>
+              <a:gd name="connsiteY103" fmla="*/ 266007 h 6077131"/>
+              <a:gd name="connsiteX104" fmla="*/ 2387335 w 6681449"/>
+              <a:gd name="connsiteY104" fmla="*/ 290946 h 6077131"/>
+              <a:gd name="connsiteX105" fmla="*/ 2536964 w 6681449"/>
+              <a:gd name="connsiteY105" fmla="*/ 324197 h 6077131"/>
+              <a:gd name="connsiteX106" fmla="*/ 2570215 w 6681449"/>
+              <a:gd name="connsiteY106" fmla="*/ 349135 h 6077131"/>
+              <a:gd name="connsiteX107" fmla="*/ 2595153 w 6681449"/>
+              <a:gd name="connsiteY107" fmla="*/ 357447 h 6077131"/>
+              <a:gd name="connsiteX108" fmla="*/ 2661655 w 6681449"/>
+              <a:gd name="connsiteY108" fmla="*/ 374073 h 6077131"/>
+              <a:gd name="connsiteX109" fmla="*/ 2703218 w 6681449"/>
+              <a:gd name="connsiteY109" fmla="*/ 399011 h 6077131"/>
+              <a:gd name="connsiteX110" fmla="*/ 2736469 w 6681449"/>
+              <a:gd name="connsiteY110" fmla="*/ 407324 h 6077131"/>
+              <a:gd name="connsiteX111" fmla="*/ 2778033 w 6681449"/>
+              <a:gd name="connsiteY111" fmla="*/ 423949 h 6077131"/>
+              <a:gd name="connsiteX112" fmla="*/ 2827909 w 6681449"/>
+              <a:gd name="connsiteY112" fmla="*/ 448887 h 6077131"/>
+              <a:gd name="connsiteX113" fmla="*/ 2894411 w 6681449"/>
+              <a:gd name="connsiteY113" fmla="*/ 515389 h 6077131"/>
+              <a:gd name="connsiteX114" fmla="*/ 2935975 w 6681449"/>
+              <a:gd name="connsiteY114" fmla="*/ 598517 h 6077131"/>
+              <a:gd name="connsiteX115" fmla="*/ 2944287 w 6681449"/>
+              <a:gd name="connsiteY115" fmla="*/ 640080 h 6077131"/>
+              <a:gd name="connsiteX116" fmla="*/ 2952600 w 6681449"/>
+              <a:gd name="connsiteY116" fmla="*/ 665018 h 6077131"/>
+              <a:gd name="connsiteX117" fmla="*/ 2902724 w 6681449"/>
+              <a:gd name="connsiteY117" fmla="*/ 1172095 h 6077131"/>
+              <a:gd name="connsiteX118" fmla="*/ 2877785 w 6681449"/>
+              <a:gd name="connsiteY118" fmla="*/ 1221971 h 6077131"/>
+              <a:gd name="connsiteX119" fmla="*/ 2861160 w 6681449"/>
+              <a:gd name="connsiteY119" fmla="*/ 1305098 h 6077131"/>
+              <a:gd name="connsiteX120" fmla="*/ 2827909 w 6681449"/>
+              <a:gd name="connsiteY120" fmla="*/ 1396538 h 6077131"/>
+              <a:gd name="connsiteX121" fmla="*/ 2761407 w 6681449"/>
+              <a:gd name="connsiteY121" fmla="*/ 1629295 h 6077131"/>
+              <a:gd name="connsiteX122" fmla="*/ 2736469 w 6681449"/>
+              <a:gd name="connsiteY122" fmla="*/ 1695797 h 6077131"/>
+              <a:gd name="connsiteX123" fmla="*/ 2719844 w 6681449"/>
+              <a:gd name="connsiteY123" fmla="*/ 1778924 h 6077131"/>
+              <a:gd name="connsiteX124" fmla="*/ 2653342 w 6681449"/>
+              <a:gd name="connsiteY124" fmla="*/ 2011680 h 6077131"/>
+              <a:gd name="connsiteX125" fmla="*/ 2620091 w 6681449"/>
+              <a:gd name="connsiteY125" fmla="*/ 2136371 h 6077131"/>
+              <a:gd name="connsiteX126" fmla="*/ 2611778 w 6681449"/>
+              <a:gd name="connsiteY126" fmla="*/ 2202873 h 6077131"/>
+              <a:gd name="connsiteX127" fmla="*/ 2570215 w 6681449"/>
+              <a:gd name="connsiteY127" fmla="*/ 2302626 h 6077131"/>
+              <a:gd name="connsiteX128" fmla="*/ 2561902 w 6681449"/>
+              <a:gd name="connsiteY128" fmla="*/ 2360815 h 6077131"/>
+              <a:gd name="connsiteX129" fmla="*/ 2553589 w 6681449"/>
+              <a:gd name="connsiteY129" fmla="*/ 2552007 h 6077131"/>
+              <a:gd name="connsiteX130" fmla="*/ 2528651 w 6681449"/>
+              <a:gd name="connsiteY130" fmla="*/ 2618509 h 6077131"/>
+              <a:gd name="connsiteX131" fmla="*/ 2536964 w 6681449"/>
+              <a:gd name="connsiteY131" fmla="*/ 3117273 h 6077131"/>
+              <a:gd name="connsiteX132" fmla="*/ 2545276 w 6681449"/>
+              <a:gd name="connsiteY132" fmla="*/ 3142211 h 6077131"/>
+              <a:gd name="connsiteX133" fmla="*/ 2586840 w 6681449"/>
+              <a:gd name="connsiteY133" fmla="*/ 3200400 h 6077131"/>
+              <a:gd name="connsiteX134" fmla="*/ 2669967 w 6681449"/>
+              <a:gd name="connsiteY134" fmla="*/ 3316778 h 6077131"/>
+              <a:gd name="connsiteX135" fmla="*/ 2711531 w 6681449"/>
+              <a:gd name="connsiteY135" fmla="*/ 3366655 h 6077131"/>
+              <a:gd name="connsiteX136" fmla="*/ 2761407 w 6681449"/>
+              <a:gd name="connsiteY136" fmla="*/ 3433157 h 6077131"/>
+              <a:gd name="connsiteX137" fmla="*/ 3318360 w 6681449"/>
+              <a:gd name="connsiteY137" fmla="*/ 3483033 h 6077131"/>
+              <a:gd name="connsiteX138" fmla="*/ 3492927 w 6681449"/>
+              <a:gd name="connsiteY138" fmla="*/ 3516284 h 6077131"/>
+              <a:gd name="connsiteX139" fmla="*/ 4058193 w 6681449"/>
+              <a:gd name="connsiteY139" fmla="*/ 3599411 h 6077131"/>
+              <a:gd name="connsiteX140" fmla="*/ 4216135 w 6681449"/>
+              <a:gd name="connsiteY140" fmla="*/ 3607724 h 6077131"/>
+              <a:gd name="connsiteX141" fmla="*/ 4689960 w 6681449"/>
+              <a:gd name="connsiteY141" fmla="*/ 3690851 h 6077131"/>
+              <a:gd name="connsiteX142" fmla="*/ 4906091 w 6681449"/>
+              <a:gd name="connsiteY142" fmla="*/ 3715789 h 6077131"/>
+              <a:gd name="connsiteX143" fmla="*/ 5014156 w 6681449"/>
+              <a:gd name="connsiteY143" fmla="*/ 3732415 h 6077131"/>
+              <a:gd name="connsiteX144" fmla="*/ 5047407 w 6681449"/>
+              <a:gd name="connsiteY144" fmla="*/ 3740727 h 6077131"/>
+              <a:gd name="connsiteX145" fmla="*/ 5088971 w 6681449"/>
+              <a:gd name="connsiteY145" fmla="*/ 3749040 h 6077131"/>
+              <a:gd name="connsiteX146" fmla="*/ 5113909 w 6681449"/>
+              <a:gd name="connsiteY146" fmla="*/ 3765666 h 6077131"/>
+              <a:gd name="connsiteX147" fmla="*/ 5221975 w 6681449"/>
+              <a:gd name="connsiteY147" fmla="*/ 3782291 h 6077131"/>
+              <a:gd name="connsiteX148" fmla="*/ 5288476 w 6681449"/>
+              <a:gd name="connsiteY148" fmla="*/ 3815542 h 6077131"/>
+              <a:gd name="connsiteX149" fmla="*/ 5338353 w 6681449"/>
+              <a:gd name="connsiteY149" fmla="*/ 3823855 h 6077131"/>
+              <a:gd name="connsiteX150" fmla="*/ 5446418 w 6681449"/>
+              <a:gd name="connsiteY150" fmla="*/ 3857106 h 6077131"/>
+              <a:gd name="connsiteX151" fmla="*/ 5529545 w 6681449"/>
+              <a:gd name="connsiteY151" fmla="*/ 3873731 h 6077131"/>
+              <a:gd name="connsiteX152" fmla="*/ 5704113 w 6681449"/>
+              <a:gd name="connsiteY152" fmla="*/ 3923607 h 6077131"/>
+              <a:gd name="connsiteX153" fmla="*/ 5729051 w 6681449"/>
+              <a:gd name="connsiteY153" fmla="*/ 3931920 h 6077131"/>
+              <a:gd name="connsiteX154" fmla="*/ 5762302 w 6681449"/>
+              <a:gd name="connsiteY154" fmla="*/ 3948546 h 6077131"/>
+              <a:gd name="connsiteX155" fmla="*/ 6011684 w 6681449"/>
+              <a:gd name="connsiteY155" fmla="*/ 4089862 h 6077131"/>
+              <a:gd name="connsiteX156" fmla="*/ 6294316 w 6681449"/>
+              <a:gd name="connsiteY156" fmla="*/ 4231178 h 6077131"/>
+              <a:gd name="connsiteX157" fmla="*/ 6593575 w 6681449"/>
+              <a:gd name="connsiteY157" fmla="*/ 4364182 h 6077131"/>
+              <a:gd name="connsiteX158" fmla="*/ 6668389 w 6681449"/>
+              <a:gd name="connsiteY158" fmla="*/ 4397433 h 6077131"/>
+              <a:gd name="connsiteX159" fmla="*/ 6668389 w 6681449"/>
+              <a:gd name="connsiteY159" fmla="*/ 4563687 h 6077131"/>
+              <a:gd name="connsiteX160" fmla="*/ 6651764 w 6681449"/>
+              <a:gd name="connsiteY160" fmla="*/ 4580313 h 6077131"/>
+              <a:gd name="connsiteX161" fmla="*/ 6643451 w 6681449"/>
+              <a:gd name="connsiteY161" fmla="*/ 4605251 h 6077131"/>
+              <a:gd name="connsiteX162" fmla="*/ 6610200 w 6681449"/>
+              <a:gd name="connsiteY162" fmla="*/ 4663440 h 6077131"/>
+              <a:gd name="connsiteX163" fmla="*/ 6601887 w 6681449"/>
+              <a:gd name="connsiteY163" fmla="*/ 4696691 h 6077131"/>
+              <a:gd name="connsiteX164" fmla="*/ 6593575 w 6681449"/>
+              <a:gd name="connsiteY164" fmla="*/ 4721629 h 6077131"/>
+              <a:gd name="connsiteX165" fmla="*/ 6585262 w 6681449"/>
+              <a:gd name="connsiteY165" fmla="*/ 4754880 h 6077131"/>
+              <a:gd name="connsiteX166" fmla="*/ 6560324 w 6681449"/>
+              <a:gd name="connsiteY166" fmla="*/ 4788131 h 6077131"/>
+              <a:gd name="connsiteX167" fmla="*/ 6502135 w 6681449"/>
+              <a:gd name="connsiteY167" fmla="*/ 4896197 h 6077131"/>
+              <a:gd name="connsiteX168" fmla="*/ 6477196 w 6681449"/>
+              <a:gd name="connsiteY168" fmla="*/ 4987637 h 6077131"/>
+              <a:gd name="connsiteX169" fmla="*/ 6427320 w 6681449"/>
+              <a:gd name="connsiteY169" fmla="*/ 5012575 h 6077131"/>
+              <a:gd name="connsiteX170" fmla="*/ 6402382 w 6681449"/>
+              <a:gd name="connsiteY170" fmla="*/ 5029200 h 6077131"/>
+              <a:gd name="connsiteX171" fmla="*/ 6319255 w 6681449"/>
+              <a:gd name="connsiteY171" fmla="*/ 5054138 h 6077131"/>
+              <a:gd name="connsiteX172" fmla="*/ 6310942 w 6681449"/>
+              <a:gd name="connsiteY172" fmla="*/ 5079077 h 6077131"/>
+              <a:gd name="connsiteX173" fmla="*/ 6269378 w 6681449"/>
+              <a:gd name="connsiteY173" fmla="*/ 5128953 h 6077131"/>
+              <a:gd name="connsiteX174" fmla="*/ 6236127 w 6681449"/>
+              <a:gd name="connsiteY174" fmla="*/ 5137266 h 6077131"/>
+            </a:gdLst>
+            <a:ahLst/>
+            <a:cxnLst>
+              <a:cxn ang="0">
+                <a:pos x="connsiteX0" y="connsiteY0"/>
+              </a:cxn>
+              <a:cxn ang="0">
+                <a:pos x="connsiteX1" y="connsiteY1"/>
+              </a:cxn>
+              <a:cxn ang="0">
+                <a:pos x="connsiteX2" y="connsiteY2"/>
+              </a:cxn>
+              <a:cxn ang="0">
+                <a:pos x="connsiteX3" y="connsiteY3"/>
+              </a:cxn>
+              <a:cxn ang="0">
+                <a:pos x="connsiteX4" y="connsiteY4"/>
+              </a:cxn>
+              <a:cxn ang="0">
+                <a:pos x="connsiteX5" y="connsiteY5"/>
+              </a:cxn>
+              <a:cxn ang="0">
+                <a:pos x="connsiteX6" y="connsiteY6"/>
+              </a:cxn>
+              <a:cxn ang="0">
+                <a:pos x="connsiteX7" y="connsiteY7"/>
+              </a:cxn>
+              <a:cxn ang="0">
+                <a:pos x="connsiteX8" y="connsiteY8"/>
+              </a:cxn>
+              <a:cxn ang="0">
+                <a:pos x="connsiteX9" y="connsiteY9"/>
+              </a:cxn>
+              <a:cxn ang="0">
+                <a:pos x="connsiteX10" y="connsiteY10"/>
+              </a:cxn>
+              <a:cxn ang="0">
+                <a:pos x="connsiteX11" y="connsiteY11"/>
+              </a:cxn>
+              <a:cxn ang="0">
+                <a:pos x="connsiteX12" y="connsiteY12"/>
+              </a:cxn>
+              <a:cxn ang="0">
+                <a:pos x="connsiteX13" y="connsiteY13"/>
+              </a:cxn>
+              <a:cxn ang="0">
+                <a:pos x="connsiteX14" y="connsiteY14"/>
+              </a:cxn>
+              <a:cxn ang="0">
+                <a:pos x="connsiteX15" y="connsiteY15"/>
+              </a:cxn>
+              <a:cxn ang="0">
+                <a:pos x="connsiteX16" y="connsiteY16"/>
+              </a:cxn>
+              <a:cxn ang="0">
+                <a:pos x="connsiteX17" y="connsiteY17"/>
+              </a:cxn>
+              <a:cxn ang="0">
+                <a:pos x="connsiteX18" y="connsiteY18"/>
+              </a:cxn>
+              <a:cxn ang="0">
+                <a:pos x="connsiteX19" y="connsiteY19"/>
+              </a:cxn>
+              <a:cxn ang="0">
+                <a:pos x="connsiteX20" y="connsiteY20"/>
+              </a:cxn>
+              <a:cxn ang="0">
+                <a:pos x="connsiteX21" y="connsiteY21"/>
+              </a:cxn>
+              <a:cxn ang="0">
+                <a:pos x="connsiteX22" y="connsiteY22"/>
+              </a:cxn>
+              <a:cxn ang="0">
+                <a:pos x="connsiteX23" y="connsiteY23"/>
+              </a:cxn>
+              <a:cxn ang="0">
+                <a:pos x="connsiteX24" y="connsiteY24"/>
+              </a:cxn>
+              <a:cxn ang="0">
+                <a:pos x="connsiteX25" y="connsiteY25"/>
+              </a:cxn>
+              <a:cxn ang="0">
+                <a:pos x="connsiteX26" y="connsiteY26"/>
+              </a:cxn>
+              <a:cxn ang="0">
+                <a:pos x="connsiteX27" y="connsiteY27"/>
+              </a:cxn>
+              <a:cxn ang="0">
+                <a:pos x="connsiteX28" y="connsiteY28"/>
+              </a:cxn>
+              <a:cxn ang="0">
+                <a:pos x="connsiteX29" y="connsiteY29"/>
+              </a:cxn>
+              <a:cxn ang="0">
+                <a:pos x="connsiteX30" y="connsiteY30"/>
+              </a:cxn>
+              <a:cxn ang="0">
+                <a:pos x="connsiteX31" y="connsiteY31"/>
+              </a:cxn>
+              <a:cxn ang="0">
+                <a:pos x="connsiteX32" y="connsiteY32"/>
+              </a:cxn>
+              <a:cxn ang="0">
+                <a:pos x="connsiteX33" y="connsiteY33"/>
+              </a:cxn>
+              <a:cxn ang="0">
+                <a:pos x="connsiteX34" y="connsiteY34"/>
+              </a:cxn>
+              <a:cxn ang="0">
+                <a:pos x="connsiteX35" y="connsiteY35"/>
+              </a:cxn>
+              <a:cxn ang="0">
+                <a:pos x="connsiteX36" y="connsiteY36"/>
+              </a:cxn>
+              <a:cxn ang="0">
+                <a:pos x="connsiteX37" y="connsiteY37"/>
+              </a:cxn>
+              <a:cxn ang="0">
+                <a:pos x="connsiteX38" y="connsiteY38"/>
+              </a:cxn>
+              <a:cxn ang="0">
+                <a:pos x="connsiteX39" y="connsiteY39"/>
+              </a:cxn>
+              <a:cxn ang="0">
+                <a:pos x="connsiteX40" y="connsiteY40"/>
+              </a:cxn>
+              <a:cxn ang="0">
+                <a:pos x="connsiteX41" y="connsiteY41"/>
+              </a:cxn>
+              <a:cxn ang="0">
+                <a:pos x="connsiteX42" y="connsiteY42"/>
+              </a:cxn>
+              <a:cxn ang="0">
+                <a:pos x="connsiteX43" y="connsiteY43"/>
+              </a:cxn>
+              <a:cxn ang="0">
+                <a:pos x="connsiteX44" y="connsiteY44"/>
+              </a:cxn>
+              <a:cxn ang="0">
+                <a:pos x="connsiteX45" y="connsiteY45"/>
+              </a:cxn>
+              <a:cxn ang="0">
+                <a:pos x="connsiteX46" y="connsiteY46"/>
+              </a:cxn>
+              <a:cxn ang="0">
+                <a:pos x="connsiteX47" y="connsiteY47"/>
+              </a:cxn>
+              <a:cxn ang="0">
+                <a:pos x="connsiteX48" y="connsiteY48"/>
+              </a:cxn>
+              <a:cxn ang="0">
+                <a:pos x="connsiteX49" y="connsiteY49"/>
+              </a:cxn>
+              <a:cxn ang="0">
+                <a:pos x="connsiteX50" y="connsiteY50"/>
+              </a:cxn>
+              <a:cxn ang="0">
+                <a:pos x="connsiteX51" y="connsiteY51"/>
+              </a:cxn>
+              <a:cxn ang="0">
+                <a:pos x="connsiteX52" y="connsiteY52"/>
+              </a:cxn>
+              <a:cxn ang="0">
+                <a:pos x="connsiteX53" y="connsiteY53"/>
+              </a:cxn>
+              <a:cxn ang="0">
+                <a:pos x="connsiteX54" y="connsiteY54"/>
+              </a:cxn>
+              <a:cxn ang="0">
+                <a:pos x="connsiteX55" y="connsiteY55"/>
+              </a:cxn>
+              <a:cxn ang="0">
+                <a:pos x="connsiteX56" y="connsiteY56"/>
+              </a:cxn>
+              <a:cxn ang="0">
+                <a:pos x="connsiteX57" y="connsiteY57"/>
+              </a:cxn>
+              <a:cxn ang="0">
+                <a:pos x="connsiteX58" y="connsiteY58"/>
+              </a:cxn>
+              <a:cxn ang="0">
+                <a:pos x="connsiteX59" y="connsiteY59"/>
+              </a:cxn>
+              <a:cxn ang="0">
+                <a:pos x="connsiteX60" y="connsiteY60"/>
+              </a:cxn>
+              <a:cxn ang="0">
+                <a:pos x="connsiteX61" y="connsiteY61"/>
+              </a:cxn>
+              <a:cxn ang="0">
+                <a:pos x="connsiteX62" y="connsiteY62"/>
+              </a:cxn>
+              <a:cxn ang="0">
+                <a:pos x="connsiteX63" y="connsiteY63"/>
+              </a:cxn>
+              <a:cxn ang="0">
+                <a:pos x="connsiteX64" y="connsiteY64"/>
+              </a:cxn>
+              <a:cxn ang="0">
+                <a:pos x="connsiteX65" y="connsiteY65"/>
+              </a:cxn>
+              <a:cxn ang="0">
+                <a:pos x="connsiteX66" y="connsiteY66"/>
+              </a:cxn>
+              <a:cxn ang="0">
+                <a:pos x="connsiteX67" y="connsiteY67"/>
+              </a:cxn>
+              <a:cxn ang="0">
+                <a:pos x="connsiteX68" y="connsiteY68"/>
+              </a:cxn>
+              <a:cxn ang="0">
+                <a:pos x="connsiteX69" y="connsiteY69"/>
+              </a:cxn>
+              <a:cxn ang="0">
+                <a:pos x="connsiteX70" y="connsiteY70"/>
+              </a:cxn>
+              <a:cxn ang="0">
+                <a:pos x="connsiteX71" y="connsiteY71"/>
+              </a:cxn>
+              <a:cxn ang="0">
+                <a:pos x="connsiteX72" y="connsiteY72"/>
+              </a:cxn>
+              <a:cxn ang="0">
+                <a:pos x="connsiteX73" y="connsiteY73"/>
+              </a:cxn>
+              <a:cxn ang="0">
+                <a:pos x="connsiteX74" y="connsiteY74"/>
+              </a:cxn>
+              <a:cxn ang="0">
+                <a:pos x="connsiteX75" y="connsiteY75"/>
+              </a:cxn>
+              <a:cxn ang="0">
+                <a:pos x="connsiteX76" y="connsiteY76"/>
+              </a:cxn>
+              <a:cxn ang="0">
+                <a:pos x="connsiteX77" y="connsiteY77"/>
+              </a:cxn>
+              <a:cxn ang="0">
+                <a:pos x="connsiteX78" y="connsiteY78"/>
+              </a:cxn>
+              <a:cxn ang="0">
+                <a:pos x="connsiteX79" y="connsiteY79"/>
+              </a:cxn>
+              <a:cxn ang="0">
+                <a:pos x="connsiteX80" y="connsiteY80"/>
+              </a:cxn>
+              <a:cxn ang="0">
+                <a:pos x="connsiteX81" y="connsiteY81"/>
+              </a:cxn>
+              <a:cxn ang="0">
+                <a:pos x="connsiteX82" y="connsiteY82"/>
+              </a:cxn>
+              <a:cxn ang="0">
+                <a:pos x="connsiteX83" y="connsiteY83"/>
+              </a:cxn>
+              <a:cxn ang="0">
+                <a:pos x="connsiteX84" y="connsiteY84"/>
+              </a:cxn>
+              <a:cxn ang="0">
+                <a:pos x="connsiteX85" y="connsiteY85"/>
+              </a:cxn>
+              <a:cxn ang="0">
+                <a:pos x="connsiteX86" y="connsiteY86"/>
+              </a:cxn>
+              <a:cxn ang="0">
+                <a:pos x="connsiteX87" y="connsiteY87"/>
+              </a:cxn>
+              <a:cxn ang="0">
+                <a:pos x="connsiteX88" y="connsiteY88"/>
+              </a:cxn>
+              <a:cxn ang="0">
+                <a:pos x="connsiteX89" y="connsiteY89"/>
+              </a:cxn>
+              <a:cxn ang="0">
+                <a:pos x="connsiteX90" y="connsiteY90"/>
+              </a:cxn>
+              <a:cxn ang="0">
+                <a:pos x="connsiteX91" y="connsiteY91"/>
+              </a:cxn>
+              <a:cxn ang="0">
+                <a:pos x="connsiteX92" y="connsiteY92"/>
+              </a:cxn>
+              <a:cxn ang="0">
+                <a:pos x="connsiteX93" y="connsiteY93"/>
+              </a:cxn>
+              <a:cxn ang="0">
+                <a:pos x="connsiteX94" y="connsiteY94"/>
+              </a:cxn>
+              <a:cxn ang="0">
+                <a:pos x="connsiteX95" y="connsiteY95"/>
+              </a:cxn>
+              <a:cxn ang="0">
+                <a:pos x="connsiteX96" y="connsiteY96"/>
+              </a:cxn>
+              <a:cxn ang="0">
+                <a:pos x="connsiteX97" y="connsiteY97"/>
+              </a:cxn>
+              <a:cxn ang="0">
+                <a:pos x="connsiteX98" y="connsiteY98"/>
+              </a:cxn>
+              <a:cxn ang="0">
+                <a:pos x="connsiteX99" y="connsiteY99"/>
+              </a:cxn>
+              <a:cxn ang="0">
+                <a:pos x="connsiteX100" y="connsiteY100"/>
+              </a:cxn>
+              <a:cxn ang="0">
+                <a:pos x="connsiteX101" y="connsiteY101"/>
+              </a:cxn>
+              <a:cxn ang="0">
+                <a:pos x="connsiteX102" y="connsiteY102"/>
+              </a:cxn>
+              <a:cxn ang="0">
+                <a:pos x="connsiteX103" y="connsiteY103"/>
+              </a:cxn>
+              <a:cxn ang="0">
+                <a:pos x="connsiteX104" y="connsiteY104"/>
+              </a:cxn>
+              <a:cxn ang="0">
+                <a:pos x="connsiteX105" y="connsiteY105"/>
+              </a:cxn>
+              <a:cxn ang="0">
+                <a:pos x="connsiteX106" y="connsiteY106"/>
+              </a:cxn>
+              <a:cxn ang="0">
+                <a:pos x="connsiteX107" y="connsiteY107"/>
+              </a:cxn>
+              <a:cxn ang="0">
+                <a:pos x="connsiteX108" y="connsiteY108"/>
+              </a:cxn>
+              <a:cxn ang="0">
+                <a:pos x="connsiteX109" y="connsiteY109"/>
+              </a:cxn>
+              <a:cxn ang="0">
+                <a:pos x="connsiteX110" y="connsiteY110"/>
+              </a:cxn>
+              <a:cxn ang="0">
+                <a:pos x="connsiteX111" y="connsiteY111"/>
+              </a:cxn>
+              <a:cxn ang="0">
+                <a:pos x="connsiteX112" y="connsiteY112"/>
+              </a:cxn>
+              <a:cxn ang="0">
+                <a:pos x="connsiteX113" y="connsiteY113"/>
+              </a:cxn>
+              <a:cxn ang="0">
+                <a:pos x="connsiteX114" y="connsiteY114"/>
+              </a:cxn>
+              <a:cxn ang="0">
+                <a:pos x="connsiteX115" y="connsiteY115"/>
+              </a:cxn>
+              <a:cxn ang="0">
+                <a:pos x="connsiteX116" y="connsiteY116"/>
+              </a:cxn>
+              <a:cxn ang="0">
+                <a:pos x="connsiteX117" y="connsiteY117"/>
+              </a:cxn>
+              <a:cxn ang="0">
+                <a:pos x="connsiteX118" y="connsiteY118"/>
+              </a:cxn>
+              <a:cxn ang="0">
+                <a:pos x="connsiteX119" y="connsiteY119"/>
+              </a:cxn>
+              <a:cxn ang="0">
+                <a:pos x="connsiteX120" y="connsiteY120"/>
+              </a:cxn>
+              <a:cxn ang="0">
+                <a:pos x="connsiteX121" y="connsiteY121"/>
+              </a:cxn>
+              <a:cxn ang="0">
+                <a:pos x="connsiteX122" y="connsiteY122"/>
+              </a:cxn>
+              <a:cxn ang="0">
+                <a:pos x="connsiteX123" y="connsiteY123"/>
+              </a:cxn>
+              <a:cxn ang="0">
+                <a:pos x="connsiteX124" y="connsiteY124"/>
+              </a:cxn>
+              <a:cxn ang="0">
+                <a:pos x="connsiteX125" y="connsiteY125"/>
+              </a:cxn>
+              <a:cxn ang="0">
+                <a:pos x="connsiteX126" y="connsiteY126"/>
+              </a:cxn>
+              <a:cxn ang="0">
+                <a:pos x="connsiteX127" y="connsiteY127"/>
+              </a:cxn>
+              <a:cxn ang="0">
+                <a:pos x="connsiteX128" y="connsiteY128"/>
+              </a:cxn>
+              <a:cxn ang="0">
+                <a:pos x="connsiteX129" y="connsiteY129"/>
+              </a:cxn>
+              <a:cxn ang="0">
+                <a:pos x="connsiteX130" y="connsiteY130"/>
+              </a:cxn>
+              <a:cxn ang="0">
+                <a:pos x="connsiteX131" y="connsiteY131"/>
+              </a:cxn>
+              <a:cxn ang="0">
+                <a:pos x="connsiteX132" y="connsiteY132"/>
+              </a:cxn>
+              <a:cxn ang="0">
+                <a:pos x="connsiteX133" y="connsiteY133"/>
+              </a:cxn>
+              <a:cxn ang="0">
+                <a:pos x="connsiteX134" y="connsiteY134"/>
+              </a:cxn>
+              <a:cxn ang="0">
+                <a:pos x="connsiteX135" y="connsiteY135"/>
+              </a:cxn>
+              <a:cxn ang="0">
+                <a:pos x="connsiteX136" y="connsiteY136"/>
+              </a:cxn>
+              <a:cxn ang="0">
+                <a:pos x="connsiteX137" y="connsiteY137"/>
+              </a:cxn>
+              <a:cxn ang="0">
+                <a:pos x="connsiteX138" y="connsiteY138"/>
+              </a:cxn>
+              <a:cxn ang="0">
+                <a:pos x="connsiteX139" y="connsiteY139"/>
+              </a:cxn>
+              <a:cxn ang="0">
+                <a:pos x="connsiteX140" y="connsiteY140"/>
+              </a:cxn>
+              <a:cxn ang="0">
+                <a:pos x="connsiteX141" y="connsiteY141"/>
+              </a:cxn>
+              <a:cxn ang="0">
+                <a:pos x="connsiteX142" y="connsiteY142"/>
+              </a:cxn>
+              <a:cxn ang="0">
+                <a:pos x="connsiteX143" y="connsiteY143"/>
+              </a:cxn>
+              <a:cxn ang="0">
+                <a:pos x="connsiteX144" y="connsiteY144"/>
+              </a:cxn>
+              <a:cxn ang="0">
+                <a:pos x="connsiteX145" y="connsiteY145"/>
+              </a:cxn>
+              <a:cxn ang="0">
+                <a:pos x="connsiteX146" y="connsiteY146"/>
+              </a:cxn>
+              <a:cxn ang="0">
+                <a:pos x="connsiteX147" y="connsiteY147"/>
+              </a:cxn>
+              <a:cxn ang="0">
+                <a:pos x="connsiteX148" y="connsiteY148"/>
+              </a:cxn>
+              <a:cxn ang="0">
+                <a:pos x="connsiteX149" y="connsiteY149"/>
+              </a:cxn>
+              <a:cxn ang="0">
+                <a:pos x="connsiteX150" y="connsiteY150"/>
+              </a:cxn>
+              <a:cxn ang="0">
+                <a:pos x="connsiteX151" y="connsiteY151"/>
+              </a:cxn>
+              <a:cxn ang="0">
+                <a:pos x="connsiteX152" y="connsiteY152"/>
+              </a:cxn>
+              <a:cxn ang="0">
+                <a:pos x="connsiteX153" y="connsiteY153"/>
+              </a:cxn>
+              <a:cxn ang="0">
+                <a:pos x="connsiteX154" y="connsiteY154"/>
+              </a:cxn>
+              <a:cxn ang="0">
+                <a:pos x="connsiteX155" y="connsiteY155"/>
+              </a:cxn>
+              <a:cxn ang="0">
+                <a:pos x="connsiteX156" y="connsiteY156"/>
+              </a:cxn>
+              <a:cxn ang="0">
+                <a:pos x="connsiteX157" y="connsiteY157"/>
+              </a:cxn>
+              <a:cxn ang="0">
+                <a:pos x="connsiteX158" y="connsiteY158"/>
+              </a:cxn>
+              <a:cxn ang="0">
+                <a:pos x="connsiteX159" y="connsiteY159"/>
+              </a:cxn>
+              <a:cxn ang="0">
+                <a:pos x="connsiteX160" y="connsiteY160"/>
+              </a:cxn>
+              <a:cxn ang="0">
+                <a:pos x="connsiteX161" y="connsiteY161"/>
+              </a:cxn>
+              <a:cxn ang="0">
+                <a:pos x="connsiteX162" y="connsiteY162"/>
+              </a:cxn>
+              <a:cxn ang="0">
+                <a:pos x="connsiteX163" y="connsiteY163"/>
+              </a:cxn>
+              <a:cxn ang="0">
+                <a:pos x="connsiteX164" y="connsiteY164"/>
+              </a:cxn>
+              <a:cxn ang="0">
+                <a:pos x="connsiteX165" y="connsiteY165"/>
+              </a:cxn>
+              <a:cxn ang="0">
+                <a:pos x="connsiteX166" y="connsiteY166"/>
+              </a:cxn>
+              <a:cxn ang="0">
+                <a:pos x="connsiteX167" y="connsiteY167"/>
+              </a:cxn>
+              <a:cxn ang="0">
+                <a:pos x="connsiteX168" y="connsiteY168"/>
+              </a:cxn>
+              <a:cxn ang="0">
+                <a:pos x="connsiteX169" y="connsiteY169"/>
+              </a:cxn>
+              <a:cxn ang="0">
+                <a:pos x="connsiteX170" y="connsiteY170"/>
+              </a:cxn>
+              <a:cxn ang="0">
+                <a:pos x="connsiteX171" y="connsiteY171"/>
+              </a:cxn>
+              <a:cxn ang="0">
+                <a:pos x="connsiteX172" y="connsiteY172"/>
+              </a:cxn>
+              <a:cxn ang="0">
+                <a:pos x="connsiteX173" y="connsiteY173"/>
+              </a:cxn>
+              <a:cxn ang="0">
+                <a:pos x="connsiteX174" y="connsiteY174"/>
+              </a:cxn>
+            </a:cxnLst>
+            <a:rect l="l" t="t" r="r" b="b"/>
+            <a:pathLst>
+              <a:path w="6681449" h="6077131">
+                <a:moveTo>
+                  <a:pt x="6236127" y="5137266"/>
+                </a:moveTo>
+                <a:lnTo>
+                  <a:pt x="6236127" y="5137266"/>
+                </a:lnTo>
+                <a:cubicBezTo>
+                  <a:pt x="6230585" y="5162204"/>
+                  <a:pt x="6224512" y="5187030"/>
+                  <a:pt x="6219502" y="5212080"/>
+                </a:cubicBezTo>
+                <a:cubicBezTo>
+                  <a:pt x="6218110" y="5219040"/>
+                  <a:pt x="6209313" y="5282333"/>
+                  <a:pt x="6202876" y="5295207"/>
+                </a:cubicBezTo>
+                <a:cubicBezTo>
+                  <a:pt x="6199371" y="5302217"/>
+                  <a:pt x="6190598" y="5305312"/>
+                  <a:pt x="6186251" y="5311833"/>
+                </a:cubicBezTo>
+                <a:cubicBezTo>
+                  <a:pt x="6179377" y="5322144"/>
+                  <a:pt x="6176001" y="5334458"/>
+                  <a:pt x="6169625" y="5345084"/>
+                </a:cubicBezTo>
+                <a:cubicBezTo>
+                  <a:pt x="6159345" y="5362218"/>
+                  <a:pt x="6147989" y="5378701"/>
+                  <a:pt x="6136375" y="5394960"/>
+                </a:cubicBezTo>
+                <a:cubicBezTo>
+                  <a:pt x="6094654" y="5453370"/>
+                  <a:pt x="6079895" y="5476866"/>
+                  <a:pt x="6019996" y="5519651"/>
+                </a:cubicBezTo>
+                <a:cubicBezTo>
+                  <a:pt x="6004871" y="5530455"/>
+                  <a:pt x="5986745" y="5536276"/>
+                  <a:pt x="5970120" y="5544589"/>
+                </a:cubicBezTo>
+                <a:cubicBezTo>
+                  <a:pt x="5964578" y="5552902"/>
+                  <a:pt x="5961808" y="5563985"/>
+                  <a:pt x="5953495" y="5569527"/>
+                </a:cubicBezTo>
+                <a:cubicBezTo>
+                  <a:pt x="5943989" y="5575864"/>
+                  <a:pt x="5931229" y="5574701"/>
+                  <a:pt x="5920244" y="5577840"/>
+                </a:cubicBezTo>
+                <a:cubicBezTo>
+                  <a:pt x="5911818" y="5580247"/>
+                  <a:pt x="5903540" y="5583158"/>
+                  <a:pt x="5895305" y="5586153"/>
+                </a:cubicBezTo>
+                <a:cubicBezTo>
+                  <a:pt x="5873056" y="5594244"/>
+                  <a:pt x="5850657" y="5601985"/>
+                  <a:pt x="5828804" y="5611091"/>
+                </a:cubicBezTo>
+                <a:cubicBezTo>
+                  <a:pt x="5817365" y="5615857"/>
+                  <a:pt x="5807199" y="5623482"/>
+                  <a:pt x="5795553" y="5627717"/>
+                </a:cubicBezTo>
+                <a:cubicBezTo>
+                  <a:pt x="5776595" y="5634611"/>
+                  <a:pt x="5756760" y="5638800"/>
+                  <a:pt x="5737364" y="5644342"/>
+                </a:cubicBezTo>
+                <a:cubicBezTo>
+                  <a:pt x="5651515" y="5701574"/>
+                  <a:pt x="5722678" y="5659080"/>
+                  <a:pt x="5604360" y="5710844"/>
+                </a:cubicBezTo>
+                <a:cubicBezTo>
+                  <a:pt x="5587331" y="5718294"/>
+                  <a:pt x="5571888" y="5729255"/>
+                  <a:pt x="5554484" y="5735782"/>
+                </a:cubicBezTo>
+                <a:cubicBezTo>
+                  <a:pt x="5516861" y="5749890"/>
+                  <a:pt x="5477129" y="5759277"/>
+                  <a:pt x="5438105" y="5769033"/>
+                </a:cubicBezTo>
+                <a:cubicBezTo>
+                  <a:pt x="5424251" y="5777346"/>
+                  <a:pt x="5410243" y="5785408"/>
+                  <a:pt x="5396542" y="5793971"/>
+                </a:cubicBezTo>
+                <a:cubicBezTo>
+                  <a:pt x="5388070" y="5799266"/>
+                  <a:pt x="5380787" y="5806661"/>
+                  <a:pt x="5371604" y="5810597"/>
+                </a:cubicBezTo>
+                <a:cubicBezTo>
+                  <a:pt x="5284856" y="5847775"/>
+                  <a:pt x="5409853" y="5770544"/>
+                  <a:pt x="5280164" y="5843847"/>
+                </a:cubicBezTo>
+                <a:cubicBezTo>
+                  <a:pt x="4999916" y="6002249"/>
+                  <a:pt x="5265137" y="5878785"/>
+                  <a:pt x="5064033" y="5951913"/>
+                </a:cubicBezTo>
+                <a:cubicBezTo>
+                  <a:pt x="4999717" y="5975301"/>
+                  <a:pt x="4872840" y="6026727"/>
+                  <a:pt x="4872840" y="6026727"/>
+                </a:cubicBezTo>
+                <a:cubicBezTo>
+                  <a:pt x="4856215" y="6040582"/>
+                  <a:pt x="4841963" y="6057928"/>
+                  <a:pt x="4822964" y="6068291"/>
+                </a:cubicBezTo>
+                <a:cubicBezTo>
+                  <a:pt x="4810560" y="6075057"/>
+                  <a:pt x="4795397" y="6078529"/>
+                  <a:pt x="4781400" y="6076604"/>
+                </a:cubicBezTo>
+                <a:cubicBezTo>
+                  <a:pt x="4572900" y="6047935"/>
+                  <a:pt x="4365204" y="6013426"/>
+                  <a:pt x="4157945" y="5976851"/>
+                </a:cubicBezTo>
+                <a:cubicBezTo>
+                  <a:pt x="4063793" y="5960236"/>
+                  <a:pt x="4060463" y="5937233"/>
+                  <a:pt x="3966753" y="5893724"/>
+                </a:cubicBezTo>
+                <a:cubicBezTo>
+                  <a:pt x="3663479" y="5752917"/>
+                  <a:pt x="3982989" y="5908529"/>
+                  <a:pt x="3758935" y="5818909"/>
+                </a:cubicBezTo>
+                <a:cubicBezTo>
+                  <a:pt x="3730171" y="5807404"/>
+                  <a:pt x="3704189" y="5789763"/>
+                  <a:pt x="3675807" y="5777346"/>
+                </a:cubicBezTo>
+                <a:cubicBezTo>
+                  <a:pt x="3631545" y="5757981"/>
+                  <a:pt x="3616222" y="5759333"/>
+                  <a:pt x="3567742" y="5752407"/>
+                </a:cubicBezTo>
+                <a:cubicBezTo>
+                  <a:pt x="3556658" y="5746865"/>
+                  <a:pt x="3545250" y="5741930"/>
+                  <a:pt x="3534491" y="5735782"/>
+                </a:cubicBezTo>
+                <a:cubicBezTo>
+                  <a:pt x="3525817" y="5730825"/>
+                  <a:pt x="3518736" y="5723092"/>
+                  <a:pt x="3509553" y="5719157"/>
+                </a:cubicBezTo>
+                <a:cubicBezTo>
+                  <a:pt x="3499052" y="5714657"/>
+                  <a:pt x="3486876" y="5715170"/>
+                  <a:pt x="3476302" y="5710844"/>
+                </a:cubicBezTo>
+                <a:cubicBezTo>
+                  <a:pt x="3425785" y="5690178"/>
+                  <a:pt x="3378952" y="5660025"/>
+                  <a:pt x="3326673" y="5644342"/>
+                </a:cubicBezTo>
+                <a:cubicBezTo>
+                  <a:pt x="3298964" y="5636029"/>
+                  <a:pt x="3270632" y="5629562"/>
+                  <a:pt x="3243545" y="5619404"/>
+                </a:cubicBezTo>
+                <a:cubicBezTo>
+                  <a:pt x="3058288" y="5549932"/>
+                  <a:pt x="3199065" y="5581510"/>
+                  <a:pt x="3027415" y="5552902"/>
+                </a:cubicBezTo>
+                <a:lnTo>
+                  <a:pt x="2802971" y="5478087"/>
+                </a:lnTo>
+                <a:cubicBezTo>
+                  <a:pt x="2761407" y="5464233"/>
+                  <a:pt x="2722007" y="5439257"/>
+                  <a:pt x="2678280" y="5436524"/>
+                </a:cubicBezTo>
+                <a:lnTo>
+                  <a:pt x="2545276" y="5428211"/>
+                </a:lnTo>
+                <a:cubicBezTo>
+                  <a:pt x="2520338" y="5422669"/>
+                  <a:pt x="2496008" y="5411586"/>
+                  <a:pt x="2470462" y="5411586"/>
+                </a:cubicBezTo>
+                <a:cubicBezTo>
+                  <a:pt x="2157100" y="5411586"/>
+                  <a:pt x="2174869" y="5411061"/>
+                  <a:pt x="1996636" y="5436524"/>
+                </a:cubicBezTo>
+                <a:cubicBezTo>
+                  <a:pt x="1653759" y="5550814"/>
+                  <a:pt x="1937337" y="5462599"/>
+                  <a:pt x="1015735" y="5428211"/>
+                </a:cubicBezTo>
+                <a:cubicBezTo>
+                  <a:pt x="916112" y="5424494"/>
+                  <a:pt x="860555" y="5415543"/>
+                  <a:pt x="774665" y="5403273"/>
+                </a:cubicBezTo>
+                <a:cubicBezTo>
+                  <a:pt x="755269" y="5397731"/>
+                  <a:pt x="733774" y="5397026"/>
+                  <a:pt x="716476" y="5386647"/>
+                </a:cubicBezTo>
+                <a:cubicBezTo>
+                  <a:pt x="704596" y="5379519"/>
+                  <a:pt x="702474" y="5361903"/>
+                  <a:pt x="691538" y="5353397"/>
+                </a:cubicBezTo>
+                <a:cubicBezTo>
+                  <a:pt x="676866" y="5341985"/>
+                  <a:pt x="656532" y="5339611"/>
+                  <a:pt x="641662" y="5328458"/>
+                </a:cubicBezTo>
+                <a:cubicBezTo>
+                  <a:pt x="622852" y="5314351"/>
+                  <a:pt x="610866" y="5292320"/>
+                  <a:pt x="591785" y="5278582"/>
+                </a:cubicBezTo>
+                <a:cubicBezTo>
+                  <a:pt x="487916" y="5203796"/>
+                  <a:pt x="468706" y="5196260"/>
+                  <a:pt x="383967" y="5153891"/>
+                </a:cubicBezTo>
+                <a:cubicBezTo>
+                  <a:pt x="367342" y="5137266"/>
+                  <a:pt x="351942" y="5119316"/>
+                  <a:pt x="334091" y="5104015"/>
+                </a:cubicBezTo>
+                <a:cubicBezTo>
+                  <a:pt x="287755" y="5064299"/>
+                  <a:pt x="272054" y="5056817"/>
+                  <a:pt x="226025" y="5029200"/>
+                </a:cubicBezTo>
+                <a:cubicBezTo>
+                  <a:pt x="194938" y="4920394"/>
+                  <a:pt x="235072" y="5013308"/>
+                  <a:pt x="159524" y="4937760"/>
+                </a:cubicBezTo>
+                <a:cubicBezTo>
+                  <a:pt x="150762" y="4928998"/>
+                  <a:pt x="150004" y="4914661"/>
+                  <a:pt x="142898" y="4904509"/>
+                </a:cubicBezTo>
+                <a:cubicBezTo>
+                  <a:pt x="65763" y="4794317"/>
+                  <a:pt x="127703" y="4889599"/>
+                  <a:pt x="84709" y="4838007"/>
+                </a:cubicBezTo>
+                <a:cubicBezTo>
+                  <a:pt x="75840" y="4827364"/>
+                  <a:pt x="68084" y="4815840"/>
+                  <a:pt x="59771" y="4804757"/>
+                </a:cubicBezTo>
+                <a:cubicBezTo>
+                  <a:pt x="38677" y="4741476"/>
+                  <a:pt x="46582" y="4772065"/>
+                  <a:pt x="34833" y="4713317"/>
+                </a:cubicBezTo>
+                <a:cubicBezTo>
+                  <a:pt x="37604" y="4588626"/>
+                  <a:pt x="38059" y="4463862"/>
+                  <a:pt x="43145" y="4339244"/>
+                </a:cubicBezTo>
+                <a:cubicBezTo>
+                  <a:pt x="43611" y="4327829"/>
+                  <a:pt x="46957" y="4316494"/>
+                  <a:pt x="51458" y="4305993"/>
+                </a:cubicBezTo>
+                <a:cubicBezTo>
+                  <a:pt x="55394" y="4296810"/>
+                  <a:pt x="62542" y="4289368"/>
+                  <a:pt x="68084" y="4281055"/>
+                </a:cubicBezTo>
+                <a:cubicBezTo>
+                  <a:pt x="70855" y="4220095"/>
+                  <a:pt x="77486" y="4159188"/>
+                  <a:pt x="76396" y="4098175"/>
+                </a:cubicBezTo>
+                <a:cubicBezTo>
+                  <a:pt x="71575" y="3828235"/>
+                  <a:pt x="100332" y="3896661"/>
+                  <a:pt x="43145" y="3782291"/>
+                </a:cubicBezTo>
+                <a:cubicBezTo>
+                  <a:pt x="41537" y="3762996"/>
+                  <a:pt x="30628" y="3625429"/>
+                  <a:pt x="26520" y="3599411"/>
+                </a:cubicBezTo>
+                <a:cubicBezTo>
+                  <a:pt x="22536" y="3574177"/>
+                  <a:pt x="15437" y="3549535"/>
+                  <a:pt x="9895" y="3524597"/>
+                </a:cubicBezTo>
+                <a:cubicBezTo>
+                  <a:pt x="-3004" y="3344019"/>
+                  <a:pt x="-3590" y="3391691"/>
+                  <a:pt x="9895" y="3142211"/>
+                </a:cubicBezTo>
+                <a:cubicBezTo>
+                  <a:pt x="10658" y="3128103"/>
+                  <a:pt x="15884" y="3114584"/>
+                  <a:pt x="18207" y="3100647"/>
+                </a:cubicBezTo>
+                <a:cubicBezTo>
+                  <a:pt x="21428" y="3081320"/>
+                  <a:pt x="19243" y="3060650"/>
+                  <a:pt x="26520" y="3042458"/>
+                </a:cubicBezTo>
+                <a:cubicBezTo>
+                  <a:pt x="30886" y="3031543"/>
+                  <a:pt x="43145" y="3025833"/>
+                  <a:pt x="51458" y="3017520"/>
+                </a:cubicBezTo>
+                <a:cubicBezTo>
+                  <a:pt x="54229" y="2981498"/>
+                  <a:pt x="56176" y="2945404"/>
+                  <a:pt x="59771" y="2909455"/>
+                </a:cubicBezTo>
+                <a:cubicBezTo>
+                  <a:pt x="61721" y="2889959"/>
+                  <a:pt x="66033" y="2870752"/>
+                  <a:pt x="68084" y="2851266"/>
+                </a:cubicBezTo>
+                <a:cubicBezTo>
+                  <a:pt x="71577" y="2818083"/>
+                  <a:pt x="72421" y="2784642"/>
+                  <a:pt x="76396" y="2751513"/>
+                </a:cubicBezTo>
+                <a:cubicBezTo>
+                  <a:pt x="80738" y="2715327"/>
+                  <a:pt x="88358" y="2679593"/>
+                  <a:pt x="93022" y="2643447"/>
+                </a:cubicBezTo>
+                <a:cubicBezTo>
+                  <a:pt x="99444" y="2593676"/>
+                  <a:pt x="104105" y="2543694"/>
+                  <a:pt x="109647" y="2493818"/>
+                </a:cubicBezTo>
+                <a:cubicBezTo>
+                  <a:pt x="112418" y="2122516"/>
+                  <a:pt x="112694" y="1751188"/>
+                  <a:pt x="117960" y="1379913"/>
+                </a:cubicBezTo>
+                <a:cubicBezTo>
+                  <a:pt x="118733" y="1325453"/>
+                  <a:pt x="151136" y="1238979"/>
+                  <a:pt x="159524" y="1197033"/>
+                </a:cubicBezTo>
+                <a:cubicBezTo>
+                  <a:pt x="161782" y="1185741"/>
+                  <a:pt x="171116" y="1135639"/>
+                  <a:pt x="176149" y="1122218"/>
+                </a:cubicBezTo>
+                <a:cubicBezTo>
+                  <a:pt x="180500" y="1110615"/>
+                  <a:pt x="188326" y="1100533"/>
+                  <a:pt x="192775" y="1088967"/>
+                </a:cubicBezTo>
+                <a:cubicBezTo>
+                  <a:pt x="235399" y="978147"/>
+                  <a:pt x="194491" y="1048986"/>
+                  <a:pt x="250964" y="964277"/>
+                </a:cubicBezTo>
+                <a:cubicBezTo>
+                  <a:pt x="253735" y="953193"/>
+                  <a:pt x="255265" y="941723"/>
+                  <a:pt x="259276" y="931026"/>
+                </a:cubicBezTo>
+                <a:cubicBezTo>
+                  <a:pt x="263627" y="919423"/>
+                  <a:pt x="272341" y="909644"/>
+                  <a:pt x="275902" y="897775"/>
+                </a:cubicBezTo>
+                <a:cubicBezTo>
+                  <a:pt x="300614" y="815403"/>
+                  <a:pt x="262495" y="876859"/>
+                  <a:pt x="309153" y="814647"/>
+                </a:cubicBezTo>
+                <a:cubicBezTo>
+                  <a:pt x="332114" y="722797"/>
+                  <a:pt x="294025" y="864943"/>
+                  <a:pt x="367342" y="681644"/>
+                </a:cubicBezTo>
+                <a:cubicBezTo>
+                  <a:pt x="386878" y="632803"/>
+                  <a:pt x="373415" y="650631"/>
+                  <a:pt x="400593" y="623455"/>
+                </a:cubicBezTo>
+                <a:cubicBezTo>
+                  <a:pt x="403364" y="601288"/>
+                  <a:pt x="402486" y="578351"/>
+                  <a:pt x="408905" y="556953"/>
+                </a:cubicBezTo>
+                <a:cubicBezTo>
+                  <a:pt x="411157" y="549446"/>
+                  <a:pt x="420828" y="546597"/>
+                  <a:pt x="425531" y="540327"/>
+                </a:cubicBezTo>
+                <a:cubicBezTo>
+                  <a:pt x="461739" y="492050"/>
+                  <a:pt x="456520" y="479679"/>
+                  <a:pt x="508658" y="440575"/>
+                </a:cubicBezTo>
+                <a:cubicBezTo>
+                  <a:pt x="548290" y="410851"/>
+                  <a:pt x="597071" y="388055"/>
+                  <a:pt x="641662" y="365760"/>
+                </a:cubicBezTo>
+                <a:cubicBezTo>
+                  <a:pt x="644433" y="354676"/>
+                  <a:pt x="642452" y="341107"/>
+                  <a:pt x="649975" y="332509"/>
+                </a:cubicBezTo>
+                <a:cubicBezTo>
+                  <a:pt x="663133" y="317472"/>
+                  <a:pt x="681865" y="307961"/>
+                  <a:pt x="699851" y="299258"/>
+                </a:cubicBezTo>
+                <a:cubicBezTo>
+                  <a:pt x="767977" y="266294"/>
+                  <a:pt x="837400" y="235926"/>
+                  <a:pt x="907669" y="207818"/>
+                </a:cubicBezTo>
+                <a:cubicBezTo>
+                  <a:pt x="934529" y="197074"/>
+                  <a:pt x="963936" y="193624"/>
+                  <a:pt x="990796" y="182880"/>
+                </a:cubicBezTo>
+                <a:cubicBezTo>
+                  <a:pt x="1033382" y="165846"/>
+                  <a:pt x="1072703" y="141221"/>
+                  <a:pt x="1115487" y="124691"/>
+                </a:cubicBezTo>
+                <a:cubicBezTo>
+                  <a:pt x="1330798" y="41503"/>
+                  <a:pt x="1282618" y="52127"/>
+                  <a:pt x="1414745" y="33251"/>
+                </a:cubicBezTo>
+                <a:lnTo>
+                  <a:pt x="1481247" y="8313"/>
+                </a:lnTo>
+                <a:cubicBezTo>
+                  <a:pt x="1489482" y="5319"/>
+                  <a:pt x="1497423" y="0"/>
+                  <a:pt x="1506185" y="0"/>
+                </a:cubicBezTo>
+                <a:cubicBezTo>
+                  <a:pt x="1529257" y="0"/>
+                  <a:pt x="1620246" y="7734"/>
+                  <a:pt x="1655815" y="16626"/>
+                </a:cubicBezTo>
+                <a:cubicBezTo>
+                  <a:pt x="1824572" y="58815"/>
+                  <a:pt x="1603467" y="12806"/>
+                  <a:pt x="1747255" y="41564"/>
+                </a:cubicBezTo>
+                <a:cubicBezTo>
+                  <a:pt x="1763880" y="49877"/>
+                  <a:pt x="1780813" y="57601"/>
+                  <a:pt x="1797131" y="66502"/>
+                </a:cubicBezTo>
+                <a:cubicBezTo>
+                  <a:pt x="1813862" y="75628"/>
+                  <a:pt x="1851439" y="101230"/>
+                  <a:pt x="1871945" y="108066"/>
+                </a:cubicBezTo>
+                <a:cubicBezTo>
+                  <a:pt x="1965349" y="139201"/>
+                  <a:pt x="1909118" y="109092"/>
+                  <a:pt x="1980011" y="141317"/>
+                </a:cubicBezTo>
+                <a:cubicBezTo>
+                  <a:pt x="2035778" y="166666"/>
+                  <a:pt x="2027543" y="169181"/>
+                  <a:pt x="2088076" y="191193"/>
+                </a:cubicBezTo>
+                <a:cubicBezTo>
+                  <a:pt x="2098813" y="195097"/>
+                  <a:pt x="2110243" y="196735"/>
+                  <a:pt x="2121327" y="199506"/>
+                </a:cubicBezTo>
+                <a:cubicBezTo>
+                  <a:pt x="2132411" y="207819"/>
+                  <a:pt x="2142186" y="218248"/>
+                  <a:pt x="2154578" y="224444"/>
+                </a:cubicBezTo>
+                <a:cubicBezTo>
+                  <a:pt x="2164797" y="229553"/>
+                  <a:pt x="2176990" y="229144"/>
+                  <a:pt x="2187829" y="232757"/>
+                </a:cubicBezTo>
+                <a:cubicBezTo>
+                  <a:pt x="2201985" y="237476"/>
+                  <a:pt x="2214997" y="245456"/>
+                  <a:pt x="2229393" y="249382"/>
+                </a:cubicBezTo>
+                <a:cubicBezTo>
+                  <a:pt x="2242089" y="252845"/>
+                  <a:pt x="2328271" y="264695"/>
+                  <a:pt x="2337458" y="266007"/>
+                </a:cubicBezTo>
+                <a:cubicBezTo>
+                  <a:pt x="2354084" y="274320"/>
+                  <a:pt x="2369701" y="285068"/>
+                  <a:pt x="2387335" y="290946"/>
+                </a:cubicBezTo>
+                <a:cubicBezTo>
+                  <a:pt x="2445384" y="310296"/>
+                  <a:pt x="2481829" y="315008"/>
+                  <a:pt x="2536964" y="324197"/>
+                </a:cubicBezTo>
+                <a:cubicBezTo>
+                  <a:pt x="2548048" y="332510"/>
+                  <a:pt x="2558186" y="342261"/>
+                  <a:pt x="2570215" y="349135"/>
+                </a:cubicBezTo>
+                <a:cubicBezTo>
+                  <a:pt x="2577823" y="353482"/>
+                  <a:pt x="2586652" y="355322"/>
+                  <a:pt x="2595153" y="357447"/>
+                </a:cubicBezTo>
+                <a:cubicBezTo>
+                  <a:pt x="2614122" y="362189"/>
+                  <a:pt x="2642654" y="364573"/>
+                  <a:pt x="2661655" y="374073"/>
+                </a:cubicBezTo>
+                <a:cubicBezTo>
+                  <a:pt x="2676106" y="381299"/>
+                  <a:pt x="2688454" y="392449"/>
+                  <a:pt x="2703218" y="399011"/>
+                </a:cubicBezTo>
+                <a:cubicBezTo>
+                  <a:pt x="2713658" y="403651"/>
+                  <a:pt x="2725630" y="403711"/>
+                  <a:pt x="2736469" y="407324"/>
+                </a:cubicBezTo>
+                <a:cubicBezTo>
+                  <a:pt x="2750625" y="412043"/>
+                  <a:pt x="2764686" y="417276"/>
+                  <a:pt x="2778033" y="423949"/>
+                </a:cubicBezTo>
+                <a:cubicBezTo>
+                  <a:pt x="2842490" y="456178"/>
+                  <a:pt x="2765227" y="427995"/>
+                  <a:pt x="2827909" y="448887"/>
+                </a:cubicBezTo>
+                <a:cubicBezTo>
+                  <a:pt x="2859984" y="470271"/>
+                  <a:pt x="2869997" y="473536"/>
+                  <a:pt x="2894411" y="515389"/>
+                </a:cubicBezTo>
+                <a:cubicBezTo>
+                  <a:pt x="2986310" y="672931"/>
+                  <a:pt x="2844475" y="476520"/>
+                  <a:pt x="2935975" y="598517"/>
+                </a:cubicBezTo>
+                <a:cubicBezTo>
+                  <a:pt x="2938746" y="612371"/>
+                  <a:pt x="2940860" y="626373"/>
+                  <a:pt x="2944287" y="640080"/>
+                </a:cubicBezTo>
+                <a:cubicBezTo>
+                  <a:pt x="2946412" y="648581"/>
+                  <a:pt x="2952930" y="656262"/>
+                  <a:pt x="2952600" y="665018"/>
+                </a:cubicBezTo>
+                <a:cubicBezTo>
+                  <a:pt x="2946425" y="828656"/>
+                  <a:pt x="2959479" y="1011290"/>
+                  <a:pt x="2902724" y="1172095"/>
+                </a:cubicBezTo>
+                <a:cubicBezTo>
+                  <a:pt x="2896538" y="1189623"/>
+                  <a:pt x="2886098" y="1205346"/>
+                  <a:pt x="2877785" y="1221971"/>
+                </a:cubicBezTo>
+                <a:cubicBezTo>
+                  <a:pt x="2863935" y="1305078"/>
+                  <a:pt x="2876042" y="1240609"/>
+                  <a:pt x="2861160" y="1305098"/>
+                </a:cubicBezTo>
+                <a:cubicBezTo>
+                  <a:pt x="2841918" y="1388480"/>
+                  <a:pt x="2862881" y="1361568"/>
+                  <a:pt x="2827909" y="1396538"/>
+                </a:cubicBezTo>
+                <a:cubicBezTo>
+                  <a:pt x="2802823" y="1496886"/>
+                  <a:pt x="2803743" y="1497585"/>
+                  <a:pt x="2761407" y="1629295"/>
+                </a:cubicBezTo>
+                <a:cubicBezTo>
+                  <a:pt x="2754162" y="1651834"/>
+                  <a:pt x="2742805" y="1672986"/>
+                  <a:pt x="2736469" y="1695797"/>
+                </a:cubicBezTo>
+                <a:cubicBezTo>
+                  <a:pt x="2728906" y="1723024"/>
+                  <a:pt x="2727035" y="1751597"/>
+                  <a:pt x="2719844" y="1778924"/>
+                </a:cubicBezTo>
+                <a:cubicBezTo>
+                  <a:pt x="2699309" y="1856957"/>
+                  <a:pt x="2675031" y="1933960"/>
+                  <a:pt x="2653342" y="2011680"/>
+                </a:cubicBezTo>
+                <a:cubicBezTo>
+                  <a:pt x="2641779" y="2053113"/>
+                  <a:pt x="2620091" y="2136371"/>
+                  <a:pt x="2620091" y="2136371"/>
+                </a:cubicBezTo>
+                <a:cubicBezTo>
+                  <a:pt x="2617320" y="2158538"/>
+                  <a:pt x="2617196" y="2181200"/>
+                  <a:pt x="2611778" y="2202873"/>
+                </a:cubicBezTo>
+                <a:cubicBezTo>
+                  <a:pt x="2602015" y="2241924"/>
+                  <a:pt x="2587207" y="2268641"/>
+                  <a:pt x="2570215" y="2302626"/>
+                </a:cubicBezTo>
+                <a:cubicBezTo>
+                  <a:pt x="2567444" y="2322022"/>
+                  <a:pt x="2563205" y="2341265"/>
+                  <a:pt x="2561902" y="2360815"/>
+                </a:cubicBezTo>
+                <a:cubicBezTo>
+                  <a:pt x="2557659" y="2424465"/>
+                  <a:pt x="2561752" y="2488741"/>
+                  <a:pt x="2553589" y="2552007"/>
+                </a:cubicBezTo>
+                <a:cubicBezTo>
+                  <a:pt x="2550559" y="2575487"/>
+                  <a:pt x="2536964" y="2596342"/>
+                  <a:pt x="2528651" y="2618509"/>
+                </a:cubicBezTo>
+                <a:cubicBezTo>
+                  <a:pt x="2491302" y="2842599"/>
+                  <a:pt x="2505236" y="2712737"/>
+                  <a:pt x="2536964" y="3117273"/>
+                </a:cubicBezTo>
+                <a:cubicBezTo>
+                  <a:pt x="2537649" y="3126008"/>
+                  <a:pt x="2540768" y="3134697"/>
+                  <a:pt x="2545276" y="3142211"/>
+                </a:cubicBezTo>
+                <a:cubicBezTo>
+                  <a:pt x="2557540" y="3162650"/>
+                  <a:pt x="2572985" y="3181004"/>
+                  <a:pt x="2586840" y="3200400"/>
+                </a:cubicBezTo>
+                <a:cubicBezTo>
+                  <a:pt x="2608799" y="3266275"/>
+                  <a:pt x="2584246" y="3202482"/>
+                  <a:pt x="2669967" y="3316778"/>
+                </a:cubicBezTo>
+                <a:cubicBezTo>
+                  <a:pt x="2699608" y="3356299"/>
+                  <a:pt x="2685108" y="3340232"/>
+                  <a:pt x="2711531" y="3366655"/>
+                </a:cubicBezTo>
+                <a:cubicBezTo>
+                  <a:pt x="2726040" y="3410180"/>
+                  <a:pt x="2713649" y="3385399"/>
+                  <a:pt x="2761407" y="3433157"/>
+                </a:cubicBezTo>
+                <a:cubicBezTo>
+                  <a:pt x="2905625" y="3577375"/>
+                  <a:pt x="2770423" y="3449314"/>
+                  <a:pt x="3318360" y="3483033"/>
+                </a:cubicBezTo>
+                <a:lnTo>
+                  <a:pt x="3492927" y="3516284"/>
+                </a:lnTo>
+                <a:cubicBezTo>
+                  <a:pt x="3670555" y="3547862"/>
+                  <a:pt x="3887084" y="3580399"/>
+                  <a:pt x="4058193" y="3599411"/>
+                </a:cubicBezTo>
+                <a:cubicBezTo>
+                  <a:pt x="4110591" y="3605233"/>
+                  <a:pt x="4163488" y="3604953"/>
+                  <a:pt x="4216135" y="3607724"/>
+                </a:cubicBezTo>
+                <a:cubicBezTo>
+                  <a:pt x="4374077" y="3635433"/>
+                  <a:pt x="4531218" y="3668173"/>
+                  <a:pt x="4689960" y="3690851"/>
+                </a:cubicBezTo>
+                <a:cubicBezTo>
+                  <a:pt x="5100858" y="3749553"/>
+                  <a:pt x="4544636" y="3672415"/>
+                  <a:pt x="4906091" y="3715789"/>
+                </a:cubicBezTo>
+                <a:cubicBezTo>
+                  <a:pt x="4942277" y="3720131"/>
+                  <a:pt x="4978265" y="3726081"/>
+                  <a:pt x="5014156" y="3732415"/>
+                </a:cubicBezTo>
+                <a:cubicBezTo>
+                  <a:pt x="5025407" y="3734400"/>
+                  <a:pt x="5036254" y="3738249"/>
+                  <a:pt x="5047407" y="3740727"/>
+                </a:cubicBezTo>
+                <a:cubicBezTo>
+                  <a:pt x="5061200" y="3743792"/>
+                  <a:pt x="5075116" y="3746269"/>
+                  <a:pt x="5088971" y="3749040"/>
+                </a:cubicBezTo>
+                <a:cubicBezTo>
+                  <a:pt x="5097284" y="3754582"/>
+                  <a:pt x="5104431" y="3762507"/>
+                  <a:pt x="5113909" y="3765666"/>
+                </a:cubicBezTo>
+                <a:cubicBezTo>
+                  <a:pt x="5122554" y="3768548"/>
+                  <a:pt x="5217499" y="3781652"/>
+                  <a:pt x="5221975" y="3782291"/>
+                </a:cubicBezTo>
+                <a:cubicBezTo>
+                  <a:pt x="5244142" y="3793375"/>
+                  <a:pt x="5265136" y="3807206"/>
+                  <a:pt x="5288476" y="3815542"/>
+                </a:cubicBezTo>
+                <a:cubicBezTo>
+                  <a:pt x="5304349" y="3821211"/>
+                  <a:pt x="5322053" y="3819565"/>
+                  <a:pt x="5338353" y="3823855"/>
+                </a:cubicBezTo>
+                <a:cubicBezTo>
+                  <a:pt x="5374800" y="3833446"/>
+                  <a:pt x="5409950" y="3847593"/>
+                  <a:pt x="5446418" y="3857106"/>
+                </a:cubicBezTo>
+                <a:cubicBezTo>
+                  <a:pt x="5473761" y="3864239"/>
+                  <a:pt x="5502184" y="3866670"/>
+                  <a:pt x="5529545" y="3873731"/>
+                </a:cubicBezTo>
+                <a:cubicBezTo>
+                  <a:pt x="5588143" y="3888853"/>
+                  <a:pt x="5646701" y="3904469"/>
+                  <a:pt x="5704113" y="3923607"/>
+                </a:cubicBezTo>
+                <a:cubicBezTo>
+                  <a:pt x="5712426" y="3926378"/>
+                  <a:pt x="5720997" y="3928468"/>
+                  <a:pt x="5729051" y="3931920"/>
+                </a:cubicBezTo>
+                <a:cubicBezTo>
+                  <a:pt x="5740441" y="3936802"/>
+                  <a:pt x="5751484" y="3942501"/>
+                  <a:pt x="5762302" y="3948546"/>
+                </a:cubicBezTo>
+                <a:lnTo>
+                  <a:pt x="6011684" y="4089862"/>
+                </a:lnTo>
+                <a:cubicBezTo>
+                  <a:pt x="6222579" y="4206527"/>
+                  <a:pt x="6081753" y="4124897"/>
+                  <a:pt x="6294316" y="4231178"/>
+                </a:cubicBezTo>
+                <a:cubicBezTo>
+                  <a:pt x="6573501" y="4370770"/>
+                  <a:pt x="6178835" y="4192565"/>
+                  <a:pt x="6593575" y="4364182"/>
+                </a:cubicBezTo>
+                <a:cubicBezTo>
+                  <a:pt x="6713132" y="4413654"/>
+                  <a:pt x="6596664" y="4373524"/>
+                  <a:pt x="6668389" y="4397433"/>
+                </a:cubicBezTo>
+                <a:cubicBezTo>
+                  <a:pt x="6685155" y="4464494"/>
+                  <a:pt x="6686440" y="4455381"/>
+                  <a:pt x="6668389" y="4563687"/>
+                </a:cubicBezTo>
+                <a:cubicBezTo>
+                  <a:pt x="6667101" y="4571418"/>
+                  <a:pt x="6657306" y="4574771"/>
+                  <a:pt x="6651764" y="4580313"/>
+                </a:cubicBezTo>
+                <a:cubicBezTo>
+                  <a:pt x="6648993" y="4588626"/>
+                  <a:pt x="6647370" y="4597414"/>
+                  <a:pt x="6643451" y="4605251"/>
+                </a:cubicBezTo>
+                <a:cubicBezTo>
+                  <a:pt x="6619332" y="4653487"/>
+                  <a:pt x="6632061" y="4605144"/>
+                  <a:pt x="6610200" y="4663440"/>
+                </a:cubicBezTo>
+                <a:cubicBezTo>
+                  <a:pt x="6606189" y="4674137"/>
+                  <a:pt x="6605026" y="4685706"/>
+                  <a:pt x="6601887" y="4696691"/>
+                </a:cubicBezTo>
+                <a:cubicBezTo>
+                  <a:pt x="6599480" y="4705116"/>
+                  <a:pt x="6595982" y="4713204"/>
+                  <a:pt x="6593575" y="4721629"/>
+                </a:cubicBezTo>
+                <a:cubicBezTo>
+                  <a:pt x="6590436" y="4732614"/>
+                  <a:pt x="6590371" y="4744661"/>
+                  <a:pt x="6585262" y="4754880"/>
+                </a:cubicBezTo>
+                <a:cubicBezTo>
+                  <a:pt x="6579066" y="4767272"/>
+                  <a:pt x="6568637" y="4777047"/>
+                  <a:pt x="6560324" y="4788131"/>
+                </a:cubicBezTo>
+                <a:cubicBezTo>
+                  <a:pt x="6536160" y="4860620"/>
+                  <a:pt x="6553884" y="4823746"/>
+                  <a:pt x="6502135" y="4896197"/>
+                </a:cubicBezTo>
+                <a:cubicBezTo>
+                  <a:pt x="6497388" y="4919933"/>
+                  <a:pt x="6489604" y="4967784"/>
+                  <a:pt x="6477196" y="4987637"/>
+                </a:cubicBezTo>
+                <a:cubicBezTo>
+                  <a:pt x="6466368" y="5004961"/>
+                  <a:pt x="6442966" y="5004752"/>
+                  <a:pt x="6427320" y="5012575"/>
+                </a:cubicBezTo>
+                <a:cubicBezTo>
+                  <a:pt x="6418384" y="5017043"/>
+                  <a:pt x="6411511" y="5025142"/>
+                  <a:pt x="6402382" y="5029200"/>
+                </a:cubicBezTo>
+                <a:cubicBezTo>
+                  <a:pt x="6376356" y="5040767"/>
+                  <a:pt x="6346893" y="5047229"/>
+                  <a:pt x="6319255" y="5054138"/>
+                </a:cubicBezTo>
+                <a:cubicBezTo>
+                  <a:pt x="6316484" y="5062451"/>
+                  <a:pt x="6314861" y="5071239"/>
+                  <a:pt x="6310942" y="5079077"/>
+                </a:cubicBezTo>
+                <a:cubicBezTo>
+                  <a:pt x="6299369" y="5102222"/>
+                  <a:pt x="6287761" y="5110570"/>
+                  <a:pt x="6269378" y="5128953"/>
+                </a:cubicBezTo>
+                <a:lnTo>
+                  <a:pt x="6236127" y="5137266"/>
+                </a:lnTo>
+                <a:close/>
+              </a:path>
+            </a:pathLst>
+          </a:custGeom>
+          <a:noFill/>
+        </p:spPr>
+        <p:style>
+          <a:lnRef idx="2">
+            <a:schemeClr val="accent1">
+              <a:shade val="50000"/>
+            </a:schemeClr>
+          </a:lnRef>
+          <a:fillRef idx="1">
+            <a:schemeClr val="accent1"/>
+          </a:fillRef>
+          <a:effectRef idx="0">
+            <a:schemeClr val="accent1"/>
+          </a:effectRef>
+          <a:fontRef idx="minor">
+            <a:schemeClr val="lt1"/>
+          </a:fontRef>
+        </p:style>
+        <p:txBody>
+          <a:bodyPr rtlCol="0" anchor="ctr"/>
+          <a:lstStyle/>
+          <a:p>
+            <a:pPr algn="ctr"/>
+            <a:endParaRPr lang="en-US"/>
+          </a:p>
+        </p:txBody>
+      </p:sp>
+      <p:cxnSp>
+        <p:nvCxnSpPr>
+          <p:cNvPr id="42" name="Straight Arrow Connector 41">
+            <a:extLst>
+              <a:ext uri="{FF2B5EF4-FFF2-40B4-BE49-F238E27FC236}">
+                <a16:creationId xmlns:a16="http://schemas.microsoft.com/office/drawing/2014/main" id="{5F0AF26A-99B6-430E-BB38-CEB25F5988BA}"/>
+              </a:ext>
+            </a:extLst>
+          </p:cNvPr>
+          <p:cNvCxnSpPr>
+            <a:stCxn id="39" idx="2"/>
+            <a:endCxn id="40" idx="165"/>
+          </p:cNvCxnSpPr>
+          <p:nvPr/>
+        </p:nvCxnSpPr>
+        <p:spPr>
+          <a:xfrm flipH="1" flipV="1">
+            <a:off x="6558742" y="5785658"/>
+            <a:ext cx="1870363" cy="119986"/>
+          </a:xfrm>
+          <a:prstGeom prst="straightConnector1">
+            <a:avLst/>
+          </a:prstGeom>
+          <a:ln>
+            <a:tailEnd type="triangle"/>
+          </a:ln>
+        </p:spPr>
+        <p:style>
+          <a:lnRef idx="1">
+            <a:schemeClr val="accent1"/>
+          </a:lnRef>
+          <a:fillRef idx="0">
+            <a:schemeClr val="accent1"/>
+          </a:fillRef>
+          <a:effectRef idx="0">
+            <a:schemeClr val="accent1"/>
+          </a:effectRef>
+          <a:fontRef idx="minor">
+            <a:schemeClr val="tx1"/>
+          </a:fontRef>
+        </p:style>
+      </p:cxnSp>
+    </p:spTree>
+    <p:extLst>
+      <p:ext uri="{BB962C8B-B14F-4D97-AF65-F5344CB8AC3E}">
+        <p14:creationId xmlns:p14="http://schemas.microsoft.com/office/powerpoint/2010/main" val="450298922"/>
+      </p:ext>
+    </p:extLst>
+  </p:cSld>
+  <p:clrMapOvr>
+    <a:masterClrMapping/>
+  </p:clrMapOvr>
+</p:sld>
+</file>
+
+<file path=ppt/slides/slide6.xml><?xml version="1.0" encoding="utf-8"?>
+<p:sld xmlns:a="http://schemas.openxmlformats.org/drawingml/2006/main" xmlns:r="http://schemas.openxmlformats.org/officeDocument/2006/relationships" xmlns:p="http://schemas.openxmlformats.org/presentationml/2006/main">
+  <p:cSld>
+    <p:spTree>
+      <p:nvGrpSpPr>
+        <p:cNvPr id="1" name=""/>
+        <p:cNvGrpSpPr/>
+        <p:nvPr/>
+      </p:nvGrpSpPr>
+      <p:grpSpPr>
+        <a:xfrm>
+          <a:off x="0" y="0"/>
+          <a:ext cx="0" cy="0"/>
+          <a:chOff x="0" y="0"/>
+          <a:chExt cx="0" cy="0"/>
+        </a:xfrm>
+      </p:grpSpPr>
+      <p:sp>
+        <p:nvSpPr>
+          <p:cNvPr id="2" name="Title 1">
+            <a:extLst>
+              <a:ext uri="{FF2B5EF4-FFF2-40B4-BE49-F238E27FC236}">
+                <a16:creationId xmlns:a16="http://schemas.microsoft.com/office/drawing/2014/main" id="{95B98A2C-6FBB-47AA-9668-935EA326A7DA}"/>
+              </a:ext>
+            </a:extLst>
+          </p:cNvPr>
+          <p:cNvSpPr>
+            <a:spLocks noGrp="1"/>
+          </p:cNvSpPr>
+          <p:nvPr>
+            <p:ph type="title"/>
+          </p:nvPr>
+        </p:nvSpPr>
+        <p:spPr/>
+        <p:txBody>
+          <a:bodyPr/>
+          <a:lstStyle/>
+          <a:p>
+            <a:r>
+              <a:rPr lang="en-US" dirty="0"/>
+              <a:t>Git </a:t>
+            </a:r>
+            <a:r>
+              <a:rPr lang="en-US" dirty="0">
+                <a:sym typeface="Wingdings" panose="05000000000000000000" pitchFamily="2" charset="2"/>
+              </a:rPr>
+              <a:t> Remote Repository</a:t>
+            </a:r>
+            <a:endParaRPr lang="en-US" dirty="0"/>
+          </a:p>
+        </p:txBody>
+      </p:sp>
+      <p:sp>
+        <p:nvSpPr>
+          <p:cNvPr id="3" name="Content Placeholder 2">
+            <a:extLst>
+              <a:ext uri="{FF2B5EF4-FFF2-40B4-BE49-F238E27FC236}">
+                <a16:creationId xmlns:a16="http://schemas.microsoft.com/office/drawing/2014/main" id="{051E0922-F8D2-4FA4-AAEE-9D3D1BDFDD59}"/>
+              </a:ext>
+            </a:extLst>
+          </p:cNvPr>
+          <p:cNvSpPr>
+            <a:spLocks noGrp="1"/>
+          </p:cNvSpPr>
+          <p:nvPr>
+            <p:ph idx="1"/>
+          </p:nvPr>
+        </p:nvSpPr>
+        <p:spPr/>
+        <p:txBody>
+          <a:bodyPr/>
+          <a:lstStyle/>
+          <a:p>
+            <a:r>
+              <a:rPr lang="en-US" dirty="0"/>
+              <a:t>SCM tool</a:t>
+            </a:r>
+          </a:p>
+          <a:p>
+            <a:r>
+              <a:rPr lang="en-US" dirty="0"/>
+              <a:t>Distributed Remote Repository</a:t>
+            </a:r>
+          </a:p>
+          <a:p>
+            <a:r>
+              <a:rPr lang="en-US" dirty="0" err="1"/>
+              <a:t>WebTool</a:t>
+            </a:r>
+            <a:r>
+              <a:rPr lang="en-US" dirty="0"/>
+              <a:t> (</a:t>
+            </a:r>
+            <a:r>
+              <a:rPr lang="en-US" dirty="0">
+                <a:hlinkClick r:id="rId2"/>
+              </a:rPr>
+              <a:t>https://github.com</a:t>
+            </a:r>
+            <a:r>
+              <a:rPr lang="en-US" dirty="0"/>
+              <a:t> )</a:t>
+            </a:r>
+          </a:p>
+          <a:p>
+            <a:pPr lvl="1"/>
+            <a:r>
+              <a:rPr lang="en-US" dirty="0"/>
+              <a:t>Public </a:t>
+            </a:r>
+            <a:r>
+              <a:rPr lang="en-US" dirty="0">
+                <a:sym typeface="Wingdings" panose="05000000000000000000" pitchFamily="2" charset="2"/>
+              </a:rPr>
+              <a:t> Not secured (No Cost)</a:t>
+            </a:r>
+            <a:endParaRPr lang="en-US" dirty="0"/>
+          </a:p>
+          <a:p>
+            <a:pPr lvl="1"/>
+            <a:r>
+              <a:rPr lang="en-US" dirty="0"/>
+              <a:t>Private </a:t>
+            </a:r>
+            <a:r>
+              <a:rPr lang="en-US" dirty="0">
+                <a:sym typeface="Wingdings" panose="05000000000000000000" pitchFamily="2" charset="2"/>
+              </a:rPr>
+              <a:t> secured only permitted users can access. (Cost)</a:t>
+            </a:r>
+            <a:endParaRPr lang="en-US" dirty="0"/>
+          </a:p>
+          <a:p>
+            <a:r>
+              <a:rPr lang="en-US" dirty="0"/>
+              <a:t>Huge amount of Metadata</a:t>
+            </a:r>
+          </a:p>
+          <a:p>
+            <a:r>
+              <a:rPr lang="en-US" dirty="0"/>
+              <a:t>Local Repository </a:t>
+            </a:r>
+            <a:r>
+              <a:rPr lang="en-US" dirty="0">
+                <a:sym typeface="Wingdings" panose="05000000000000000000" pitchFamily="2" charset="2"/>
+              </a:rPr>
+              <a:t> local machine</a:t>
+            </a:r>
+          </a:p>
+          <a:p>
+            <a:r>
+              <a:rPr lang="en-US" dirty="0" err="1">
+                <a:sym typeface="Wingdings" panose="05000000000000000000" pitchFamily="2" charset="2"/>
+              </a:rPr>
+              <a:t>Egit</a:t>
+            </a:r>
+            <a:r>
+              <a:rPr lang="en-US" dirty="0">
+                <a:sym typeface="Wingdings" panose="05000000000000000000" pitchFamily="2" charset="2"/>
+              </a:rPr>
+              <a:t> plugin (IDE  Eclipse /STS)</a:t>
+            </a:r>
+            <a:endParaRPr lang="en-US" dirty="0"/>
+          </a:p>
+        </p:txBody>
+      </p:sp>
+    </p:spTree>
+    <p:extLst>
+      <p:ext uri="{BB962C8B-B14F-4D97-AF65-F5344CB8AC3E}">
+        <p14:creationId xmlns:p14="http://schemas.microsoft.com/office/powerpoint/2010/main" val="3731605094"/>
+      </p:ext>
+    </p:extLst>
+  </p:cSld>
+  <p:clrMapOvr>
+    <a:masterClrMapping/>
+  </p:clrMapOvr>
+</p:sld>
+</file>
+
+<file path=ppt/slides/slide7.xml><?xml version="1.0" encoding="utf-8"?>
+<p:sld xmlns:a="http://schemas.openxmlformats.org/drawingml/2006/main" xmlns:r="http://schemas.openxmlformats.org/officeDocument/2006/relationships" xmlns:p="http://schemas.openxmlformats.org/presentationml/2006/main">
+  <p:cSld>
+    <p:spTree>
+      <p:nvGrpSpPr>
+        <p:cNvPr id="1" name=""/>
+        <p:cNvGrpSpPr/>
+        <p:nvPr/>
+      </p:nvGrpSpPr>
+      <p:grpSpPr>
+        <a:xfrm>
+          <a:off x="0" y="0"/>
+          <a:ext cx="0" cy="0"/>
+          <a:chOff x="0" y="0"/>
+          <a:chExt cx="0" cy="0"/>
+        </a:xfrm>
+      </p:grpSpPr>
+      <p:sp>
+        <p:nvSpPr>
+          <p:cNvPr id="2" name="Title 1">
+            <a:extLst>
+              <a:ext uri="{FF2B5EF4-FFF2-40B4-BE49-F238E27FC236}">
+                <a16:creationId xmlns:a16="http://schemas.microsoft.com/office/drawing/2014/main" id="{D96BBB27-D7A3-47DC-8FDF-CA37B2345BFD}"/>
+              </a:ext>
+            </a:extLst>
+          </p:cNvPr>
+          <p:cNvSpPr>
+            <a:spLocks noGrp="1"/>
+          </p:cNvSpPr>
+          <p:nvPr>
+            <p:ph type="title"/>
+          </p:nvPr>
+        </p:nvSpPr>
+        <p:spPr/>
+        <p:txBody>
+          <a:bodyPr/>
+          <a:lstStyle/>
+          <a:p>
+            <a:r>
+              <a:rPr lang="en-US" dirty="0"/>
+              <a:t>Client - Server</a:t>
+            </a:r>
+          </a:p>
+        </p:txBody>
+      </p:sp>
+      <p:sp>
+        <p:nvSpPr>
+          <p:cNvPr id="4" name="Rectangle 3">
+            <a:extLst>
+              <a:ext uri="{FF2B5EF4-FFF2-40B4-BE49-F238E27FC236}">
+                <a16:creationId xmlns:a16="http://schemas.microsoft.com/office/drawing/2014/main" id="{ED9E6E3C-47BF-4CAD-960A-C5B8BFA01EDD}"/>
+              </a:ext>
+            </a:extLst>
+          </p:cNvPr>
+          <p:cNvSpPr/>
+          <p:nvPr/>
+        </p:nvSpPr>
+        <p:spPr>
+          <a:xfrm>
+            <a:off x="3755571" y="1915886"/>
+            <a:ext cx="2492829" cy="1099457"/>
+          </a:xfrm>
+          <a:prstGeom prst="rect">
+            <a:avLst/>
+          </a:prstGeom>
+        </p:spPr>
+        <p:style>
+          <a:lnRef idx="2">
+            <a:schemeClr val="accent1">
+              <a:shade val="50000"/>
+            </a:schemeClr>
+          </a:lnRef>
+          <a:fillRef idx="1">
+            <a:schemeClr val="accent1"/>
+          </a:fillRef>
+          <a:effectRef idx="0">
+            <a:schemeClr val="accent1"/>
+          </a:effectRef>
+          <a:fontRef idx="minor">
+            <a:schemeClr val="lt1"/>
+          </a:fontRef>
+        </p:style>
+        <p:txBody>
+          <a:bodyPr rtlCol="0" anchor="ctr"/>
+          <a:lstStyle/>
+          <a:p>
+            <a:pPr algn="ctr"/>
+            <a:r>
+              <a:rPr lang="en-US" sz="2800" dirty="0"/>
+              <a:t>Server</a:t>
+            </a:r>
+          </a:p>
+        </p:txBody>
+      </p:sp>
+      <p:sp>
+        <p:nvSpPr>
+          <p:cNvPr id="5" name="Rectangle 4">
+            <a:extLst>
+              <a:ext uri="{FF2B5EF4-FFF2-40B4-BE49-F238E27FC236}">
+                <a16:creationId xmlns:a16="http://schemas.microsoft.com/office/drawing/2014/main" id="{F0F87258-492B-4DEE-8147-865327AD6D88}"/>
+              </a:ext>
+            </a:extLst>
+          </p:cNvPr>
+          <p:cNvSpPr/>
+          <p:nvPr/>
+        </p:nvSpPr>
+        <p:spPr>
+          <a:xfrm>
+            <a:off x="1545771" y="4833258"/>
+            <a:ext cx="2492829" cy="1099457"/>
+          </a:xfrm>
+          <a:prstGeom prst="rect">
+            <a:avLst/>
+          </a:prstGeom>
+        </p:spPr>
+        <p:style>
+          <a:lnRef idx="2">
+            <a:schemeClr val="accent1">
+              <a:shade val="50000"/>
+            </a:schemeClr>
+          </a:lnRef>
+          <a:fillRef idx="1">
+            <a:schemeClr val="accent1"/>
+          </a:fillRef>
+          <a:effectRef idx="0">
+            <a:schemeClr val="accent1"/>
+          </a:effectRef>
+          <a:fontRef idx="minor">
+            <a:schemeClr val="lt1"/>
+          </a:fontRef>
+        </p:style>
+        <p:txBody>
+          <a:bodyPr rtlCol="0" anchor="ctr"/>
+          <a:lstStyle/>
+          <a:p>
+            <a:pPr algn="ctr"/>
+            <a:r>
+              <a:rPr lang="en-US" sz="2800" dirty="0"/>
+              <a:t>Client</a:t>
+            </a:r>
+          </a:p>
+        </p:txBody>
+      </p:sp>
+      <p:cxnSp>
+        <p:nvCxnSpPr>
+          <p:cNvPr id="7" name="Straight Arrow Connector 6">
+            <a:extLst>
+              <a:ext uri="{FF2B5EF4-FFF2-40B4-BE49-F238E27FC236}">
+                <a16:creationId xmlns:a16="http://schemas.microsoft.com/office/drawing/2014/main" id="{76023DCA-92BE-44CB-A44F-5C83B519CE36}"/>
+              </a:ext>
+            </a:extLst>
+          </p:cNvPr>
+          <p:cNvCxnSpPr>
+            <a:stCxn id="5" idx="0"/>
+            <a:endCxn id="4" idx="2"/>
+          </p:cNvCxnSpPr>
+          <p:nvPr/>
+        </p:nvCxnSpPr>
+        <p:spPr>
+          <a:xfrm flipV="1">
+            <a:off x="2792186" y="3015343"/>
+            <a:ext cx="2209800" cy="1817915"/>
+          </a:xfrm>
+          <a:prstGeom prst="straightConnector1">
+            <a:avLst/>
+          </a:prstGeom>
+          <a:ln>
+            <a:tailEnd type="triangle"/>
+          </a:ln>
+        </p:spPr>
+        <p:style>
+          <a:lnRef idx="1">
+            <a:schemeClr val="accent1"/>
+          </a:lnRef>
+          <a:fillRef idx="0">
+            <a:schemeClr val="accent1"/>
+          </a:fillRef>
+          <a:effectRef idx="0">
+            <a:schemeClr val="accent1"/>
+          </a:effectRef>
+          <a:fontRef idx="minor">
+            <a:schemeClr val="tx1"/>
+          </a:fontRef>
+        </p:style>
+      </p:cxnSp>
+      <p:sp>
+        <p:nvSpPr>
+          <p:cNvPr id="9" name="Rectangle 8">
+            <a:extLst>
+              <a:ext uri="{FF2B5EF4-FFF2-40B4-BE49-F238E27FC236}">
+                <a16:creationId xmlns:a16="http://schemas.microsoft.com/office/drawing/2014/main" id="{ABE822B7-5B9B-4D82-998A-822A9A36CCCF}"/>
+              </a:ext>
+            </a:extLst>
+          </p:cNvPr>
+          <p:cNvSpPr/>
+          <p:nvPr/>
+        </p:nvSpPr>
+        <p:spPr>
+          <a:xfrm>
+            <a:off x="8904514" y="5214259"/>
+            <a:ext cx="2492829" cy="1099457"/>
+          </a:xfrm>
+          <a:prstGeom prst="rect">
+            <a:avLst/>
+          </a:prstGeom>
+        </p:spPr>
+        <p:style>
+          <a:lnRef idx="2">
+            <a:schemeClr val="accent1">
+              <a:shade val="50000"/>
+            </a:schemeClr>
+          </a:lnRef>
+          <a:fillRef idx="1">
+            <a:schemeClr val="accent1"/>
+          </a:fillRef>
+          <a:effectRef idx="0">
+            <a:schemeClr val="accent1"/>
+          </a:effectRef>
+          <a:fontRef idx="minor">
+            <a:schemeClr val="lt1"/>
+          </a:fontRef>
+        </p:style>
+        <p:txBody>
+          <a:bodyPr rtlCol="0" anchor="ctr"/>
+          <a:lstStyle/>
+          <a:p>
+            <a:pPr algn="ctr"/>
+            <a:r>
+              <a:rPr lang="en-US" sz="2800" dirty="0"/>
+              <a:t>Client</a:t>
+            </a:r>
+          </a:p>
+        </p:txBody>
+      </p:sp>
+      <p:sp>
+        <p:nvSpPr>
+          <p:cNvPr id="10" name="Rectangle 9">
+            <a:extLst>
+              <a:ext uri="{FF2B5EF4-FFF2-40B4-BE49-F238E27FC236}">
+                <a16:creationId xmlns:a16="http://schemas.microsoft.com/office/drawing/2014/main" id="{2839BC8F-5DC1-46B1-BE94-67AC5C08266B}"/>
+              </a:ext>
+            </a:extLst>
+          </p:cNvPr>
+          <p:cNvSpPr/>
+          <p:nvPr/>
+        </p:nvSpPr>
+        <p:spPr>
+          <a:xfrm>
+            <a:off x="4980214" y="5058456"/>
+            <a:ext cx="2492829" cy="1099457"/>
+          </a:xfrm>
+          <a:prstGeom prst="rect">
+            <a:avLst/>
+          </a:prstGeom>
+        </p:spPr>
+        <p:style>
+          <a:lnRef idx="2">
+            <a:schemeClr val="accent1">
+              <a:shade val="50000"/>
+            </a:schemeClr>
+          </a:lnRef>
+          <a:fillRef idx="1">
+            <a:schemeClr val="accent1"/>
+          </a:fillRef>
+          <a:effectRef idx="0">
+            <a:schemeClr val="accent1"/>
+          </a:effectRef>
+          <a:fontRef idx="minor">
+            <a:schemeClr val="lt1"/>
+          </a:fontRef>
+        </p:style>
+        <p:txBody>
+          <a:bodyPr rtlCol="0" anchor="ctr"/>
+          <a:lstStyle/>
+          <a:p>
+            <a:pPr algn="ctr"/>
+            <a:r>
+              <a:rPr lang="en-US" sz="2800" dirty="0"/>
+              <a:t>Client</a:t>
+            </a:r>
+          </a:p>
+        </p:txBody>
+      </p:sp>
+      <p:cxnSp>
+        <p:nvCxnSpPr>
+          <p:cNvPr id="12" name="Straight Arrow Connector 11">
+            <a:extLst>
+              <a:ext uri="{FF2B5EF4-FFF2-40B4-BE49-F238E27FC236}">
+                <a16:creationId xmlns:a16="http://schemas.microsoft.com/office/drawing/2014/main" id="{9C1D9C86-23FE-48F8-BF9B-61C893118398}"/>
+              </a:ext>
+            </a:extLst>
+          </p:cNvPr>
+          <p:cNvCxnSpPr>
+            <a:stCxn id="10" idx="0"/>
+            <a:endCxn id="4" idx="2"/>
+          </p:cNvCxnSpPr>
+          <p:nvPr/>
+        </p:nvCxnSpPr>
+        <p:spPr>
+          <a:xfrm flipH="1" flipV="1">
+            <a:off x="5001986" y="3015343"/>
+            <a:ext cx="1224643" cy="2043113"/>
+          </a:xfrm>
+          <a:prstGeom prst="straightConnector1">
+            <a:avLst/>
+          </a:prstGeom>
+          <a:ln>
+            <a:tailEnd type="triangle"/>
+          </a:ln>
+        </p:spPr>
+        <p:style>
+          <a:lnRef idx="1">
+            <a:schemeClr val="accent1"/>
+          </a:lnRef>
+          <a:fillRef idx="0">
+            <a:schemeClr val="accent1"/>
+          </a:fillRef>
+          <a:effectRef idx="0">
+            <a:schemeClr val="accent1"/>
+          </a:effectRef>
+          <a:fontRef idx="minor">
+            <a:schemeClr val="tx1"/>
+          </a:fontRef>
+        </p:style>
+      </p:cxnSp>
+      <p:cxnSp>
+        <p:nvCxnSpPr>
+          <p:cNvPr id="14" name="Straight Arrow Connector 13">
+            <a:extLst>
+              <a:ext uri="{FF2B5EF4-FFF2-40B4-BE49-F238E27FC236}">
+                <a16:creationId xmlns:a16="http://schemas.microsoft.com/office/drawing/2014/main" id="{E87543F1-8437-4FAA-BB1D-5C0DBF18ABDB}"/>
+              </a:ext>
+            </a:extLst>
+          </p:cNvPr>
+          <p:cNvCxnSpPr>
+            <a:stCxn id="9" idx="0"/>
+            <a:endCxn id="4" idx="2"/>
+          </p:cNvCxnSpPr>
+          <p:nvPr/>
+        </p:nvCxnSpPr>
+        <p:spPr>
+          <a:xfrm flipH="1" flipV="1">
+            <a:off x="5001986" y="3015343"/>
+            <a:ext cx="5148943" cy="2198916"/>
+          </a:xfrm>
+          <a:prstGeom prst="straightConnector1">
+            <a:avLst/>
+          </a:prstGeom>
+          <a:ln>
+            <a:tailEnd type="triangle"/>
+          </a:ln>
+        </p:spPr>
+        <p:style>
+          <a:lnRef idx="1">
+            <a:schemeClr val="accent1"/>
+          </a:lnRef>
+          <a:fillRef idx="0">
+            <a:schemeClr val="accent1"/>
+          </a:fillRef>
+          <a:effectRef idx="0">
+            <a:schemeClr val="accent1"/>
+          </a:effectRef>
+          <a:fontRef idx="minor">
+            <a:schemeClr val="tx1"/>
+          </a:fontRef>
+        </p:style>
+      </p:cxnSp>
+      <p:cxnSp>
+        <p:nvCxnSpPr>
+          <p:cNvPr id="16" name="Straight Connector 15">
+            <a:extLst>
+              <a:ext uri="{FF2B5EF4-FFF2-40B4-BE49-F238E27FC236}">
+                <a16:creationId xmlns:a16="http://schemas.microsoft.com/office/drawing/2014/main" id="{F75D0A4D-135F-4BD2-BE60-0AC166CF3B2C}"/>
+              </a:ext>
+            </a:extLst>
+          </p:cNvPr>
+          <p:cNvCxnSpPr/>
+          <p:nvPr/>
+        </p:nvCxnSpPr>
+        <p:spPr>
+          <a:xfrm flipH="1">
+            <a:off x="3755571" y="1617892"/>
+            <a:ext cx="2318657" cy="1738312"/>
+          </a:xfrm>
+          <a:prstGeom prst="line">
+            <a:avLst/>
+          </a:prstGeom>
+          <a:ln>
+            <a:solidFill>
+              <a:srgbClr val="FF0000"/>
+            </a:solidFill>
+          </a:ln>
+        </p:spPr>
+        <p:style>
+          <a:lnRef idx="1">
+            <a:schemeClr val="accent1"/>
+          </a:lnRef>
+          <a:fillRef idx="0">
+            <a:schemeClr val="accent1"/>
+          </a:fillRef>
+          <a:effectRef idx="0">
+            <a:schemeClr val="accent1"/>
+          </a:effectRef>
+          <a:fontRef idx="minor">
+            <a:schemeClr val="tx1"/>
+          </a:fontRef>
+        </p:style>
+      </p:cxnSp>
+      <p:cxnSp>
+        <p:nvCxnSpPr>
+          <p:cNvPr id="17" name="Straight Connector 16">
+            <a:extLst>
+              <a:ext uri="{FF2B5EF4-FFF2-40B4-BE49-F238E27FC236}">
+                <a16:creationId xmlns:a16="http://schemas.microsoft.com/office/drawing/2014/main" id="{A93D5099-1FAC-45FD-8E52-52C1B8E44131}"/>
+              </a:ext>
+            </a:extLst>
+          </p:cNvPr>
+          <p:cNvCxnSpPr>
+            <a:cxnSpLocks/>
+          </p:cNvCxnSpPr>
+          <p:nvPr/>
+        </p:nvCxnSpPr>
+        <p:spPr>
+          <a:xfrm flipH="1" flipV="1">
+            <a:off x="3733801" y="1560060"/>
+            <a:ext cx="2743199" cy="1680481"/>
+          </a:xfrm>
+          <a:prstGeom prst="line">
+            <a:avLst/>
+          </a:prstGeom>
+          <a:ln>
+            <a:solidFill>
+              <a:srgbClr val="FF0000"/>
+            </a:solidFill>
+          </a:ln>
+        </p:spPr>
+        <p:style>
+          <a:lnRef idx="1">
+            <a:schemeClr val="accent1"/>
+          </a:lnRef>
+          <a:fillRef idx="0">
+            <a:schemeClr val="accent1"/>
+          </a:fillRef>
+          <a:effectRef idx="0">
+            <a:schemeClr val="accent1"/>
+          </a:effectRef>
+          <a:fontRef idx="minor">
+            <a:schemeClr val="tx1"/>
+          </a:fontRef>
+        </p:style>
+      </p:cxnSp>
+    </p:spTree>
+    <p:extLst>
+      <p:ext uri="{BB962C8B-B14F-4D97-AF65-F5344CB8AC3E}">
+        <p14:creationId xmlns:p14="http://schemas.microsoft.com/office/powerpoint/2010/main" val="1569528636"/>
+      </p:ext>
+    </p:extLst>
+  </p:cSld>
+  <p:clrMapOvr>
+    <a:masterClrMapping/>
+  </p:clrMapOvr>
+</p:sld>
+</file>
+
+<file path=ppt/slides/slide8.xml><?xml version="1.0" encoding="utf-8"?>
+<p:sld xmlns:a="http://schemas.openxmlformats.org/drawingml/2006/main" xmlns:r="http://schemas.openxmlformats.org/officeDocument/2006/relationships" xmlns:p="http://schemas.openxmlformats.org/presentationml/2006/main">
+  <p:cSld>
+    <p:spTree>
+      <p:nvGrpSpPr>
+        <p:cNvPr id="1" name=""/>
+        <p:cNvGrpSpPr/>
+        <p:nvPr/>
+      </p:nvGrpSpPr>
+      <p:grpSpPr>
+        <a:xfrm>
+          <a:off x="0" y="0"/>
+          <a:ext cx="0" cy="0"/>
+          <a:chOff x="0" y="0"/>
+          <a:chExt cx="0" cy="0"/>
+        </a:xfrm>
+      </p:grpSpPr>
+      <p:sp>
+        <p:nvSpPr>
+          <p:cNvPr id="4" name="Rectangle 3">
+            <a:extLst>
+              <a:ext uri="{FF2B5EF4-FFF2-40B4-BE49-F238E27FC236}">
+                <a16:creationId xmlns:a16="http://schemas.microsoft.com/office/drawing/2014/main" id="{A1E4C185-4622-4C2A-9CCD-AE75F1C49222}"/>
+              </a:ext>
+            </a:extLst>
+          </p:cNvPr>
+          <p:cNvSpPr/>
+          <p:nvPr/>
+        </p:nvSpPr>
+        <p:spPr>
+          <a:xfrm>
+            <a:off x="3755571" y="1915886"/>
+            <a:ext cx="2492829" cy="1099457"/>
+          </a:xfrm>
+          <a:prstGeom prst="rect">
+            <a:avLst/>
+          </a:prstGeom>
+        </p:spPr>
+        <p:style>
+          <a:lnRef idx="2">
+            <a:schemeClr val="accent1">
+              <a:shade val="50000"/>
+            </a:schemeClr>
+          </a:lnRef>
+          <a:fillRef idx="1">
+            <a:schemeClr val="accent1"/>
+          </a:fillRef>
+          <a:effectRef idx="0">
+            <a:schemeClr val="accent1"/>
+          </a:effectRef>
+          <a:fontRef idx="minor">
+            <a:schemeClr val="lt1"/>
+          </a:fontRef>
+        </p:style>
+        <p:txBody>
+          <a:bodyPr rtlCol="0" anchor="ctr"/>
+          <a:lstStyle/>
+          <a:p>
+            <a:pPr algn="ctr"/>
+            <a:r>
+              <a:rPr lang="en-US" sz="2800" dirty="0"/>
+              <a:t>Server</a:t>
+            </a:r>
+          </a:p>
+          <a:p>
+            <a:pPr algn="ctr"/>
+            <a:r>
+              <a:rPr lang="en-US" sz="2800" dirty="0"/>
+              <a:t>(Chennai)</a:t>
+            </a:r>
+          </a:p>
+        </p:txBody>
+      </p:sp>
+      <p:sp>
+        <p:nvSpPr>
+          <p:cNvPr id="5" name="Rectangle 4">
+            <a:extLst>
+              <a:ext uri="{FF2B5EF4-FFF2-40B4-BE49-F238E27FC236}">
+                <a16:creationId xmlns:a16="http://schemas.microsoft.com/office/drawing/2014/main" id="{420D8BD4-3131-45EA-8233-A001E2CD2E45}"/>
+              </a:ext>
+            </a:extLst>
+          </p:cNvPr>
+          <p:cNvSpPr/>
+          <p:nvPr/>
+        </p:nvSpPr>
+        <p:spPr>
+          <a:xfrm>
+            <a:off x="2552703" y="4833258"/>
+            <a:ext cx="1518559" cy="544285"/>
+          </a:xfrm>
+          <a:prstGeom prst="rect">
+            <a:avLst/>
+          </a:prstGeom>
+        </p:spPr>
+        <p:style>
+          <a:lnRef idx="2">
+            <a:schemeClr val="accent1">
+              <a:shade val="50000"/>
+            </a:schemeClr>
+          </a:lnRef>
+          <a:fillRef idx="1">
+            <a:schemeClr val="accent1"/>
+          </a:fillRef>
+          <a:effectRef idx="0">
+            <a:schemeClr val="accent1"/>
+          </a:effectRef>
+          <a:fontRef idx="minor">
+            <a:schemeClr val="lt1"/>
+          </a:fontRef>
+        </p:style>
+        <p:txBody>
+          <a:bodyPr rtlCol="0" anchor="ctr"/>
+          <a:lstStyle/>
+          <a:p>
+            <a:pPr algn="ctr"/>
+            <a:r>
+              <a:rPr lang="en-US" sz="2800" dirty="0"/>
+              <a:t>Client</a:t>
+            </a:r>
+          </a:p>
+        </p:txBody>
+      </p:sp>
+      <p:cxnSp>
+        <p:nvCxnSpPr>
+          <p:cNvPr id="6" name="Straight Arrow Connector 5">
+            <a:extLst>
+              <a:ext uri="{FF2B5EF4-FFF2-40B4-BE49-F238E27FC236}">
+                <a16:creationId xmlns:a16="http://schemas.microsoft.com/office/drawing/2014/main" id="{0CCC5F72-B79C-40B6-98DD-1FA07E9744FE}"/>
+              </a:ext>
+            </a:extLst>
+          </p:cNvPr>
+          <p:cNvCxnSpPr>
+            <a:cxnSpLocks/>
+            <a:stCxn id="5" idx="0"/>
+            <a:endCxn id="4" idx="2"/>
+          </p:cNvCxnSpPr>
+          <p:nvPr/>
+        </p:nvCxnSpPr>
+        <p:spPr>
+          <a:xfrm flipV="1">
+            <a:off x="3311983" y="3015343"/>
+            <a:ext cx="1690003" cy="1817915"/>
+          </a:xfrm>
+          <a:prstGeom prst="straightConnector1">
+            <a:avLst/>
+          </a:prstGeom>
+          <a:ln>
+            <a:tailEnd type="triangle"/>
+          </a:ln>
+        </p:spPr>
+        <p:style>
+          <a:lnRef idx="1">
+            <a:schemeClr val="accent1"/>
+          </a:lnRef>
+          <a:fillRef idx="0">
+            <a:schemeClr val="accent1"/>
+          </a:fillRef>
+          <a:effectRef idx="0">
+            <a:schemeClr val="accent1"/>
+          </a:effectRef>
+          <a:fontRef idx="minor">
+            <a:schemeClr val="tx1"/>
+          </a:fontRef>
+        </p:style>
+      </p:cxnSp>
+      <p:sp>
+        <p:nvSpPr>
+          <p:cNvPr id="7" name="Rectangle 6">
+            <a:extLst>
+              <a:ext uri="{FF2B5EF4-FFF2-40B4-BE49-F238E27FC236}">
+                <a16:creationId xmlns:a16="http://schemas.microsoft.com/office/drawing/2014/main" id="{AFC8C011-4402-4595-8FC2-8E5542E0E068}"/>
+              </a:ext>
+            </a:extLst>
+          </p:cNvPr>
+          <p:cNvSpPr/>
+          <p:nvPr/>
+        </p:nvSpPr>
+        <p:spPr>
+          <a:xfrm>
+            <a:off x="8436429" y="1992087"/>
+            <a:ext cx="2291443" cy="968829"/>
+          </a:xfrm>
+          <a:prstGeom prst="rect">
+            <a:avLst/>
+          </a:prstGeom>
+        </p:spPr>
+        <p:style>
+          <a:lnRef idx="2">
+            <a:schemeClr val="accent1">
+              <a:shade val="50000"/>
+            </a:schemeClr>
+          </a:lnRef>
+          <a:fillRef idx="1">
+            <a:schemeClr val="accent1"/>
+          </a:fillRef>
+          <a:effectRef idx="0">
+            <a:schemeClr val="accent1"/>
+          </a:effectRef>
+          <a:fontRef idx="minor">
+            <a:schemeClr val="lt1"/>
+          </a:fontRef>
+        </p:style>
+        <p:txBody>
+          <a:bodyPr rtlCol="0" anchor="ctr"/>
+          <a:lstStyle/>
+          <a:p>
+            <a:pPr algn="ctr"/>
+            <a:r>
+              <a:rPr lang="en-US" sz="2800" dirty="0"/>
+              <a:t>Server</a:t>
+            </a:r>
+          </a:p>
+          <a:p>
+            <a:pPr algn="ctr"/>
+            <a:r>
+              <a:rPr lang="en-US" sz="2800" dirty="0"/>
+              <a:t>(Mumbai)</a:t>
+            </a:r>
+          </a:p>
+        </p:txBody>
+      </p:sp>
+      <p:sp>
+        <p:nvSpPr>
+          <p:cNvPr id="8" name="Rectangle 7">
+            <a:extLst>
+              <a:ext uri="{FF2B5EF4-FFF2-40B4-BE49-F238E27FC236}">
+                <a16:creationId xmlns:a16="http://schemas.microsoft.com/office/drawing/2014/main" id="{9DF3A580-EC84-49EA-82EA-2879594725ED}"/>
+              </a:ext>
+            </a:extLst>
+          </p:cNvPr>
+          <p:cNvSpPr/>
+          <p:nvPr/>
+        </p:nvSpPr>
+        <p:spPr>
+          <a:xfrm>
+            <a:off x="4697188" y="4833258"/>
+            <a:ext cx="2209800" cy="678314"/>
+          </a:xfrm>
+          <a:prstGeom prst="rect">
+            <a:avLst/>
+          </a:prstGeom>
+        </p:spPr>
+        <p:style>
+          <a:lnRef idx="2">
+            <a:schemeClr val="accent1">
+              <a:shade val="50000"/>
+            </a:schemeClr>
+          </a:lnRef>
+          <a:fillRef idx="1">
+            <a:schemeClr val="accent1"/>
+          </a:fillRef>
+          <a:effectRef idx="0">
+            <a:schemeClr val="accent1"/>
+          </a:effectRef>
+          <a:fontRef idx="minor">
+            <a:schemeClr val="lt1"/>
+          </a:fontRef>
+        </p:style>
+        <p:txBody>
+          <a:bodyPr rtlCol="0" anchor="ctr"/>
+          <a:lstStyle/>
+          <a:p>
+            <a:pPr algn="ctr"/>
+            <a:r>
+              <a:rPr lang="en-US" sz="2800" dirty="0"/>
+              <a:t>Client</a:t>
+            </a:r>
+          </a:p>
+        </p:txBody>
+      </p:sp>
+      <p:cxnSp>
+        <p:nvCxnSpPr>
+          <p:cNvPr id="9" name="Straight Arrow Connector 8">
+            <a:extLst>
+              <a:ext uri="{FF2B5EF4-FFF2-40B4-BE49-F238E27FC236}">
+                <a16:creationId xmlns:a16="http://schemas.microsoft.com/office/drawing/2014/main" id="{6E50048B-C1A5-4E50-B2BF-63217037E13C}"/>
+              </a:ext>
+            </a:extLst>
+          </p:cNvPr>
+          <p:cNvCxnSpPr>
+            <a:cxnSpLocks/>
+            <a:stCxn id="8" idx="0"/>
+            <a:endCxn id="4" idx="2"/>
+          </p:cNvCxnSpPr>
+          <p:nvPr/>
+        </p:nvCxnSpPr>
+        <p:spPr>
+          <a:xfrm flipH="1" flipV="1">
+            <a:off x="5001986" y="3015343"/>
+            <a:ext cx="800102" cy="1817915"/>
+          </a:xfrm>
+          <a:prstGeom prst="straightConnector1">
+            <a:avLst/>
+          </a:prstGeom>
+          <a:ln>
+            <a:tailEnd type="triangle"/>
+          </a:ln>
+        </p:spPr>
+        <p:style>
+          <a:lnRef idx="1">
+            <a:schemeClr val="accent1"/>
+          </a:lnRef>
+          <a:fillRef idx="0">
+            <a:schemeClr val="accent1"/>
+          </a:fillRef>
+          <a:effectRef idx="0">
+            <a:schemeClr val="accent1"/>
+          </a:effectRef>
+          <a:fontRef idx="minor">
+            <a:schemeClr val="tx1"/>
+          </a:fontRef>
+        </p:style>
+      </p:cxnSp>
+      <p:cxnSp>
+        <p:nvCxnSpPr>
+          <p:cNvPr id="12" name="Straight Arrow Connector 11">
+            <a:extLst>
+              <a:ext uri="{FF2B5EF4-FFF2-40B4-BE49-F238E27FC236}">
+                <a16:creationId xmlns:a16="http://schemas.microsoft.com/office/drawing/2014/main" id="{9705C5B9-8269-4337-B520-5A480E47B31C}"/>
+              </a:ext>
+            </a:extLst>
+          </p:cNvPr>
+          <p:cNvCxnSpPr>
+            <a:cxnSpLocks/>
+          </p:cNvCxnSpPr>
+          <p:nvPr/>
+        </p:nvCxnSpPr>
+        <p:spPr>
+          <a:xfrm flipV="1">
+            <a:off x="8251371" y="3015344"/>
+            <a:ext cx="1469572" cy="1988685"/>
+          </a:xfrm>
+          <a:prstGeom prst="straightConnector1">
+            <a:avLst/>
+          </a:prstGeom>
+          <a:ln>
+            <a:tailEnd type="triangle"/>
+          </a:ln>
+        </p:spPr>
+        <p:style>
+          <a:lnRef idx="1">
+            <a:schemeClr val="accent1"/>
+          </a:lnRef>
+          <a:fillRef idx="0">
+            <a:schemeClr val="accent1"/>
+          </a:fillRef>
+          <a:effectRef idx="0">
+            <a:schemeClr val="accent1"/>
+          </a:effectRef>
+          <a:fontRef idx="minor">
+            <a:schemeClr val="tx1"/>
+          </a:fontRef>
+        </p:style>
+      </p:cxnSp>
+      <p:sp>
+        <p:nvSpPr>
+          <p:cNvPr id="13" name="Rectangle 12">
+            <a:extLst>
+              <a:ext uri="{FF2B5EF4-FFF2-40B4-BE49-F238E27FC236}">
+                <a16:creationId xmlns:a16="http://schemas.microsoft.com/office/drawing/2014/main" id="{98B7DDE0-91AA-47A9-B18C-FB63C2A2544E}"/>
+              </a:ext>
+            </a:extLst>
+          </p:cNvPr>
+          <p:cNvSpPr/>
+          <p:nvPr/>
+        </p:nvSpPr>
+        <p:spPr>
+          <a:xfrm>
+            <a:off x="7473044" y="5004029"/>
+            <a:ext cx="1621974" cy="710971"/>
+          </a:xfrm>
+          <a:prstGeom prst="rect">
+            <a:avLst/>
+          </a:prstGeom>
+        </p:spPr>
+        <p:style>
+          <a:lnRef idx="2">
+            <a:schemeClr val="accent1">
+              <a:shade val="50000"/>
+            </a:schemeClr>
+          </a:lnRef>
+          <a:fillRef idx="1">
+            <a:schemeClr val="accent1"/>
+          </a:fillRef>
+          <a:effectRef idx="0">
+            <a:schemeClr val="accent1"/>
+          </a:effectRef>
+          <a:fontRef idx="minor">
+            <a:schemeClr val="lt1"/>
+          </a:fontRef>
+        </p:style>
+        <p:txBody>
+          <a:bodyPr rtlCol="0" anchor="ctr"/>
+          <a:lstStyle/>
+          <a:p>
+            <a:pPr algn="ctr"/>
+            <a:r>
+              <a:rPr lang="en-US" sz="2800" dirty="0"/>
+              <a:t>Client</a:t>
+            </a:r>
+          </a:p>
+        </p:txBody>
+      </p:sp>
+      <p:sp>
+        <p:nvSpPr>
+          <p:cNvPr id="14" name="Rectangle 13">
+            <a:extLst>
+              <a:ext uri="{FF2B5EF4-FFF2-40B4-BE49-F238E27FC236}">
+                <a16:creationId xmlns:a16="http://schemas.microsoft.com/office/drawing/2014/main" id="{C91B2BF0-A9B1-49C9-88E5-9AB3623B09A7}"/>
+              </a:ext>
+            </a:extLst>
+          </p:cNvPr>
+          <p:cNvSpPr/>
+          <p:nvPr/>
+        </p:nvSpPr>
+        <p:spPr>
+          <a:xfrm>
+            <a:off x="9699172" y="5058457"/>
+            <a:ext cx="2057400" cy="710972"/>
+          </a:xfrm>
+          <a:prstGeom prst="rect">
+            <a:avLst/>
+          </a:prstGeom>
+        </p:spPr>
+        <p:style>
+          <a:lnRef idx="2">
+            <a:schemeClr val="accent1">
+              <a:shade val="50000"/>
+            </a:schemeClr>
+          </a:lnRef>
+          <a:fillRef idx="1">
+            <a:schemeClr val="accent1"/>
+          </a:fillRef>
+          <a:effectRef idx="0">
+            <a:schemeClr val="accent1"/>
+          </a:effectRef>
+          <a:fontRef idx="minor">
+            <a:schemeClr val="lt1"/>
+          </a:fontRef>
+        </p:style>
+        <p:txBody>
+          <a:bodyPr rtlCol="0" anchor="ctr"/>
+          <a:lstStyle/>
+          <a:p>
+            <a:pPr algn="ctr"/>
+            <a:r>
+              <a:rPr lang="en-US" sz="2800" dirty="0"/>
+              <a:t>Client</a:t>
+            </a:r>
+          </a:p>
+        </p:txBody>
+      </p:sp>
+      <p:cxnSp>
+        <p:nvCxnSpPr>
+          <p:cNvPr id="15" name="Straight Arrow Connector 14">
+            <a:extLst>
+              <a:ext uri="{FF2B5EF4-FFF2-40B4-BE49-F238E27FC236}">
+                <a16:creationId xmlns:a16="http://schemas.microsoft.com/office/drawing/2014/main" id="{34834258-9616-4971-B3CE-F35B5665A687}"/>
+              </a:ext>
+            </a:extLst>
+          </p:cNvPr>
+          <p:cNvCxnSpPr>
+            <a:cxnSpLocks/>
+            <a:stCxn id="14" idx="0"/>
+          </p:cNvCxnSpPr>
+          <p:nvPr/>
+        </p:nvCxnSpPr>
+        <p:spPr>
+          <a:xfrm flipH="1" flipV="1">
+            <a:off x="9720944" y="3015345"/>
+            <a:ext cx="1006928" cy="2043112"/>
+          </a:xfrm>
+          <a:prstGeom prst="straightConnector1">
+            <a:avLst/>
+          </a:prstGeom>
+          <a:ln>
+            <a:tailEnd type="triangle"/>
+          </a:ln>
+        </p:spPr>
+        <p:style>
+          <a:lnRef idx="1">
+            <a:schemeClr val="accent1"/>
+          </a:lnRef>
+          <a:fillRef idx="0">
+            <a:schemeClr val="accent1"/>
+          </a:fillRef>
+          <a:effectRef idx="0">
+            <a:schemeClr val="accent1"/>
+          </a:effectRef>
+          <a:fontRef idx="minor">
+            <a:schemeClr val="tx1"/>
+          </a:fontRef>
+        </p:style>
+      </p:cxnSp>
+      <p:sp>
+        <p:nvSpPr>
+          <p:cNvPr id="19" name="Rectangle 18">
+            <a:extLst>
+              <a:ext uri="{FF2B5EF4-FFF2-40B4-BE49-F238E27FC236}">
+                <a16:creationId xmlns:a16="http://schemas.microsoft.com/office/drawing/2014/main" id="{FB00641F-C868-4720-8512-92302A45F1E3}"/>
+              </a:ext>
+            </a:extLst>
+          </p:cNvPr>
+          <p:cNvSpPr/>
+          <p:nvPr/>
+        </p:nvSpPr>
+        <p:spPr>
+          <a:xfrm>
+            <a:off x="6553201" y="174172"/>
+            <a:ext cx="2291443" cy="968829"/>
+          </a:xfrm>
+          <a:prstGeom prst="rect">
+            <a:avLst/>
+          </a:prstGeom>
+        </p:spPr>
+        <p:style>
+          <a:lnRef idx="2">
+            <a:schemeClr val="accent1">
+              <a:shade val="50000"/>
+            </a:schemeClr>
+          </a:lnRef>
+          <a:fillRef idx="1">
+            <a:schemeClr val="accent1"/>
+          </a:fillRef>
+          <a:effectRef idx="0">
+            <a:schemeClr val="accent1"/>
+          </a:effectRef>
+          <a:fontRef idx="minor">
+            <a:schemeClr val="lt1"/>
+          </a:fontRef>
+        </p:style>
+        <p:txBody>
+          <a:bodyPr rtlCol="0" anchor="ctr"/>
+          <a:lstStyle/>
+          <a:p>
+            <a:pPr algn="ctr"/>
+            <a:r>
+              <a:rPr lang="en-US" sz="2800" dirty="0"/>
+              <a:t>Server</a:t>
+            </a:r>
+          </a:p>
+          <a:p>
+            <a:pPr algn="ctr"/>
+            <a:r>
+              <a:rPr lang="en-US" sz="2800" dirty="0"/>
+              <a:t>(Pune)</a:t>
+            </a:r>
+          </a:p>
+        </p:txBody>
+      </p:sp>
+      <p:cxnSp>
+        <p:nvCxnSpPr>
+          <p:cNvPr id="21" name="Straight Arrow Connector 20">
+            <a:extLst>
+              <a:ext uri="{FF2B5EF4-FFF2-40B4-BE49-F238E27FC236}">
+                <a16:creationId xmlns:a16="http://schemas.microsoft.com/office/drawing/2014/main" id="{6DE0AB6F-2CA8-44C6-AECC-CB4B07431BFF}"/>
+              </a:ext>
+            </a:extLst>
+          </p:cNvPr>
+          <p:cNvCxnSpPr>
+            <a:stCxn id="4" idx="3"/>
+            <a:endCxn id="7" idx="1"/>
+          </p:cNvCxnSpPr>
+          <p:nvPr/>
+        </p:nvCxnSpPr>
+        <p:spPr>
+          <a:xfrm>
+            <a:off x="6248400" y="2465615"/>
+            <a:ext cx="2188029" cy="10887"/>
+          </a:xfrm>
+          <a:prstGeom prst="straightConnector1">
+            <a:avLst/>
+          </a:prstGeom>
+          <a:ln>
+            <a:tailEnd type="triangle"/>
+          </a:ln>
+        </p:spPr>
+        <p:style>
+          <a:lnRef idx="1">
+            <a:schemeClr val="accent1"/>
+          </a:lnRef>
+          <a:fillRef idx="0">
+            <a:schemeClr val="accent1"/>
+          </a:fillRef>
+          <a:effectRef idx="0">
+            <a:schemeClr val="accent1"/>
+          </a:effectRef>
+          <a:fontRef idx="minor">
+            <a:schemeClr val="tx1"/>
+          </a:fontRef>
+        </p:style>
+      </p:cxnSp>
+      <p:cxnSp>
+        <p:nvCxnSpPr>
+          <p:cNvPr id="23" name="Straight Arrow Connector 22">
+            <a:extLst>
+              <a:ext uri="{FF2B5EF4-FFF2-40B4-BE49-F238E27FC236}">
+                <a16:creationId xmlns:a16="http://schemas.microsoft.com/office/drawing/2014/main" id="{7A4E2DEB-D0AE-4400-A62C-5A7B731FA509}"/>
+              </a:ext>
+            </a:extLst>
+          </p:cNvPr>
+          <p:cNvCxnSpPr>
+            <a:stCxn id="7" idx="0"/>
+            <a:endCxn id="19" idx="2"/>
+          </p:cNvCxnSpPr>
+          <p:nvPr/>
+        </p:nvCxnSpPr>
+        <p:spPr>
+          <a:xfrm flipH="1" flipV="1">
+            <a:off x="7698923" y="1143001"/>
+            <a:ext cx="1883228" cy="849086"/>
+          </a:xfrm>
+          <a:prstGeom prst="straightConnector1">
+            <a:avLst/>
+          </a:prstGeom>
+          <a:ln>
+            <a:tailEnd type="triangle"/>
+          </a:ln>
+        </p:spPr>
+        <p:style>
+          <a:lnRef idx="1">
+            <a:schemeClr val="accent1"/>
+          </a:lnRef>
+          <a:fillRef idx="0">
+            <a:schemeClr val="accent1"/>
+          </a:fillRef>
+          <a:effectRef idx="0">
+            <a:schemeClr val="accent1"/>
+          </a:effectRef>
+          <a:fontRef idx="minor">
+            <a:schemeClr val="tx1"/>
+          </a:fontRef>
+        </p:style>
+      </p:cxnSp>
+      <p:cxnSp>
+        <p:nvCxnSpPr>
+          <p:cNvPr id="25" name="Straight Arrow Connector 24">
+            <a:extLst>
+              <a:ext uri="{FF2B5EF4-FFF2-40B4-BE49-F238E27FC236}">
+                <a16:creationId xmlns:a16="http://schemas.microsoft.com/office/drawing/2014/main" id="{CCAB7B87-D2D2-4346-8E07-CBF10A2D8A60}"/>
+              </a:ext>
+            </a:extLst>
+          </p:cNvPr>
+          <p:cNvCxnSpPr>
+            <a:stCxn id="4" idx="3"/>
+            <a:endCxn id="19" idx="2"/>
+          </p:cNvCxnSpPr>
+          <p:nvPr/>
+        </p:nvCxnSpPr>
+        <p:spPr>
+          <a:xfrm flipV="1">
+            <a:off x="6248400" y="1143001"/>
+            <a:ext cx="1450523" cy="1322614"/>
+          </a:xfrm>
+          <a:prstGeom prst="straightConnector1">
+            <a:avLst/>
+          </a:prstGeom>
+          <a:ln>
+            <a:tailEnd type="triangle"/>
+          </a:ln>
+        </p:spPr>
+        <p:style>
+          <a:lnRef idx="1">
+            <a:schemeClr val="accent1"/>
+          </a:lnRef>
+          <a:fillRef idx="0">
+            <a:schemeClr val="accent1"/>
+          </a:fillRef>
+          <a:effectRef idx="0">
+            <a:schemeClr val="accent1"/>
+          </a:effectRef>
+          <a:fontRef idx="minor">
+            <a:schemeClr val="tx1"/>
+          </a:fontRef>
+        </p:style>
+      </p:cxnSp>
+      <p:sp>
+        <p:nvSpPr>
+          <p:cNvPr id="29" name="TextBox 28">
+            <a:extLst>
+              <a:ext uri="{FF2B5EF4-FFF2-40B4-BE49-F238E27FC236}">
+                <a16:creationId xmlns:a16="http://schemas.microsoft.com/office/drawing/2014/main" id="{9C064E59-7CB8-4E58-8B5A-1450DBFCD81A}"/>
+              </a:ext>
+            </a:extLst>
+          </p:cNvPr>
+          <p:cNvSpPr txBox="1"/>
+          <p:nvPr/>
+        </p:nvSpPr>
+        <p:spPr>
+          <a:xfrm>
+            <a:off x="585163" y="745319"/>
+            <a:ext cx="3780009" cy="523220"/>
+          </a:xfrm>
+          <a:prstGeom prst="rect">
+            <a:avLst/>
+          </a:prstGeom>
+          <a:noFill/>
+        </p:spPr>
+        <p:txBody>
+          <a:bodyPr wrap="none" rtlCol="0">
+            <a:spAutoFit/>
+          </a:bodyPr>
+          <a:lstStyle/>
+          <a:p>
+            <a:r>
+              <a:rPr lang="en-US" sz="2800" b="1" dirty="0"/>
+              <a:t>Distributed Architecture</a:t>
+            </a:r>
+          </a:p>
+        </p:txBody>
+      </p:sp>
+    </p:spTree>
+    <p:extLst>
+      <p:ext uri="{BB962C8B-B14F-4D97-AF65-F5344CB8AC3E}">
+        <p14:creationId xmlns:p14="http://schemas.microsoft.com/office/powerpoint/2010/main" val="199983052"/>
+      </p:ext>
+    </p:extLst>
+  </p:cSld>
+  <p:clrMapOvr>
+    <a:masterClrMapping/>
+  </p:clrMapOvr>
+</p:sld>
+</file>
+
+<file path=ppt/slides/slide9.xml><?xml version="1.0" encoding="utf-8"?>
+<p:sld xmlns:a="http://schemas.openxmlformats.org/drawingml/2006/main" xmlns:r="http://schemas.openxmlformats.org/officeDocument/2006/relationships" xmlns:p="http://schemas.openxmlformats.org/presentationml/2006/main">
+  <p:cSld>
+    <p:spTree>
+      <p:nvGrpSpPr>
+        <p:cNvPr id="1" name=""/>
+        <p:cNvGrpSpPr/>
+        <p:nvPr/>
+      </p:nvGrpSpPr>
+      <p:grpSpPr>
+        <a:xfrm>
+          <a:off x="0" y="0"/>
+          <a:ext cx="0" cy="0"/>
+          <a:chOff x="0" y="0"/>
+          <a:chExt cx="0" cy="0"/>
+        </a:xfrm>
+      </p:grpSpPr>
+      <p:sp>
+        <p:nvSpPr>
+          <p:cNvPr id="2" name="Title 1">
+            <a:extLst>
+              <a:ext uri="{FF2B5EF4-FFF2-40B4-BE49-F238E27FC236}">
+                <a16:creationId xmlns:a16="http://schemas.microsoft.com/office/drawing/2014/main" id="{ABD9CAFA-AB98-472C-8CC6-CAF097CA574A}"/>
+              </a:ext>
+            </a:extLst>
+          </p:cNvPr>
+          <p:cNvSpPr>
+            <a:spLocks noGrp="1"/>
+          </p:cNvSpPr>
+          <p:nvPr>
+            <p:ph type="title"/>
+          </p:nvPr>
+        </p:nvSpPr>
+        <p:spPr/>
+        <p:txBody>
+          <a:bodyPr/>
+          <a:lstStyle/>
+          <a:p>
+            <a:r>
+              <a:rPr lang="en-US" dirty="0"/>
+              <a:t>GIT Repository - </a:t>
+            </a:r>
+            <a:r>
+              <a:rPr lang="en-US" dirty="0" err="1"/>
+              <a:t>WorkFlow</a:t>
+            </a:r>
+            <a:endParaRPr lang="en-US" dirty="0"/>
+          </a:p>
+        </p:txBody>
+      </p:sp>
+      <p:sp>
+        <p:nvSpPr>
+          <p:cNvPr id="4" name="Rectangle 3">
+            <a:extLst>
+              <a:ext uri="{FF2B5EF4-FFF2-40B4-BE49-F238E27FC236}">
+                <a16:creationId xmlns:a16="http://schemas.microsoft.com/office/drawing/2014/main" id="{655D0D45-1131-484A-B2A3-EE3F2A0371BD}"/>
+              </a:ext>
+            </a:extLst>
+          </p:cNvPr>
+          <p:cNvSpPr/>
+          <p:nvPr/>
+        </p:nvSpPr>
+        <p:spPr>
+          <a:xfrm>
+            <a:off x="7434943" y="2122714"/>
+            <a:ext cx="2177143" cy="838200"/>
+          </a:xfrm>
+          <a:prstGeom prst="rect">
+            <a:avLst/>
+          </a:prstGeom>
+        </p:spPr>
+        <p:style>
+          <a:lnRef idx="2">
+            <a:schemeClr val="accent1">
+              <a:shade val="50000"/>
+            </a:schemeClr>
+          </a:lnRef>
+          <a:fillRef idx="1">
+            <a:schemeClr val="accent1"/>
+          </a:fillRef>
+          <a:effectRef idx="0">
+            <a:schemeClr val="accent1"/>
+          </a:effectRef>
+          <a:fontRef idx="minor">
+            <a:schemeClr val="lt1"/>
+          </a:fontRef>
+        </p:style>
+        <p:txBody>
+          <a:bodyPr rtlCol="0" anchor="ctr"/>
+          <a:lstStyle/>
+          <a:p>
+            <a:pPr algn="ctr"/>
+            <a:r>
+              <a:rPr lang="en-US" dirty="0"/>
+              <a:t>Remote</a:t>
+            </a:r>
+          </a:p>
+          <a:p>
+            <a:pPr algn="ctr"/>
+            <a:r>
+              <a:rPr lang="en-US" dirty="0"/>
+              <a:t>Repository</a:t>
+            </a:r>
+          </a:p>
+        </p:txBody>
+      </p:sp>
+      <p:sp>
+        <p:nvSpPr>
+          <p:cNvPr id="5" name="Rectangle 4">
+            <a:extLst>
+              <a:ext uri="{FF2B5EF4-FFF2-40B4-BE49-F238E27FC236}">
+                <a16:creationId xmlns:a16="http://schemas.microsoft.com/office/drawing/2014/main" id="{C90CB171-FC1C-487D-B6D4-E388CCB1C6FA}"/>
+              </a:ext>
+            </a:extLst>
+          </p:cNvPr>
+          <p:cNvSpPr/>
+          <p:nvPr/>
+        </p:nvSpPr>
+        <p:spPr>
+          <a:xfrm>
+            <a:off x="1197429" y="4201886"/>
+            <a:ext cx="4452257" cy="2290989"/>
+          </a:xfrm>
+          <a:prstGeom prst="rect">
+            <a:avLst/>
+          </a:prstGeom>
+        </p:spPr>
+        <p:style>
+          <a:lnRef idx="2">
+            <a:schemeClr val="accent1">
+              <a:shade val="50000"/>
+            </a:schemeClr>
+          </a:lnRef>
+          <a:fillRef idx="1">
+            <a:schemeClr val="accent1"/>
+          </a:fillRef>
+          <a:effectRef idx="0">
+            <a:schemeClr val="accent1"/>
+          </a:effectRef>
+          <a:fontRef idx="minor">
+            <a:schemeClr val="lt1"/>
+          </a:fontRef>
+        </p:style>
+        <p:txBody>
+          <a:bodyPr rtlCol="0" anchor="ctr"/>
+          <a:lstStyle/>
+          <a:p>
+            <a:pPr algn="ctr"/>
+            <a:endParaRPr lang="en-US" dirty="0"/>
+          </a:p>
+          <a:p>
+            <a:pPr algn="ctr"/>
+            <a:endParaRPr lang="en-US" dirty="0"/>
+          </a:p>
+          <a:p>
+            <a:pPr algn="ctr"/>
+            <a:endParaRPr lang="en-US" dirty="0"/>
+          </a:p>
+          <a:p>
+            <a:pPr algn="ctr"/>
+            <a:endParaRPr lang="en-US" dirty="0"/>
+          </a:p>
+          <a:p>
+            <a:pPr algn="ctr"/>
+            <a:endParaRPr lang="en-US" dirty="0"/>
+          </a:p>
+          <a:p>
+            <a:pPr algn="ctr"/>
+            <a:r>
+              <a:rPr lang="en-US" dirty="0" err="1"/>
+              <a:t>LocalMachine</a:t>
+            </a:r>
+            <a:endParaRPr lang="en-US" dirty="0"/>
+          </a:p>
+        </p:txBody>
+      </p:sp>
+      <p:sp>
+        <p:nvSpPr>
+          <p:cNvPr id="6" name="Rectangle 5">
+            <a:extLst>
+              <a:ext uri="{FF2B5EF4-FFF2-40B4-BE49-F238E27FC236}">
+                <a16:creationId xmlns:a16="http://schemas.microsoft.com/office/drawing/2014/main" id="{D1D64B54-C57E-4BE2-BC58-ED5E502C4FFC}"/>
+              </a:ext>
+            </a:extLst>
+          </p:cNvPr>
+          <p:cNvSpPr/>
+          <p:nvPr/>
+        </p:nvSpPr>
+        <p:spPr>
+          <a:xfrm>
+            <a:off x="1621971" y="5167312"/>
+            <a:ext cx="1730829" cy="591231"/>
+          </a:xfrm>
+          <a:prstGeom prst="rect">
+            <a:avLst/>
+          </a:prstGeom>
+          <a:solidFill>
+            <a:schemeClr val="accent2"/>
+          </a:solidFill>
+        </p:spPr>
+        <p:style>
+          <a:lnRef idx="2">
+            <a:schemeClr val="accent1">
+              <a:shade val="50000"/>
+            </a:schemeClr>
+          </a:lnRef>
+          <a:fillRef idx="1">
+            <a:schemeClr val="accent1"/>
+          </a:fillRef>
+          <a:effectRef idx="0">
+            <a:schemeClr val="accent1"/>
+          </a:effectRef>
+          <a:fontRef idx="minor">
+            <a:schemeClr val="lt1"/>
+          </a:fontRef>
+        </p:style>
+        <p:txBody>
+          <a:bodyPr rtlCol="0" anchor="ctr"/>
+          <a:lstStyle/>
+          <a:p>
+            <a:pPr algn="ctr"/>
+            <a:r>
+              <a:rPr lang="en-US" dirty="0"/>
+              <a:t>workspace</a:t>
+            </a:r>
+          </a:p>
+        </p:txBody>
+      </p:sp>
+      <p:sp>
+        <p:nvSpPr>
+          <p:cNvPr id="7" name="Rectangle 6">
+            <a:extLst>
+              <a:ext uri="{FF2B5EF4-FFF2-40B4-BE49-F238E27FC236}">
+                <a16:creationId xmlns:a16="http://schemas.microsoft.com/office/drawing/2014/main" id="{3018B520-CABE-4766-9EE1-013D7B9EB687}"/>
+              </a:ext>
+            </a:extLst>
+          </p:cNvPr>
+          <p:cNvSpPr/>
+          <p:nvPr/>
+        </p:nvSpPr>
+        <p:spPr>
+          <a:xfrm>
+            <a:off x="3777342" y="4432980"/>
+            <a:ext cx="1719944" cy="563563"/>
+          </a:xfrm>
+          <a:prstGeom prst="rect">
+            <a:avLst/>
+          </a:prstGeom>
+          <a:solidFill>
+            <a:schemeClr val="accent2"/>
+          </a:solidFill>
+        </p:spPr>
+        <p:style>
+          <a:lnRef idx="2">
+            <a:schemeClr val="accent1">
+              <a:shade val="50000"/>
+            </a:schemeClr>
+          </a:lnRef>
+          <a:fillRef idx="1">
+            <a:schemeClr val="accent1"/>
+          </a:fillRef>
+          <a:effectRef idx="0">
+            <a:schemeClr val="accent1"/>
+          </a:effectRef>
+          <a:fontRef idx="minor">
+            <a:schemeClr val="lt1"/>
+          </a:fontRef>
+        </p:style>
+        <p:txBody>
+          <a:bodyPr rtlCol="0" anchor="ctr"/>
+          <a:lstStyle/>
+          <a:p>
+            <a:pPr algn="ctr"/>
+            <a:r>
+              <a:rPr lang="en-US" dirty="0"/>
+              <a:t>Local repository</a:t>
+            </a:r>
+          </a:p>
+        </p:txBody>
+      </p:sp>
+      <p:cxnSp>
+        <p:nvCxnSpPr>
+          <p:cNvPr id="9" name="Straight Arrow Connector 8">
+            <a:extLst>
+              <a:ext uri="{FF2B5EF4-FFF2-40B4-BE49-F238E27FC236}">
+                <a16:creationId xmlns:a16="http://schemas.microsoft.com/office/drawing/2014/main" id="{8E695B82-97AE-425E-AC33-83E17D46A6E0}"/>
+              </a:ext>
+            </a:extLst>
+          </p:cNvPr>
+          <p:cNvCxnSpPr>
+            <a:stCxn id="6" idx="0"/>
+          </p:cNvCxnSpPr>
+          <p:nvPr/>
+        </p:nvCxnSpPr>
+        <p:spPr>
+          <a:xfrm flipV="1">
+            <a:off x="2487386" y="4713514"/>
+            <a:ext cx="1289956" cy="453798"/>
+          </a:xfrm>
+          <a:prstGeom prst="straightConnector1">
+            <a:avLst/>
+          </a:prstGeom>
+          <a:ln>
+            <a:solidFill>
+              <a:srgbClr val="FF0000"/>
+            </a:solidFill>
+            <a:tailEnd type="triangle"/>
+          </a:ln>
+        </p:spPr>
+        <p:style>
+          <a:lnRef idx="1">
+            <a:schemeClr val="accent1"/>
+          </a:lnRef>
+          <a:fillRef idx="0">
+            <a:schemeClr val="accent1"/>
+          </a:fillRef>
+          <a:effectRef idx="0">
+            <a:schemeClr val="accent1"/>
+          </a:effectRef>
+          <a:fontRef idx="minor">
+            <a:schemeClr val="tx1"/>
+          </a:fontRef>
+        </p:style>
+      </p:cxnSp>
+      <p:sp>
+        <p:nvSpPr>
+          <p:cNvPr id="10" name="TextBox 9">
+            <a:extLst>
+              <a:ext uri="{FF2B5EF4-FFF2-40B4-BE49-F238E27FC236}">
+                <a16:creationId xmlns:a16="http://schemas.microsoft.com/office/drawing/2014/main" id="{FD9C7BF6-2E41-4224-A07D-4FBDDDA24A18}"/>
+              </a:ext>
+            </a:extLst>
+          </p:cNvPr>
+          <p:cNvSpPr txBox="1"/>
+          <p:nvPr/>
+        </p:nvSpPr>
+        <p:spPr>
+          <a:xfrm rot="20400915">
+            <a:off x="2671257" y="4601020"/>
+            <a:ext cx="900888" cy="369332"/>
+          </a:xfrm>
+          <a:prstGeom prst="rect">
+            <a:avLst/>
+          </a:prstGeom>
+          <a:noFill/>
+        </p:spPr>
+        <p:txBody>
+          <a:bodyPr wrap="none" rtlCol="0">
+            <a:spAutoFit/>
+          </a:bodyPr>
+          <a:lstStyle/>
+          <a:p>
+            <a:r>
+              <a:rPr lang="en-US" dirty="0"/>
+              <a:t>commit</a:t>
+            </a:r>
+          </a:p>
+        </p:txBody>
+      </p:sp>
+      <p:cxnSp>
+        <p:nvCxnSpPr>
+          <p:cNvPr id="12" name="Straight Arrow Connector 11">
+            <a:extLst>
+              <a:ext uri="{FF2B5EF4-FFF2-40B4-BE49-F238E27FC236}">
+                <a16:creationId xmlns:a16="http://schemas.microsoft.com/office/drawing/2014/main" id="{A1B5171C-0F72-4F18-A726-9056C695C7BB}"/>
+              </a:ext>
+            </a:extLst>
+          </p:cNvPr>
+          <p:cNvCxnSpPr>
+            <a:stCxn id="7" idx="0"/>
+          </p:cNvCxnSpPr>
+          <p:nvPr/>
+        </p:nvCxnSpPr>
+        <p:spPr>
+          <a:xfrm flipV="1">
+            <a:off x="4637314" y="2449286"/>
+            <a:ext cx="2960915" cy="1983694"/>
+          </a:xfrm>
+          <a:prstGeom prst="straightConnector1">
+            <a:avLst/>
+          </a:prstGeom>
+          <a:ln>
+            <a:solidFill>
+              <a:srgbClr val="FF0000"/>
+            </a:solidFill>
+            <a:tailEnd type="triangle"/>
+          </a:ln>
+        </p:spPr>
+        <p:style>
+          <a:lnRef idx="1">
+            <a:schemeClr val="accent1"/>
+          </a:lnRef>
+          <a:fillRef idx="0">
+            <a:schemeClr val="accent1"/>
+          </a:fillRef>
+          <a:effectRef idx="0">
+            <a:schemeClr val="accent1"/>
+          </a:effectRef>
+          <a:fontRef idx="minor">
+            <a:schemeClr val="tx1"/>
+          </a:fontRef>
+        </p:style>
+      </p:cxnSp>
+      <p:sp>
+        <p:nvSpPr>
+          <p:cNvPr id="13" name="TextBox 12">
+            <a:extLst>
+              <a:ext uri="{FF2B5EF4-FFF2-40B4-BE49-F238E27FC236}">
+                <a16:creationId xmlns:a16="http://schemas.microsoft.com/office/drawing/2014/main" id="{46CD9E67-833B-4594-9E05-D2ECDEB7AE6E}"/>
+              </a:ext>
+            </a:extLst>
+          </p:cNvPr>
+          <p:cNvSpPr txBox="1"/>
+          <p:nvPr/>
+        </p:nvSpPr>
+        <p:spPr>
+          <a:xfrm rot="19757092">
+            <a:off x="5946205" y="2921694"/>
+            <a:ext cx="639919" cy="369332"/>
+          </a:xfrm>
+          <a:prstGeom prst="rect">
+            <a:avLst/>
+          </a:prstGeom>
+          <a:noFill/>
+        </p:spPr>
+        <p:txBody>
+          <a:bodyPr wrap="none" rtlCol="0">
+            <a:spAutoFit/>
+          </a:bodyPr>
+          <a:lstStyle/>
+          <a:p>
+            <a:r>
+              <a:rPr lang="en-US" dirty="0"/>
+              <a:t>push</a:t>
+            </a:r>
+          </a:p>
+        </p:txBody>
+      </p:sp>
+      <p:cxnSp>
+        <p:nvCxnSpPr>
+          <p:cNvPr id="8" name="Straight Arrow Connector 7">
+            <a:extLst>
+              <a:ext uri="{FF2B5EF4-FFF2-40B4-BE49-F238E27FC236}">
+                <a16:creationId xmlns:a16="http://schemas.microsoft.com/office/drawing/2014/main" id="{EC0616A2-B84E-4F21-9755-8D7278A28CDA}"/>
+              </a:ext>
+            </a:extLst>
+          </p:cNvPr>
+          <p:cNvCxnSpPr>
+            <a:stCxn id="4" idx="2"/>
+          </p:cNvCxnSpPr>
+          <p:nvPr/>
+        </p:nvCxnSpPr>
+        <p:spPr>
+          <a:xfrm flipH="1">
+            <a:off x="5383658" y="2960914"/>
+            <a:ext cx="3139857" cy="1867940"/>
+          </a:xfrm>
+          <a:prstGeom prst="straightConnector1">
+            <a:avLst/>
+          </a:prstGeom>
+          <a:ln>
+            <a:solidFill>
+              <a:srgbClr val="FF0000"/>
+            </a:solidFill>
+            <a:tailEnd type="triangle"/>
+          </a:ln>
+        </p:spPr>
+        <p:style>
+          <a:lnRef idx="1">
+            <a:schemeClr val="accent1"/>
+          </a:lnRef>
+          <a:fillRef idx="0">
+            <a:schemeClr val="accent1"/>
+          </a:fillRef>
+          <a:effectRef idx="0">
+            <a:schemeClr val="accent1"/>
+          </a:effectRef>
+          <a:fontRef idx="minor">
+            <a:schemeClr val="tx1"/>
+          </a:fontRef>
+        </p:style>
+      </p:cxnSp>
+      <p:sp>
+        <p:nvSpPr>
+          <p:cNvPr id="11" name="TextBox 10">
+            <a:extLst>
+              <a:ext uri="{FF2B5EF4-FFF2-40B4-BE49-F238E27FC236}">
+                <a16:creationId xmlns:a16="http://schemas.microsoft.com/office/drawing/2014/main" id="{7ECB9CD1-1037-4CB1-835D-A0111811520F}"/>
+              </a:ext>
+            </a:extLst>
+          </p:cNvPr>
+          <p:cNvSpPr txBox="1"/>
+          <p:nvPr/>
+        </p:nvSpPr>
+        <p:spPr>
+          <a:xfrm rot="20609229">
+            <a:off x="6721024" y="3968932"/>
+            <a:ext cx="720069" cy="369332"/>
+          </a:xfrm>
+          <a:prstGeom prst="rect">
+            <a:avLst/>
+          </a:prstGeom>
+          <a:noFill/>
+        </p:spPr>
+        <p:txBody>
+          <a:bodyPr wrap="none" rtlCol="0">
+            <a:spAutoFit/>
+          </a:bodyPr>
+          <a:lstStyle/>
+          <a:p>
+            <a:r>
+              <a:rPr lang="en-US" dirty="0"/>
+              <a:t>Clone</a:t>
+            </a:r>
+          </a:p>
+        </p:txBody>
+      </p:sp>
+      <p:cxnSp>
+        <p:nvCxnSpPr>
+          <p:cNvPr id="15" name="Straight Arrow Connector 14">
+            <a:extLst>
+              <a:ext uri="{FF2B5EF4-FFF2-40B4-BE49-F238E27FC236}">
+                <a16:creationId xmlns:a16="http://schemas.microsoft.com/office/drawing/2014/main" id="{4CC5A6C9-190D-48D2-82B9-F0EBB1C698DB}"/>
+              </a:ext>
+            </a:extLst>
+          </p:cNvPr>
+          <p:cNvCxnSpPr/>
+          <p:nvPr/>
+        </p:nvCxnSpPr>
+        <p:spPr>
+          <a:xfrm flipH="1">
+            <a:off x="3266042" y="5005595"/>
+            <a:ext cx="1371272" cy="457332"/>
+          </a:xfrm>
+          <a:prstGeom prst="straightConnector1">
+            <a:avLst/>
+          </a:prstGeom>
+          <a:ln>
+            <a:solidFill>
+              <a:srgbClr val="FF0000"/>
+            </a:solidFill>
+            <a:tailEnd type="triangle"/>
+          </a:ln>
+        </p:spPr>
+        <p:style>
+          <a:lnRef idx="1">
+            <a:schemeClr val="accent1"/>
+          </a:lnRef>
+          <a:fillRef idx="0">
+            <a:schemeClr val="accent1"/>
+          </a:fillRef>
+          <a:effectRef idx="0">
+            <a:schemeClr val="accent1"/>
+          </a:effectRef>
+          <a:fontRef idx="minor">
+            <a:schemeClr val="tx1"/>
+          </a:fontRef>
+        </p:style>
+      </p:cxnSp>
+      <p:sp>
+        <p:nvSpPr>
+          <p:cNvPr id="16" name="TextBox 15">
+            <a:extLst>
+              <a:ext uri="{FF2B5EF4-FFF2-40B4-BE49-F238E27FC236}">
+                <a16:creationId xmlns:a16="http://schemas.microsoft.com/office/drawing/2014/main" id="{4C60C898-E50E-4CD7-87FA-0B4954DA6964}"/>
+              </a:ext>
+            </a:extLst>
+          </p:cNvPr>
+          <p:cNvSpPr txBox="1"/>
+          <p:nvPr/>
+        </p:nvSpPr>
+        <p:spPr>
+          <a:xfrm>
+            <a:off x="8111338" y="3137655"/>
+            <a:ext cx="4008213" cy="369332"/>
+          </a:xfrm>
+          <a:prstGeom prst="rect">
+            <a:avLst/>
+          </a:prstGeom>
+          <a:noFill/>
+        </p:spPr>
+        <p:txBody>
+          <a:bodyPr wrap="none" rtlCol="0">
+            <a:spAutoFit/>
+          </a:bodyPr>
+          <a:lstStyle/>
+          <a:p>
+            <a:r>
+              <a:rPr lang="en-US" dirty="0">
+                <a:hlinkClick r:id="rId2"/>
+              </a:rPr>
+              <a:t>https://github.com/caprepo/A3-repo.git</a:t>
+            </a:r>
+            <a:r>
+              <a:rPr lang="en-US" dirty="0"/>
+              <a:t> </a:t>
+            </a:r>
+          </a:p>
+        </p:txBody>
+      </p:sp>
+    </p:spTree>
+    <p:extLst>
+      <p:ext uri="{BB962C8B-B14F-4D97-AF65-F5344CB8AC3E}">
+        <p14:creationId xmlns:p14="http://schemas.microsoft.com/office/powerpoint/2010/main" val="3975010010"/>
       </p:ext>
     </p:extLst>
   </p:cSld>

--- a/A3 Training - Synchrony.pptx
+++ b/A3 Training - Synchrony.pptx
@@ -19,6 +19,18 @@
     <p:sldId id="267" r:id="rId13"/>
     <p:sldId id="268" r:id="rId14"/>
     <p:sldId id="269" r:id="rId15"/>
+    <p:sldId id="270" r:id="rId16"/>
+    <p:sldId id="271" r:id="rId17"/>
+    <p:sldId id="272" r:id="rId18"/>
+    <p:sldId id="273" r:id="rId19"/>
+    <p:sldId id="274" r:id="rId20"/>
+    <p:sldId id="275" r:id="rId21"/>
+    <p:sldId id="276" r:id="rId22"/>
+    <p:sldId id="277" r:id="rId23"/>
+    <p:sldId id="278" r:id="rId24"/>
+    <p:sldId id="279" r:id="rId25"/>
+    <p:sldId id="280" r:id="rId26"/>
+    <p:sldId id="281" r:id="rId27"/>
   </p:sldIdLst>
   <p:sldSz cx="12192000" cy="6858000"/>
   <p:notesSz cx="6858000" cy="9144000"/>
@@ -272,7 +284,7 @@
           <a:p>
             <a:fld id="{9E1A7574-445E-4F28-B3D2-8E5A2A5B0C21}" type="datetimeFigureOut">
               <a:rPr lang="en-US" smtClean="0"/>
-              <a:t>3/27/2020</a:t>
+              <a:t>4/1/2020</a:t>
             </a:fld>
             <a:endParaRPr lang="en-US"/>
           </a:p>
@@ -470,7 +482,7 @@
           <a:p>
             <a:fld id="{9E1A7574-445E-4F28-B3D2-8E5A2A5B0C21}" type="datetimeFigureOut">
               <a:rPr lang="en-US" smtClean="0"/>
-              <a:t>3/27/2020</a:t>
+              <a:t>4/1/2020</a:t>
             </a:fld>
             <a:endParaRPr lang="en-US"/>
           </a:p>
@@ -678,7 +690,7 @@
           <a:p>
             <a:fld id="{9E1A7574-445E-4F28-B3D2-8E5A2A5B0C21}" type="datetimeFigureOut">
               <a:rPr lang="en-US" smtClean="0"/>
-              <a:t>3/27/2020</a:t>
+              <a:t>4/1/2020</a:t>
             </a:fld>
             <a:endParaRPr lang="en-US"/>
           </a:p>
@@ -876,7 +888,7 @@
           <a:p>
             <a:fld id="{9E1A7574-445E-4F28-B3D2-8E5A2A5B0C21}" type="datetimeFigureOut">
               <a:rPr lang="en-US" smtClean="0"/>
-              <a:t>3/27/2020</a:t>
+              <a:t>4/1/2020</a:t>
             </a:fld>
             <a:endParaRPr lang="en-US"/>
           </a:p>
@@ -1151,7 +1163,7 @@
           <a:p>
             <a:fld id="{9E1A7574-445E-4F28-B3D2-8E5A2A5B0C21}" type="datetimeFigureOut">
               <a:rPr lang="en-US" smtClean="0"/>
-              <a:t>3/27/2020</a:t>
+              <a:t>4/1/2020</a:t>
             </a:fld>
             <a:endParaRPr lang="en-US"/>
           </a:p>
@@ -1416,7 +1428,7 @@
           <a:p>
             <a:fld id="{9E1A7574-445E-4F28-B3D2-8E5A2A5B0C21}" type="datetimeFigureOut">
               <a:rPr lang="en-US" smtClean="0"/>
-              <a:t>3/27/2020</a:t>
+              <a:t>4/1/2020</a:t>
             </a:fld>
             <a:endParaRPr lang="en-US"/>
           </a:p>
@@ -1828,7 +1840,7 @@
           <a:p>
             <a:fld id="{9E1A7574-445E-4F28-B3D2-8E5A2A5B0C21}" type="datetimeFigureOut">
               <a:rPr lang="en-US" smtClean="0"/>
-              <a:t>3/27/2020</a:t>
+              <a:t>4/1/2020</a:t>
             </a:fld>
             <a:endParaRPr lang="en-US"/>
           </a:p>
@@ -1969,7 +1981,7 @@
           <a:p>
             <a:fld id="{9E1A7574-445E-4F28-B3D2-8E5A2A5B0C21}" type="datetimeFigureOut">
               <a:rPr lang="en-US" smtClean="0"/>
-              <a:t>3/27/2020</a:t>
+              <a:t>4/1/2020</a:t>
             </a:fld>
             <a:endParaRPr lang="en-US"/>
           </a:p>
@@ -2082,7 +2094,7 @@
           <a:p>
             <a:fld id="{9E1A7574-445E-4F28-B3D2-8E5A2A5B0C21}" type="datetimeFigureOut">
               <a:rPr lang="en-US" smtClean="0"/>
-              <a:t>3/27/2020</a:t>
+              <a:t>4/1/2020</a:t>
             </a:fld>
             <a:endParaRPr lang="en-US"/>
           </a:p>
@@ -2393,7 +2405,7 @@
           <a:p>
             <a:fld id="{9E1A7574-445E-4F28-B3D2-8E5A2A5B0C21}" type="datetimeFigureOut">
               <a:rPr lang="en-US" smtClean="0"/>
-              <a:t>3/27/2020</a:t>
+              <a:t>4/1/2020</a:t>
             </a:fld>
             <a:endParaRPr lang="en-US"/>
           </a:p>
@@ -2681,7 +2693,7 @@
           <a:p>
             <a:fld id="{9E1A7574-445E-4F28-B3D2-8E5A2A5B0C21}" type="datetimeFigureOut">
               <a:rPr lang="en-US" smtClean="0"/>
-              <a:t>3/27/2020</a:t>
+              <a:t>4/1/2020</a:t>
             </a:fld>
             <a:endParaRPr lang="en-US"/>
           </a:p>
@@ -2922,7 +2934,7 @@
           <a:p>
             <a:fld id="{9E1A7574-445E-4F28-B3D2-8E5A2A5B0C21}" type="datetimeFigureOut">
               <a:rPr lang="en-US" smtClean="0"/>
-              <a:t>3/27/2020</a:t>
+              <a:t>4/1/2020</a:t>
             </a:fld>
             <a:endParaRPr lang="en-US"/>
           </a:p>
@@ -3468,7 +3480,9 @@
         </p:nvSpPr>
         <p:spPr/>
         <p:txBody>
-          <a:bodyPr/>
+          <a:bodyPr>
+            <a:normAutofit lnSpcReduction="10000"/>
+          </a:bodyPr>
           <a:lstStyle/>
           <a:p>
             <a:r>
@@ -3527,6 +3541,41 @@
               </a:rPr>
               <a:t>Git Ignore</a:t>
             </a:r>
+          </a:p>
+          <a:p>
+            <a:r>
+              <a:rPr lang="en-US" dirty="0">
+                <a:highlight>
+                  <a:srgbClr val="FFFF00"/>
+                </a:highlight>
+                <a:sym typeface="Wingdings" panose="05000000000000000000" pitchFamily="2" charset="2"/>
+              </a:rPr>
+              <a:t>Conflict – Rebasing</a:t>
+            </a:r>
+          </a:p>
+          <a:p>
+            <a:r>
+              <a:rPr lang="en-US" dirty="0">
+                <a:sym typeface="Wingdings" panose="05000000000000000000" pitchFamily="2" charset="2"/>
+              </a:rPr>
+              <a:t>Git command prompt</a:t>
+            </a:r>
+          </a:p>
+          <a:p>
+            <a:r>
+              <a:rPr lang="en-US" dirty="0">
+                <a:sym typeface="Wingdings" panose="05000000000000000000" pitchFamily="2" charset="2"/>
+              </a:rPr>
+              <a:t>Git amend </a:t>
+            </a:r>
+          </a:p>
+          <a:p>
+            <a:endParaRPr lang="en-US" dirty="0">
+              <a:highlight>
+                <a:srgbClr val="FFFF00"/>
+              </a:highlight>
+              <a:sym typeface="Wingdings" panose="05000000000000000000" pitchFamily="2" charset="2"/>
+            </a:endParaRPr>
           </a:p>
           <a:p>
             <a:endParaRPr lang="en-US" dirty="0">
@@ -5380,6 +5429,969 @@
 </p:sld>
 </file>
 
+<file path=ppt/slides/slide15.xml><?xml version="1.0" encoding="utf-8"?>
+<p:sld xmlns:a="http://schemas.openxmlformats.org/drawingml/2006/main" xmlns:r="http://schemas.openxmlformats.org/officeDocument/2006/relationships" xmlns:p="http://schemas.openxmlformats.org/presentationml/2006/main">
+  <p:cSld>
+    <p:spTree>
+      <p:nvGrpSpPr>
+        <p:cNvPr id="1" name=""/>
+        <p:cNvGrpSpPr/>
+        <p:nvPr/>
+      </p:nvGrpSpPr>
+      <p:grpSpPr>
+        <a:xfrm>
+          <a:off x="0" y="0"/>
+          <a:ext cx="0" cy="0"/>
+          <a:chOff x="0" y="0"/>
+          <a:chExt cx="0" cy="0"/>
+        </a:xfrm>
+      </p:grpSpPr>
+      <p:sp>
+        <p:nvSpPr>
+          <p:cNvPr id="2" name="Title 1">
+            <a:extLst>
+              <a:ext uri="{FF2B5EF4-FFF2-40B4-BE49-F238E27FC236}">
+                <a16:creationId xmlns:a16="http://schemas.microsoft.com/office/drawing/2014/main" id="{5EC53C0D-52AB-4061-B52F-E49C17A83292}"/>
+              </a:ext>
+            </a:extLst>
+          </p:cNvPr>
+          <p:cNvSpPr>
+            <a:spLocks noGrp="1"/>
+          </p:cNvSpPr>
+          <p:nvPr>
+            <p:ph type="title"/>
+          </p:nvPr>
+        </p:nvSpPr>
+        <p:spPr/>
+        <p:txBody>
+          <a:bodyPr/>
+          <a:lstStyle/>
+          <a:p>
+            <a:r>
+              <a:rPr lang="en-US" dirty="0"/>
+              <a:t>Git Repository Access</a:t>
+            </a:r>
+          </a:p>
+        </p:txBody>
+      </p:sp>
+      <p:sp>
+        <p:nvSpPr>
+          <p:cNvPr id="3" name="Content Placeholder 2">
+            <a:extLst>
+              <a:ext uri="{FF2B5EF4-FFF2-40B4-BE49-F238E27FC236}">
+                <a16:creationId xmlns:a16="http://schemas.microsoft.com/office/drawing/2014/main" id="{A40B44A3-13E3-4E19-AC7B-880F6EF3B3FB}"/>
+              </a:ext>
+            </a:extLst>
+          </p:cNvPr>
+          <p:cNvSpPr>
+            <a:spLocks noGrp="1"/>
+          </p:cNvSpPr>
+          <p:nvPr>
+            <p:ph idx="1"/>
+          </p:nvPr>
+        </p:nvSpPr>
+        <p:spPr/>
+        <p:txBody>
+          <a:bodyPr/>
+          <a:lstStyle/>
+          <a:p>
+            <a:r>
+              <a:rPr lang="en-US" dirty="0">
+                <a:highlight>
+                  <a:srgbClr val="FFFF00"/>
+                </a:highlight>
+              </a:rPr>
+              <a:t>Web Tool (</a:t>
+            </a:r>
+            <a:r>
+              <a:rPr lang="en-US" dirty="0">
+                <a:highlight>
+                  <a:srgbClr val="FFFF00"/>
+                </a:highlight>
+                <a:hlinkClick r:id="rId2"/>
+              </a:rPr>
+              <a:t>https://github.com</a:t>
+            </a:r>
+            <a:r>
+              <a:rPr lang="en-US" dirty="0">
+                <a:highlight>
+                  <a:srgbClr val="FFFF00"/>
+                </a:highlight>
+              </a:rPr>
+              <a:t> )</a:t>
+            </a:r>
+          </a:p>
+          <a:p>
+            <a:r>
+              <a:rPr lang="en-US" dirty="0">
+                <a:highlight>
+                  <a:srgbClr val="FFFF00"/>
+                </a:highlight>
+              </a:rPr>
+              <a:t>IDE </a:t>
+            </a:r>
+            <a:r>
+              <a:rPr lang="en-US" dirty="0">
+                <a:highlight>
+                  <a:srgbClr val="FFFF00"/>
+                </a:highlight>
+                <a:sym typeface="Wingdings" panose="05000000000000000000" pitchFamily="2" charset="2"/>
+              </a:rPr>
+              <a:t> </a:t>
+            </a:r>
+            <a:r>
+              <a:rPr lang="en-US" dirty="0" err="1">
+                <a:highlight>
+                  <a:srgbClr val="FFFF00"/>
+                </a:highlight>
+                <a:sym typeface="Wingdings" panose="05000000000000000000" pitchFamily="2" charset="2"/>
+              </a:rPr>
+              <a:t>Egit</a:t>
+            </a:r>
+            <a:r>
+              <a:rPr lang="en-US" dirty="0">
+                <a:highlight>
+                  <a:srgbClr val="FFFF00"/>
+                </a:highlight>
+                <a:sym typeface="Wingdings" panose="05000000000000000000" pitchFamily="2" charset="2"/>
+              </a:rPr>
+              <a:t> plugin</a:t>
+            </a:r>
+          </a:p>
+          <a:p>
+            <a:r>
+              <a:rPr lang="en-US" dirty="0">
+                <a:highlight>
+                  <a:srgbClr val="FFFF00"/>
+                </a:highlight>
+                <a:sym typeface="Wingdings" panose="05000000000000000000" pitchFamily="2" charset="2"/>
+              </a:rPr>
+              <a:t>Git </a:t>
+            </a:r>
+            <a:r>
+              <a:rPr lang="en-US" dirty="0" err="1">
+                <a:highlight>
+                  <a:srgbClr val="FFFF00"/>
+                </a:highlight>
+                <a:sym typeface="Wingdings" panose="05000000000000000000" pitchFamily="2" charset="2"/>
+              </a:rPr>
+              <a:t>cmd</a:t>
+            </a:r>
+            <a:endParaRPr lang="en-US" dirty="0">
+              <a:highlight>
+                <a:srgbClr val="FFFF00"/>
+              </a:highlight>
+              <a:sym typeface="Wingdings" panose="05000000000000000000" pitchFamily="2" charset="2"/>
+            </a:endParaRPr>
+          </a:p>
+          <a:p>
+            <a:pPr lvl="1"/>
+            <a:r>
+              <a:rPr lang="en-US" dirty="0" err="1">
+                <a:highlight>
+                  <a:srgbClr val="FFFF00"/>
+                </a:highlight>
+                <a:sym typeface="Wingdings" panose="05000000000000000000" pitchFamily="2" charset="2"/>
+              </a:rPr>
+              <a:t>Cmd</a:t>
+            </a:r>
+            <a:endParaRPr lang="en-US" dirty="0">
+              <a:highlight>
+                <a:srgbClr val="FFFF00"/>
+              </a:highlight>
+              <a:sym typeface="Wingdings" panose="05000000000000000000" pitchFamily="2" charset="2"/>
+            </a:endParaRPr>
+          </a:p>
+          <a:p>
+            <a:pPr lvl="1"/>
+            <a:r>
+              <a:rPr lang="en-US" dirty="0">
+                <a:highlight>
+                  <a:srgbClr val="FFFF00"/>
+                </a:highlight>
+                <a:sym typeface="Wingdings" panose="05000000000000000000" pitchFamily="2" charset="2"/>
+              </a:rPr>
+              <a:t>Bash</a:t>
+            </a:r>
+          </a:p>
+          <a:p>
+            <a:r>
+              <a:rPr lang="en-US" dirty="0">
+                <a:sym typeface="Wingdings" panose="05000000000000000000" pitchFamily="2" charset="2"/>
+              </a:rPr>
+              <a:t>Git Desktop</a:t>
+            </a:r>
+          </a:p>
+          <a:p>
+            <a:r>
+              <a:rPr lang="en-US" dirty="0">
+                <a:sym typeface="Wingdings" panose="05000000000000000000" pitchFamily="2" charset="2"/>
+              </a:rPr>
+              <a:t>GIT GUI</a:t>
+            </a:r>
+          </a:p>
+          <a:p>
+            <a:pPr lvl="1"/>
+            <a:r>
+              <a:rPr lang="en-US" dirty="0">
+                <a:sym typeface="Wingdings" panose="05000000000000000000" pitchFamily="2" charset="2"/>
+              </a:rPr>
+              <a:t>Git client</a:t>
+            </a:r>
+          </a:p>
+          <a:p>
+            <a:endParaRPr lang="en-US" dirty="0"/>
+          </a:p>
+        </p:txBody>
+      </p:sp>
+    </p:spTree>
+    <p:extLst>
+      <p:ext uri="{BB962C8B-B14F-4D97-AF65-F5344CB8AC3E}">
+        <p14:creationId xmlns:p14="http://schemas.microsoft.com/office/powerpoint/2010/main" val="3206122792"/>
+      </p:ext>
+    </p:extLst>
+  </p:cSld>
+  <p:clrMapOvr>
+    <a:masterClrMapping/>
+  </p:clrMapOvr>
+</p:sld>
+</file>
+
+<file path=ppt/slides/slide16.xml><?xml version="1.0" encoding="utf-8"?>
+<p:sld xmlns:a="http://schemas.openxmlformats.org/drawingml/2006/main" xmlns:r="http://schemas.openxmlformats.org/officeDocument/2006/relationships" xmlns:p="http://schemas.openxmlformats.org/presentationml/2006/main">
+  <p:cSld>
+    <p:spTree>
+      <p:nvGrpSpPr>
+        <p:cNvPr id="1" name=""/>
+        <p:cNvGrpSpPr/>
+        <p:nvPr/>
+      </p:nvGrpSpPr>
+      <p:grpSpPr>
+        <a:xfrm>
+          <a:off x="0" y="0"/>
+          <a:ext cx="0" cy="0"/>
+          <a:chOff x="0" y="0"/>
+          <a:chExt cx="0" cy="0"/>
+        </a:xfrm>
+      </p:grpSpPr>
+      <p:sp>
+        <p:nvSpPr>
+          <p:cNvPr id="2" name="Title 1">
+            <a:extLst>
+              <a:ext uri="{FF2B5EF4-FFF2-40B4-BE49-F238E27FC236}">
+                <a16:creationId xmlns:a16="http://schemas.microsoft.com/office/drawing/2014/main" id="{B0663E73-3834-43EA-9DFC-CEBDF4D4770A}"/>
+              </a:ext>
+            </a:extLst>
+          </p:cNvPr>
+          <p:cNvSpPr>
+            <a:spLocks noGrp="1"/>
+          </p:cNvSpPr>
+          <p:nvPr>
+            <p:ph type="title"/>
+          </p:nvPr>
+        </p:nvSpPr>
+        <p:spPr/>
+        <p:txBody>
+          <a:bodyPr/>
+          <a:lstStyle/>
+          <a:p>
+            <a:r>
+              <a:rPr lang="en-US" dirty="0"/>
+              <a:t>Git commands</a:t>
+            </a:r>
+          </a:p>
+        </p:txBody>
+      </p:sp>
+      <p:sp>
+        <p:nvSpPr>
+          <p:cNvPr id="3" name="Content Placeholder 2">
+            <a:extLst>
+              <a:ext uri="{FF2B5EF4-FFF2-40B4-BE49-F238E27FC236}">
+                <a16:creationId xmlns:a16="http://schemas.microsoft.com/office/drawing/2014/main" id="{61410B25-6233-4848-A315-BD2537A31604}"/>
+              </a:ext>
+            </a:extLst>
+          </p:cNvPr>
+          <p:cNvSpPr>
+            <a:spLocks noGrp="1"/>
+          </p:cNvSpPr>
+          <p:nvPr>
+            <p:ph idx="1"/>
+          </p:nvPr>
+        </p:nvSpPr>
+        <p:spPr/>
+        <p:txBody>
+          <a:bodyPr/>
+          <a:lstStyle/>
+          <a:p>
+            <a:r>
+              <a:rPr lang="en-US" dirty="0">
+                <a:hlinkClick r:id="rId2" tooltip="GIT-notes.docx"/>
+              </a:rPr>
+              <a:t>GIT-notes.docx</a:t>
+            </a:r>
+            <a:endParaRPr lang="en-US" dirty="0"/>
+          </a:p>
+          <a:p>
+            <a:endParaRPr lang="en-US" dirty="0"/>
+          </a:p>
+          <a:p>
+            <a:endParaRPr lang="en-US" dirty="0"/>
+          </a:p>
+        </p:txBody>
+      </p:sp>
+      <p:graphicFrame>
+        <p:nvGraphicFramePr>
+          <p:cNvPr id="6" name="Table 5">
+            <a:extLst>
+              <a:ext uri="{FF2B5EF4-FFF2-40B4-BE49-F238E27FC236}">
+                <a16:creationId xmlns:a16="http://schemas.microsoft.com/office/drawing/2014/main" id="{B8D10CBA-3DE4-4B9D-8374-C861C07D5CFA}"/>
+              </a:ext>
+            </a:extLst>
+          </p:cNvPr>
+          <p:cNvGraphicFramePr>
+            <a:graphicFrameLocks noGrp="1"/>
+          </p:cNvGraphicFramePr>
+          <p:nvPr>
+            <p:extLst>
+              <p:ext uri="{D42A27DB-BD31-4B8C-83A1-F6EECF244321}">
+                <p14:modId xmlns:p14="http://schemas.microsoft.com/office/powerpoint/2010/main" val="17432621"/>
+              </p:ext>
+            </p:extLst>
+          </p:nvPr>
+        </p:nvGraphicFramePr>
+        <p:xfrm>
+          <a:off x="1051617" y="2330838"/>
+          <a:ext cx="5321558" cy="513806"/>
+        </p:xfrm>
+        <a:graphic>
+          <a:graphicData uri="http://schemas.openxmlformats.org/drawingml/2006/table">
+            <a:tbl>
+              <a:tblPr/>
+              <a:tblGrid>
+                <a:gridCol w="5321558">
+                  <a:extLst>
+                    <a:ext uri="{9D8B030D-6E8A-4147-A177-3AD203B41FA5}">
+                      <a16:colId xmlns:a16="http://schemas.microsoft.com/office/drawing/2014/main" val="533966724"/>
+                    </a:ext>
+                  </a:extLst>
+                </a:gridCol>
+              </a:tblGrid>
+              <a:tr h="0">
+                <a:tc>
+                  <a:txBody>
+                    <a:bodyPr/>
+                    <a:lstStyle/>
+                    <a:p>
+                      <a:r>
+                        <a:rPr lang="en-US" sz="2800" u="sng" dirty="0">
+                          <a:solidFill>
+                            <a:srgbClr val="0366D6"/>
+                          </a:solidFill>
+                          <a:effectLst/>
+                          <a:hlinkClick r:id="rId3" tooltip="git-commands.docx"/>
+                        </a:rPr>
+                        <a:t>git-commands.docx</a:t>
+                      </a:r>
+                      <a:endParaRPr lang="en-US" sz="2800" dirty="0">
+                        <a:effectLst/>
+                      </a:endParaRPr>
+                    </a:p>
+                  </a:txBody>
+                  <a:tcPr marL="21771" marR="21771" marT="43543" marB="43543" anchor="ctr">
+                    <a:lnL>
+                      <a:noFill/>
+                    </a:lnL>
+                    <a:lnR>
+                      <a:noFill/>
+                    </a:lnR>
+                    <a:lnT w="5443" cap="flat" cmpd="sng" algn="ctr">
+                      <a:solidFill>
+                        <a:srgbClr val="EAECEF"/>
+                      </a:solidFill>
+                      <a:prstDash val="solid"/>
+                      <a:round/>
+                      <a:headEnd type="none" w="med" len="med"/>
+                      <a:tailEnd type="none" w="med" len="med"/>
+                    </a:lnT>
+                    <a:lnB>
+                      <a:noFill/>
+                    </a:lnB>
+                    <a:solidFill>
+                      <a:srgbClr val="F6F8FA"/>
+                    </a:solidFill>
+                  </a:tcPr>
+                </a:tc>
+                <a:extLst>
+                  <a:ext uri="{0D108BD9-81ED-4DB2-BD59-A6C34878D82A}">
+                    <a16:rowId xmlns:a16="http://schemas.microsoft.com/office/drawing/2014/main" val="36200246"/>
+                  </a:ext>
+                </a:extLst>
+              </a:tr>
+            </a:tbl>
+          </a:graphicData>
+        </a:graphic>
+      </p:graphicFrame>
+      <p:sp>
+        <p:nvSpPr>
+          <p:cNvPr id="7" name="Rectangle 2">
+            <a:extLst>
+              <a:ext uri="{FF2B5EF4-FFF2-40B4-BE49-F238E27FC236}">
+                <a16:creationId xmlns:a16="http://schemas.microsoft.com/office/drawing/2014/main" id="{313A300F-8261-4C4F-B6C0-754A1FCFDF98}"/>
+              </a:ext>
+            </a:extLst>
+          </p:cNvPr>
+          <p:cNvSpPr>
+            <a:spLocks noChangeArrowheads="1"/>
+          </p:cNvSpPr>
+          <p:nvPr/>
+        </p:nvSpPr>
+        <p:spPr bwMode="auto">
+          <a:xfrm>
+            <a:off x="1051746" y="2331360"/>
+            <a:ext cx="12192000" cy="0"/>
+          </a:xfrm>
+          <a:prstGeom prst="rect">
+            <a:avLst/>
+          </a:prstGeom>
+          <a:noFill/>
+          <a:ln>
+            <a:noFill/>
+          </a:ln>
+          <a:effectLst/>
+          <a:extLst>
+            <a:ext uri="{909E8E84-426E-40DD-AFC4-6F175D3DCCD1}">
+              <a14:hiddenFill xmlns:a14="http://schemas.microsoft.com/office/drawing/2010/main">
+                <a:solidFill>
+                  <a:schemeClr val="accent1"/>
+                </a:solidFill>
+              </a14:hiddenFill>
+            </a:ext>
+            <a:ext uri="{91240B29-F687-4F45-9708-019B960494DF}">
+              <a14:hiddenLine xmlns:a14="http://schemas.microsoft.com/office/drawing/2010/main" w="9525">
+                <a:solidFill>
+                  <a:schemeClr val="tx1"/>
+                </a:solidFill>
+                <a:miter lim="800000"/>
+                <a:headEnd/>
+                <a:tailEnd/>
+              </a14:hiddenLine>
+            </a:ext>
+            <a:ext uri="{AF507438-7753-43E0-B8FC-AC1667EBCBE1}">
+              <a14:hiddenEffects xmlns:a14="http://schemas.microsoft.com/office/drawing/2010/main">
+                <a:effectLst>
+                  <a:outerShdw dist="35921" dir="2700000" algn="ctr" rotWithShape="0">
+                    <a:schemeClr val="bg2"/>
+                  </a:outerShdw>
+                </a:effectLst>
+              </a14:hiddenEffects>
+            </a:ext>
+          </a:extLst>
+        </p:spPr>
+        <p:txBody>
+          <a:bodyPr vert="horz" wrap="none" lIns="91440" tIns="45720" rIns="91440" bIns="45720" numCol="1" anchor="ctr" anchorCtr="0" compatLnSpc="1">
+            <a:prstTxWarp prst="textNoShape">
+              <a:avLst/>
+            </a:prstTxWarp>
+            <a:spAutoFit/>
+          </a:bodyPr>
+          <a:lstStyle/>
+          <a:p>
+            <a:pPr marL="0" marR="0" lvl="0" indent="0" algn="l" defTabSz="914400" rtl="0" eaLnBrk="0" fontAlgn="base" latinLnBrk="0" hangingPunct="0">
+              <a:lnSpc>
+                <a:spcPct val="100000"/>
+              </a:lnSpc>
+              <a:spcBef>
+                <a:spcPct val="0"/>
+              </a:spcBef>
+              <a:spcAft>
+                <a:spcPct val="0"/>
+              </a:spcAft>
+              <a:buClrTx/>
+              <a:buSzTx/>
+              <a:buFontTx/>
+              <a:buNone/>
+              <a:tabLst/>
+            </a:pPr>
+            <a:br>
+              <a:rPr kumimoji="0" lang="en-US" altLang="en-US" sz="1800" b="0" i="0" u="none" strike="noStrike" cap="none" normalizeH="0" baseline="0">
+                <a:ln>
+                  <a:noFill/>
+                </a:ln>
+                <a:solidFill>
+                  <a:schemeClr val="tx1"/>
+                </a:solidFill>
+                <a:effectLst/>
+                <a:latin typeface="Arial" panose="020B0604020202020204" pitchFamily="34" charset="0"/>
+              </a:rPr>
+            </a:br>
+            <a:endParaRPr kumimoji="0" lang="en-US" altLang="en-US" sz="1800" b="0" i="0" u="none" strike="noStrike" cap="none" normalizeH="0" baseline="0">
+              <a:ln>
+                <a:noFill/>
+              </a:ln>
+              <a:solidFill>
+                <a:schemeClr val="tx1"/>
+              </a:solidFill>
+              <a:effectLst/>
+              <a:latin typeface="Arial" panose="020B0604020202020204" pitchFamily="34" charset="0"/>
+            </a:endParaRPr>
+          </a:p>
+        </p:txBody>
+      </p:sp>
+    </p:spTree>
+    <p:extLst>
+      <p:ext uri="{BB962C8B-B14F-4D97-AF65-F5344CB8AC3E}">
+        <p14:creationId xmlns:p14="http://schemas.microsoft.com/office/powerpoint/2010/main" val="3357838329"/>
+      </p:ext>
+    </p:extLst>
+  </p:cSld>
+  <p:clrMapOvr>
+    <a:masterClrMapping/>
+  </p:clrMapOvr>
+</p:sld>
+</file>
+
+<file path=ppt/slides/slide17.xml><?xml version="1.0" encoding="utf-8"?>
+<p:sld xmlns:a="http://schemas.openxmlformats.org/drawingml/2006/main" xmlns:r="http://schemas.openxmlformats.org/officeDocument/2006/relationships" xmlns:p="http://schemas.openxmlformats.org/presentationml/2006/main">
+  <p:cSld>
+    <p:spTree>
+      <p:nvGrpSpPr>
+        <p:cNvPr id="1" name=""/>
+        <p:cNvGrpSpPr/>
+        <p:nvPr/>
+      </p:nvGrpSpPr>
+      <p:grpSpPr>
+        <a:xfrm>
+          <a:off x="0" y="0"/>
+          <a:ext cx="0" cy="0"/>
+          <a:chOff x="0" y="0"/>
+          <a:chExt cx="0" cy="0"/>
+        </a:xfrm>
+      </p:grpSpPr>
+      <p:sp>
+        <p:nvSpPr>
+          <p:cNvPr id="8" name="Title 7">
+            <a:extLst>
+              <a:ext uri="{FF2B5EF4-FFF2-40B4-BE49-F238E27FC236}">
+                <a16:creationId xmlns:a16="http://schemas.microsoft.com/office/drawing/2014/main" id="{2E07E329-5CFD-49FC-B0F6-3828CA0ACEC3}"/>
+              </a:ext>
+            </a:extLst>
+          </p:cNvPr>
+          <p:cNvSpPr>
+            <a:spLocks noGrp="1"/>
+          </p:cNvSpPr>
+          <p:nvPr>
+            <p:ph type="ctrTitle"/>
+          </p:nvPr>
+        </p:nvSpPr>
+        <p:spPr/>
+        <p:txBody>
+          <a:bodyPr/>
+          <a:lstStyle/>
+          <a:p>
+            <a:r>
+              <a:rPr lang="en-US" dirty="0"/>
+              <a:t>Jenkins</a:t>
+            </a:r>
+          </a:p>
+        </p:txBody>
+      </p:sp>
+    </p:spTree>
+    <p:extLst>
+      <p:ext uri="{BB962C8B-B14F-4D97-AF65-F5344CB8AC3E}">
+        <p14:creationId xmlns:p14="http://schemas.microsoft.com/office/powerpoint/2010/main" val="1186648991"/>
+      </p:ext>
+    </p:extLst>
+  </p:cSld>
+  <p:clrMapOvr>
+    <a:masterClrMapping/>
+  </p:clrMapOvr>
+</p:sld>
+</file>
+
+<file path=ppt/slides/slide18.xml><?xml version="1.0" encoding="utf-8"?>
+<p:sld xmlns:a="http://schemas.openxmlformats.org/drawingml/2006/main" xmlns:r="http://schemas.openxmlformats.org/officeDocument/2006/relationships" xmlns:p="http://schemas.openxmlformats.org/presentationml/2006/main">
+  <p:cSld>
+    <p:spTree>
+      <p:nvGrpSpPr>
+        <p:cNvPr id="1" name=""/>
+        <p:cNvGrpSpPr/>
+        <p:nvPr/>
+      </p:nvGrpSpPr>
+      <p:grpSpPr>
+        <a:xfrm>
+          <a:off x="0" y="0"/>
+          <a:ext cx="0" cy="0"/>
+          <a:chOff x="0" y="0"/>
+          <a:chExt cx="0" cy="0"/>
+        </a:xfrm>
+      </p:grpSpPr>
+      <p:sp>
+        <p:nvSpPr>
+          <p:cNvPr id="2" name="Title 1">
+            <a:extLst>
+              <a:ext uri="{FF2B5EF4-FFF2-40B4-BE49-F238E27FC236}">
+                <a16:creationId xmlns:a16="http://schemas.microsoft.com/office/drawing/2014/main" id="{07B24E0F-7D9B-4F64-99D6-C5B31DF17A1B}"/>
+              </a:ext>
+            </a:extLst>
+          </p:cNvPr>
+          <p:cNvSpPr>
+            <a:spLocks noGrp="1"/>
+          </p:cNvSpPr>
+          <p:nvPr>
+            <p:ph type="title"/>
+          </p:nvPr>
+        </p:nvSpPr>
+        <p:spPr/>
+        <p:txBody>
+          <a:bodyPr/>
+          <a:lstStyle/>
+          <a:p>
+            <a:r>
+              <a:rPr lang="en-US" dirty="0"/>
+              <a:t>Jenkins – Pre-requisites</a:t>
+            </a:r>
+          </a:p>
+        </p:txBody>
+      </p:sp>
+      <p:sp>
+        <p:nvSpPr>
+          <p:cNvPr id="3" name="Content Placeholder 2">
+            <a:extLst>
+              <a:ext uri="{FF2B5EF4-FFF2-40B4-BE49-F238E27FC236}">
+                <a16:creationId xmlns:a16="http://schemas.microsoft.com/office/drawing/2014/main" id="{9BFDE7A6-CB75-4509-BAAE-F272DFA92363}"/>
+              </a:ext>
+            </a:extLst>
+          </p:cNvPr>
+          <p:cNvSpPr>
+            <a:spLocks noGrp="1"/>
+          </p:cNvSpPr>
+          <p:nvPr>
+            <p:ph idx="1"/>
+          </p:nvPr>
+        </p:nvSpPr>
+        <p:spPr/>
+        <p:txBody>
+          <a:bodyPr/>
+          <a:lstStyle/>
+          <a:p>
+            <a:r>
+              <a:rPr lang="en-US" dirty="0">
+                <a:highlight>
+                  <a:srgbClr val="FFFF00"/>
+                </a:highlight>
+              </a:rPr>
+              <a:t>JDK 1.8</a:t>
+            </a:r>
+          </a:p>
+          <a:p>
+            <a:pPr lvl="1"/>
+            <a:r>
+              <a:rPr lang="en-US" dirty="0">
+                <a:highlight>
+                  <a:srgbClr val="FFFF00"/>
+                </a:highlight>
+                <a:hlinkClick r:id="rId2"/>
+              </a:rPr>
+              <a:t>https://www.oracle.com/java/technologies/javase-jdk8-downloads.html</a:t>
+            </a:r>
+            <a:endParaRPr lang="en-US" dirty="0">
+              <a:highlight>
+                <a:srgbClr val="FFFF00"/>
+              </a:highlight>
+            </a:endParaRPr>
+          </a:p>
+          <a:p>
+            <a:r>
+              <a:rPr lang="en-US" dirty="0"/>
+              <a:t>Maven</a:t>
+            </a:r>
+          </a:p>
+          <a:p>
+            <a:pPr lvl="1"/>
+            <a:r>
+              <a:rPr lang="en-US" dirty="0">
+                <a:hlinkClick r:id="rId3"/>
+              </a:rPr>
+              <a:t>https://mirrors.estointernet.in/apache/maven/maven-3/3.6.3/binaries/apache-maven-3.6.3-bin.zip</a:t>
+            </a:r>
+            <a:r>
+              <a:rPr lang="en-US" dirty="0"/>
+              <a:t> </a:t>
+            </a:r>
+          </a:p>
+          <a:p>
+            <a:r>
+              <a:rPr lang="en-US" dirty="0">
+                <a:highlight>
+                  <a:srgbClr val="FFFF00"/>
+                </a:highlight>
+              </a:rPr>
+              <a:t>Git Client</a:t>
+            </a:r>
+          </a:p>
+          <a:p>
+            <a:pPr lvl="1"/>
+            <a:r>
+              <a:rPr lang="en-US" dirty="0">
+                <a:highlight>
+                  <a:srgbClr val="FFFF00"/>
+                </a:highlight>
+                <a:hlinkClick r:id="rId4"/>
+              </a:rPr>
+              <a:t>https://git-scm.com/download/win</a:t>
+            </a:r>
+            <a:endParaRPr lang="en-US" dirty="0">
+              <a:highlight>
+                <a:srgbClr val="FFFF00"/>
+              </a:highlight>
+            </a:endParaRPr>
+          </a:p>
+          <a:p>
+            <a:pPr lvl="1"/>
+            <a:r>
+              <a:rPr lang="en-US" dirty="0" err="1">
+                <a:highlight>
+                  <a:srgbClr val="FFFF00"/>
+                </a:highlight>
+              </a:rPr>
+              <a:t>Github</a:t>
+            </a:r>
+            <a:r>
+              <a:rPr lang="en-US" dirty="0">
+                <a:highlight>
+                  <a:srgbClr val="FFFF00"/>
+                </a:highlight>
+              </a:rPr>
+              <a:t> login </a:t>
+            </a:r>
+            <a:r>
+              <a:rPr lang="en-US" dirty="0">
+                <a:highlight>
+                  <a:srgbClr val="FFFF00"/>
+                </a:highlight>
+                <a:sym typeface="Wingdings" panose="05000000000000000000" pitchFamily="2" charset="2"/>
+              </a:rPr>
+              <a:t> to access remote repo</a:t>
+            </a:r>
+          </a:p>
+          <a:p>
+            <a:r>
+              <a:rPr lang="en-US" dirty="0">
+                <a:sym typeface="Wingdings" panose="05000000000000000000" pitchFamily="2" charset="2"/>
+              </a:rPr>
+              <a:t>Install Jenkins</a:t>
+            </a:r>
+            <a:endParaRPr lang="en-US" dirty="0"/>
+          </a:p>
+          <a:p>
+            <a:pPr lvl="1"/>
+            <a:endParaRPr lang="en-US" dirty="0"/>
+          </a:p>
+          <a:p>
+            <a:endParaRPr lang="en-US" dirty="0"/>
+          </a:p>
+        </p:txBody>
+      </p:sp>
+    </p:spTree>
+    <p:extLst>
+      <p:ext uri="{BB962C8B-B14F-4D97-AF65-F5344CB8AC3E}">
+        <p14:creationId xmlns:p14="http://schemas.microsoft.com/office/powerpoint/2010/main" val="1093738321"/>
+      </p:ext>
+    </p:extLst>
+  </p:cSld>
+  <p:clrMapOvr>
+    <a:masterClrMapping/>
+  </p:clrMapOvr>
+</p:sld>
+</file>
+
+<file path=ppt/slides/slide19.xml><?xml version="1.0" encoding="utf-8"?>
+<p:sld xmlns:a="http://schemas.openxmlformats.org/drawingml/2006/main" xmlns:r="http://schemas.openxmlformats.org/officeDocument/2006/relationships" xmlns:p="http://schemas.openxmlformats.org/presentationml/2006/main">
+  <p:cSld>
+    <p:spTree>
+      <p:nvGrpSpPr>
+        <p:cNvPr id="1" name=""/>
+        <p:cNvGrpSpPr/>
+        <p:nvPr/>
+      </p:nvGrpSpPr>
+      <p:grpSpPr>
+        <a:xfrm>
+          <a:off x="0" y="0"/>
+          <a:ext cx="0" cy="0"/>
+          <a:chOff x="0" y="0"/>
+          <a:chExt cx="0" cy="0"/>
+        </a:xfrm>
+      </p:grpSpPr>
+      <p:sp>
+        <p:nvSpPr>
+          <p:cNvPr id="2" name="Title 1">
+            <a:extLst>
+              <a:ext uri="{FF2B5EF4-FFF2-40B4-BE49-F238E27FC236}">
+                <a16:creationId xmlns:a16="http://schemas.microsoft.com/office/drawing/2014/main" id="{1DF592DF-BAB2-4735-8934-185A5342340C}"/>
+              </a:ext>
+            </a:extLst>
+          </p:cNvPr>
+          <p:cNvSpPr>
+            <a:spLocks noGrp="1"/>
+          </p:cNvSpPr>
+          <p:nvPr>
+            <p:ph type="title"/>
+          </p:nvPr>
+        </p:nvSpPr>
+        <p:spPr/>
+        <p:txBody>
+          <a:bodyPr/>
+          <a:lstStyle/>
+          <a:p>
+            <a:r>
+              <a:rPr lang="en-US" dirty="0"/>
+              <a:t>What is Jenkins	</a:t>
+            </a:r>
+          </a:p>
+        </p:txBody>
+      </p:sp>
+      <p:sp>
+        <p:nvSpPr>
+          <p:cNvPr id="3" name="Content Placeholder 2">
+            <a:extLst>
+              <a:ext uri="{FF2B5EF4-FFF2-40B4-BE49-F238E27FC236}">
+                <a16:creationId xmlns:a16="http://schemas.microsoft.com/office/drawing/2014/main" id="{1CEECBF7-E38F-4470-AB68-55BD1664F4C9}"/>
+              </a:ext>
+            </a:extLst>
+          </p:cNvPr>
+          <p:cNvSpPr>
+            <a:spLocks noGrp="1"/>
+          </p:cNvSpPr>
+          <p:nvPr>
+            <p:ph idx="1"/>
+          </p:nvPr>
+        </p:nvSpPr>
+        <p:spPr/>
+        <p:txBody>
+          <a:bodyPr>
+            <a:normAutofit fontScale="85000" lnSpcReduction="20000"/>
+          </a:bodyPr>
+          <a:lstStyle/>
+          <a:p>
+            <a:r>
+              <a:rPr lang="en-US" dirty="0"/>
+              <a:t>Build Server </a:t>
+            </a:r>
+          </a:p>
+          <a:p>
+            <a:r>
+              <a:rPr lang="en-US" dirty="0"/>
+              <a:t>Get the latest source codec copy from SCM and build it</a:t>
+            </a:r>
+          </a:p>
+          <a:p>
+            <a:r>
+              <a:rPr lang="en-US" dirty="0"/>
+              <a:t>Generates report after build</a:t>
+            </a:r>
+          </a:p>
+          <a:p>
+            <a:r>
+              <a:rPr lang="en-US" dirty="0"/>
+              <a:t>Plugins </a:t>
+            </a:r>
+            <a:r>
+              <a:rPr lang="en-US" dirty="0">
+                <a:sym typeface="Wingdings" panose="05000000000000000000" pitchFamily="2" charset="2"/>
+              </a:rPr>
+              <a:t> 250+ plugins</a:t>
+            </a:r>
+          </a:p>
+          <a:p>
+            <a:r>
+              <a:rPr lang="en-US" dirty="0">
+                <a:sym typeface="Wingdings" panose="05000000000000000000" pitchFamily="2" charset="2"/>
+              </a:rPr>
+              <a:t>Code Integration</a:t>
+            </a:r>
+          </a:p>
+          <a:p>
+            <a:r>
+              <a:rPr lang="en-US" dirty="0">
+                <a:sym typeface="Wingdings" panose="05000000000000000000" pitchFamily="2" charset="2"/>
+              </a:rPr>
+              <a:t>Jenkins  create jobs  maven , </a:t>
+            </a:r>
+            <a:r>
+              <a:rPr lang="en-US" dirty="0" err="1">
+                <a:sym typeface="Wingdings" panose="05000000000000000000" pitchFamily="2" charset="2"/>
+              </a:rPr>
+              <a:t>gradle</a:t>
+            </a:r>
+            <a:r>
+              <a:rPr lang="en-US" dirty="0">
+                <a:sym typeface="Wingdings" panose="05000000000000000000" pitchFamily="2" charset="2"/>
+              </a:rPr>
+              <a:t> </a:t>
+            </a:r>
+          </a:p>
+          <a:p>
+            <a:r>
+              <a:rPr lang="en-US" dirty="0">
+                <a:sym typeface="Wingdings" panose="05000000000000000000" pitchFamily="2" charset="2"/>
+              </a:rPr>
+              <a:t>Jenkins runs on JDK</a:t>
+            </a:r>
+          </a:p>
+          <a:p>
+            <a:r>
+              <a:rPr lang="en-US" dirty="0" err="1">
+                <a:sym typeface="Wingdings" panose="05000000000000000000" pitchFamily="2" charset="2"/>
+              </a:rPr>
+              <a:t>Cloudbee</a:t>
+            </a:r>
+            <a:r>
+              <a:rPr lang="en-US" dirty="0">
+                <a:sym typeface="Wingdings" panose="05000000000000000000" pitchFamily="2" charset="2"/>
+              </a:rPr>
+              <a:t>  Hudson</a:t>
+            </a:r>
+          </a:p>
+          <a:p>
+            <a:r>
+              <a:rPr lang="en-US" dirty="0">
+                <a:sym typeface="Wingdings" panose="05000000000000000000" pitchFamily="2" charset="2"/>
+              </a:rPr>
+              <a:t>Client Server Model</a:t>
+            </a:r>
+          </a:p>
+          <a:p>
+            <a:r>
+              <a:rPr lang="en-US" dirty="0">
+                <a:sym typeface="Wingdings" panose="05000000000000000000" pitchFamily="2" charset="2"/>
+              </a:rPr>
+              <a:t>Nodes  distribute the jobs</a:t>
+            </a:r>
+          </a:p>
+          <a:p>
+            <a:r>
+              <a:rPr lang="en-US" dirty="0">
+                <a:sym typeface="Wingdings" panose="05000000000000000000" pitchFamily="2" charset="2"/>
+              </a:rPr>
+              <a:t>Jenkins  Continuous Delivery (CD)</a:t>
+            </a:r>
+            <a:endParaRPr lang="en-US" dirty="0"/>
+          </a:p>
+        </p:txBody>
+      </p:sp>
+    </p:spTree>
+    <p:extLst>
+      <p:ext uri="{BB962C8B-B14F-4D97-AF65-F5344CB8AC3E}">
+        <p14:creationId xmlns:p14="http://schemas.microsoft.com/office/powerpoint/2010/main" val="1384217354"/>
+      </p:ext>
+    </p:extLst>
+  </p:cSld>
+  <p:clrMapOvr>
+    <a:masterClrMapping/>
+  </p:clrMapOvr>
+</p:sld>
+</file>
+
 <file path=ppt/slides/slide2.xml><?xml version="1.0" encoding="utf-8"?>
 <p:sld xmlns:a="http://schemas.openxmlformats.org/drawingml/2006/main" xmlns:r="http://schemas.openxmlformats.org/officeDocument/2006/relationships" xmlns:p="http://schemas.openxmlformats.org/presentationml/2006/main">
   <p:cSld>
@@ -5467,6 +6479,967 @@
     <p:extLst>
       <p:ext uri="{BB962C8B-B14F-4D97-AF65-F5344CB8AC3E}">
         <p14:creationId xmlns:p14="http://schemas.microsoft.com/office/powerpoint/2010/main" val="2879982211"/>
+      </p:ext>
+    </p:extLst>
+  </p:cSld>
+  <p:clrMapOvr>
+    <a:masterClrMapping/>
+  </p:clrMapOvr>
+</p:sld>
+</file>
+
+<file path=ppt/slides/slide20.xml><?xml version="1.0" encoding="utf-8"?>
+<p:sld xmlns:a="http://schemas.openxmlformats.org/drawingml/2006/main" xmlns:r="http://schemas.openxmlformats.org/officeDocument/2006/relationships" xmlns:p="http://schemas.openxmlformats.org/presentationml/2006/main">
+  <p:cSld>
+    <p:spTree>
+      <p:nvGrpSpPr>
+        <p:cNvPr id="1" name=""/>
+        <p:cNvGrpSpPr/>
+        <p:nvPr/>
+      </p:nvGrpSpPr>
+      <p:grpSpPr>
+        <a:xfrm>
+          <a:off x="0" y="0"/>
+          <a:ext cx="0" cy="0"/>
+          <a:chOff x="0" y="0"/>
+          <a:chExt cx="0" cy="0"/>
+        </a:xfrm>
+      </p:grpSpPr>
+      <p:sp>
+        <p:nvSpPr>
+          <p:cNvPr id="2" name="Title 1">
+            <a:extLst>
+              <a:ext uri="{FF2B5EF4-FFF2-40B4-BE49-F238E27FC236}">
+                <a16:creationId xmlns:a16="http://schemas.microsoft.com/office/drawing/2014/main" id="{D4ECA23C-198F-4A83-ADD8-05C408CDA0B7}"/>
+              </a:ext>
+            </a:extLst>
+          </p:cNvPr>
+          <p:cNvSpPr>
+            <a:spLocks noGrp="1"/>
+          </p:cNvSpPr>
+          <p:nvPr>
+            <p:ph type="title"/>
+          </p:nvPr>
+        </p:nvSpPr>
+        <p:spPr/>
+        <p:txBody>
+          <a:bodyPr/>
+          <a:lstStyle/>
+          <a:p>
+            <a:r>
+              <a:rPr lang="en-US" dirty="0"/>
+              <a:t>Jenkins Configurations</a:t>
+            </a:r>
+          </a:p>
+        </p:txBody>
+      </p:sp>
+      <p:sp>
+        <p:nvSpPr>
+          <p:cNvPr id="3" name="Content Placeholder 2">
+            <a:extLst>
+              <a:ext uri="{FF2B5EF4-FFF2-40B4-BE49-F238E27FC236}">
+                <a16:creationId xmlns:a16="http://schemas.microsoft.com/office/drawing/2014/main" id="{FEE3218C-CBB3-44BB-8098-573D6E4C84E8}"/>
+              </a:ext>
+            </a:extLst>
+          </p:cNvPr>
+          <p:cNvSpPr>
+            <a:spLocks noGrp="1"/>
+          </p:cNvSpPr>
+          <p:nvPr>
+            <p:ph idx="1"/>
+          </p:nvPr>
+        </p:nvSpPr>
+        <p:spPr/>
+        <p:txBody>
+          <a:bodyPr/>
+          <a:lstStyle/>
+          <a:p>
+            <a:r>
+              <a:rPr lang="en-US" dirty="0">
+                <a:highlight>
+                  <a:srgbClr val="FFFF00"/>
+                </a:highlight>
+              </a:rPr>
+              <a:t>JDK</a:t>
+            </a:r>
+          </a:p>
+          <a:p>
+            <a:r>
+              <a:rPr lang="en-US" dirty="0">
+                <a:highlight>
+                  <a:srgbClr val="FFFF00"/>
+                </a:highlight>
+              </a:rPr>
+              <a:t>Maven</a:t>
+            </a:r>
+          </a:p>
+          <a:p>
+            <a:r>
+              <a:rPr lang="en-US" dirty="0">
+                <a:highlight>
+                  <a:srgbClr val="FFFF00"/>
+                </a:highlight>
+              </a:rPr>
+              <a:t>Git Client</a:t>
+            </a:r>
+          </a:p>
+        </p:txBody>
+      </p:sp>
+    </p:spTree>
+    <p:extLst>
+      <p:ext uri="{BB962C8B-B14F-4D97-AF65-F5344CB8AC3E}">
+        <p14:creationId xmlns:p14="http://schemas.microsoft.com/office/powerpoint/2010/main" val="374112409"/>
+      </p:ext>
+    </p:extLst>
+  </p:cSld>
+  <p:clrMapOvr>
+    <a:masterClrMapping/>
+  </p:clrMapOvr>
+</p:sld>
+</file>
+
+<file path=ppt/slides/slide21.xml><?xml version="1.0" encoding="utf-8"?>
+<p:sld xmlns:a="http://schemas.openxmlformats.org/drawingml/2006/main" xmlns:r="http://schemas.openxmlformats.org/officeDocument/2006/relationships" xmlns:p="http://schemas.openxmlformats.org/presentationml/2006/main">
+  <p:cSld>
+    <p:spTree>
+      <p:nvGrpSpPr>
+        <p:cNvPr id="1" name=""/>
+        <p:cNvGrpSpPr/>
+        <p:nvPr/>
+      </p:nvGrpSpPr>
+      <p:grpSpPr>
+        <a:xfrm>
+          <a:off x="0" y="0"/>
+          <a:ext cx="0" cy="0"/>
+          <a:chOff x="0" y="0"/>
+          <a:chExt cx="0" cy="0"/>
+        </a:xfrm>
+      </p:grpSpPr>
+      <p:sp>
+        <p:nvSpPr>
+          <p:cNvPr id="2" name="Title 1">
+            <a:extLst>
+              <a:ext uri="{FF2B5EF4-FFF2-40B4-BE49-F238E27FC236}">
+                <a16:creationId xmlns:a16="http://schemas.microsoft.com/office/drawing/2014/main" id="{EE6A7B70-0327-439F-AB06-49DC422F4EAB}"/>
+              </a:ext>
+            </a:extLst>
+          </p:cNvPr>
+          <p:cNvSpPr>
+            <a:spLocks noGrp="1"/>
+          </p:cNvSpPr>
+          <p:nvPr>
+            <p:ph type="title"/>
+          </p:nvPr>
+        </p:nvSpPr>
+        <p:spPr/>
+        <p:txBody>
+          <a:bodyPr/>
+          <a:lstStyle/>
+          <a:p>
+            <a:r>
+              <a:rPr lang="en-US" dirty="0"/>
+              <a:t>Sonar Download</a:t>
+            </a:r>
+          </a:p>
+        </p:txBody>
+      </p:sp>
+      <p:sp>
+        <p:nvSpPr>
+          <p:cNvPr id="3" name="Content Placeholder 2">
+            <a:extLst>
+              <a:ext uri="{FF2B5EF4-FFF2-40B4-BE49-F238E27FC236}">
+                <a16:creationId xmlns:a16="http://schemas.microsoft.com/office/drawing/2014/main" id="{9F1420CA-1E1E-4510-A1A6-447FB9B4B7E1}"/>
+              </a:ext>
+            </a:extLst>
+          </p:cNvPr>
+          <p:cNvSpPr>
+            <a:spLocks noGrp="1"/>
+          </p:cNvSpPr>
+          <p:nvPr>
+            <p:ph idx="1"/>
+          </p:nvPr>
+        </p:nvSpPr>
+        <p:spPr/>
+        <p:txBody>
+          <a:bodyPr/>
+          <a:lstStyle/>
+          <a:p>
+            <a:r>
+              <a:rPr lang="en-US" dirty="0">
+                <a:hlinkClick r:id="rId2"/>
+              </a:rPr>
+              <a:t>https://www.sonarqube.org/downloads/</a:t>
+            </a:r>
+            <a:r>
+              <a:rPr lang="en-US" dirty="0"/>
+              <a:t> </a:t>
+            </a:r>
+          </a:p>
+          <a:p>
+            <a:r>
+              <a:rPr lang="en-US" dirty="0"/>
+              <a:t>Download </a:t>
+            </a:r>
+            <a:r>
+              <a:rPr lang="en-US" dirty="0">
+                <a:sym typeface="Wingdings" panose="05000000000000000000" pitchFamily="2" charset="2"/>
+              </a:rPr>
+              <a:t> </a:t>
+            </a:r>
+            <a:r>
+              <a:rPr lang="en-US" dirty="0"/>
+              <a:t>Sonar 6.7.x </a:t>
+            </a:r>
+            <a:r>
+              <a:rPr lang="en-US" dirty="0">
+                <a:sym typeface="Wingdings" panose="05000000000000000000" pitchFamily="2" charset="2"/>
+              </a:rPr>
+              <a:t> from historical download</a:t>
+            </a:r>
+          </a:p>
+          <a:p>
+            <a:endParaRPr lang="en-US" dirty="0"/>
+          </a:p>
+        </p:txBody>
+      </p:sp>
+    </p:spTree>
+    <p:extLst>
+      <p:ext uri="{BB962C8B-B14F-4D97-AF65-F5344CB8AC3E}">
+        <p14:creationId xmlns:p14="http://schemas.microsoft.com/office/powerpoint/2010/main" val="3993436321"/>
+      </p:ext>
+    </p:extLst>
+  </p:cSld>
+  <p:clrMapOvr>
+    <a:masterClrMapping/>
+  </p:clrMapOvr>
+</p:sld>
+</file>
+
+<file path=ppt/slides/slide22.xml><?xml version="1.0" encoding="utf-8"?>
+<p:sld xmlns:a="http://schemas.openxmlformats.org/drawingml/2006/main" xmlns:r="http://schemas.openxmlformats.org/officeDocument/2006/relationships" xmlns:p="http://schemas.openxmlformats.org/presentationml/2006/main">
+  <p:cSld>
+    <p:spTree>
+      <p:nvGrpSpPr>
+        <p:cNvPr id="1" name=""/>
+        <p:cNvGrpSpPr/>
+        <p:nvPr/>
+      </p:nvGrpSpPr>
+      <p:grpSpPr>
+        <a:xfrm>
+          <a:off x="0" y="0"/>
+          <a:ext cx="0" cy="0"/>
+          <a:chOff x="0" y="0"/>
+          <a:chExt cx="0" cy="0"/>
+        </a:xfrm>
+      </p:grpSpPr>
+      <p:sp>
+        <p:nvSpPr>
+          <p:cNvPr id="2" name="Title 1">
+            <a:extLst>
+              <a:ext uri="{FF2B5EF4-FFF2-40B4-BE49-F238E27FC236}">
+                <a16:creationId xmlns:a16="http://schemas.microsoft.com/office/drawing/2014/main" id="{1F25477E-08EA-4101-85EC-B0B101D4D02E}"/>
+              </a:ext>
+            </a:extLst>
+          </p:cNvPr>
+          <p:cNvSpPr>
+            <a:spLocks noGrp="1"/>
+          </p:cNvSpPr>
+          <p:nvPr>
+            <p:ph type="title"/>
+          </p:nvPr>
+        </p:nvSpPr>
+        <p:spPr/>
+        <p:txBody>
+          <a:bodyPr/>
+          <a:lstStyle/>
+          <a:p>
+            <a:r>
+              <a:rPr lang="en-US" dirty="0"/>
+              <a:t>Sonar </a:t>
+            </a:r>
+            <a:r>
+              <a:rPr lang="en-US" dirty="0" err="1"/>
+              <a:t>Qube</a:t>
+            </a:r>
+            <a:endParaRPr lang="en-US" dirty="0"/>
+          </a:p>
+        </p:txBody>
+      </p:sp>
+      <p:sp>
+        <p:nvSpPr>
+          <p:cNvPr id="3" name="Content Placeholder 2">
+            <a:extLst>
+              <a:ext uri="{FF2B5EF4-FFF2-40B4-BE49-F238E27FC236}">
+                <a16:creationId xmlns:a16="http://schemas.microsoft.com/office/drawing/2014/main" id="{2415127C-2B0F-4FED-8B9A-C183190E67F1}"/>
+              </a:ext>
+            </a:extLst>
+          </p:cNvPr>
+          <p:cNvSpPr>
+            <a:spLocks noGrp="1"/>
+          </p:cNvSpPr>
+          <p:nvPr>
+            <p:ph idx="1"/>
+          </p:nvPr>
+        </p:nvSpPr>
+        <p:spPr/>
+        <p:txBody>
+          <a:bodyPr/>
+          <a:lstStyle/>
+          <a:p>
+            <a:r>
+              <a:rPr lang="en-US" dirty="0"/>
+              <a:t>Code Analysis </a:t>
+            </a:r>
+            <a:r>
+              <a:rPr lang="en-US" dirty="0">
+                <a:sym typeface="Wingdings" panose="05000000000000000000" pitchFamily="2" charset="2"/>
+              </a:rPr>
+              <a:t> Code quality Check</a:t>
+            </a:r>
+          </a:p>
+          <a:p>
+            <a:r>
+              <a:rPr lang="en-US" dirty="0">
+                <a:sym typeface="Wingdings" panose="05000000000000000000" pitchFamily="2" charset="2"/>
+              </a:rPr>
+              <a:t>SonarQube  tool  check the code quality</a:t>
+            </a:r>
+          </a:p>
+          <a:p>
+            <a:r>
+              <a:rPr lang="en-US" dirty="0">
+                <a:sym typeface="Wingdings" panose="05000000000000000000" pitchFamily="2" charset="2"/>
+                <a:hlinkClick r:id="rId2"/>
+              </a:rPr>
+              <a:t>https://localhost:9000</a:t>
+            </a:r>
+            <a:r>
+              <a:rPr lang="en-US" dirty="0">
+                <a:sym typeface="Wingdings" panose="05000000000000000000" pitchFamily="2" charset="2"/>
+              </a:rPr>
+              <a:t> </a:t>
+            </a:r>
+          </a:p>
+          <a:p>
+            <a:r>
+              <a:rPr lang="en-US" dirty="0">
+                <a:sym typeface="Wingdings" panose="05000000000000000000" pitchFamily="2" charset="2"/>
+              </a:rPr>
+              <a:t>Jdk1.8  sonar6 /sonar7</a:t>
+            </a:r>
+          </a:p>
+          <a:p>
+            <a:endParaRPr lang="en-US" dirty="0">
+              <a:sym typeface="Wingdings" panose="05000000000000000000" pitchFamily="2" charset="2"/>
+            </a:endParaRPr>
+          </a:p>
+          <a:p>
+            <a:endParaRPr lang="en-US" dirty="0"/>
+          </a:p>
+        </p:txBody>
+      </p:sp>
+    </p:spTree>
+    <p:extLst>
+      <p:ext uri="{BB962C8B-B14F-4D97-AF65-F5344CB8AC3E}">
+        <p14:creationId xmlns:p14="http://schemas.microsoft.com/office/powerpoint/2010/main" val="3925825987"/>
+      </p:ext>
+    </p:extLst>
+  </p:cSld>
+  <p:clrMapOvr>
+    <a:masterClrMapping/>
+  </p:clrMapOvr>
+</p:sld>
+</file>
+
+<file path=ppt/slides/slide23.xml><?xml version="1.0" encoding="utf-8"?>
+<p:sld xmlns:a="http://schemas.openxmlformats.org/drawingml/2006/main" xmlns:r="http://schemas.openxmlformats.org/officeDocument/2006/relationships" xmlns:p="http://schemas.openxmlformats.org/presentationml/2006/main">
+  <p:cSld>
+    <p:spTree>
+      <p:nvGrpSpPr>
+        <p:cNvPr id="1" name=""/>
+        <p:cNvGrpSpPr/>
+        <p:nvPr/>
+      </p:nvGrpSpPr>
+      <p:grpSpPr>
+        <a:xfrm>
+          <a:off x="0" y="0"/>
+          <a:ext cx="0" cy="0"/>
+          <a:chOff x="0" y="0"/>
+          <a:chExt cx="0" cy="0"/>
+        </a:xfrm>
+      </p:grpSpPr>
+      <p:sp>
+        <p:nvSpPr>
+          <p:cNvPr id="2" name="Title 1">
+            <a:extLst>
+              <a:ext uri="{FF2B5EF4-FFF2-40B4-BE49-F238E27FC236}">
+                <a16:creationId xmlns:a16="http://schemas.microsoft.com/office/drawing/2014/main" id="{1290F888-5AC8-415F-A957-DD966D563AE2}"/>
+              </a:ext>
+            </a:extLst>
+          </p:cNvPr>
+          <p:cNvSpPr>
+            <a:spLocks noGrp="1"/>
+          </p:cNvSpPr>
+          <p:nvPr>
+            <p:ph type="title"/>
+          </p:nvPr>
+        </p:nvSpPr>
+        <p:spPr/>
+        <p:txBody>
+          <a:bodyPr/>
+          <a:lstStyle/>
+          <a:p>
+            <a:r>
+              <a:rPr lang="en-US" dirty="0"/>
+              <a:t>Jenkins with SonarQube</a:t>
+            </a:r>
+          </a:p>
+        </p:txBody>
+      </p:sp>
+      <p:sp>
+        <p:nvSpPr>
+          <p:cNvPr id="3" name="Content Placeholder 2">
+            <a:extLst>
+              <a:ext uri="{FF2B5EF4-FFF2-40B4-BE49-F238E27FC236}">
+                <a16:creationId xmlns:a16="http://schemas.microsoft.com/office/drawing/2014/main" id="{F08D526C-3718-44FE-9EF0-160E15B54CD7}"/>
+              </a:ext>
+            </a:extLst>
+          </p:cNvPr>
+          <p:cNvSpPr>
+            <a:spLocks noGrp="1"/>
+          </p:cNvSpPr>
+          <p:nvPr>
+            <p:ph idx="1"/>
+          </p:nvPr>
+        </p:nvSpPr>
+        <p:spPr/>
+        <p:txBody>
+          <a:bodyPr/>
+          <a:lstStyle/>
+          <a:p>
+            <a:r>
+              <a:rPr lang="en-US" dirty="0"/>
+              <a:t>Integrate SonarQube</a:t>
+            </a:r>
+          </a:p>
+          <a:p>
+            <a:r>
+              <a:rPr lang="en-US" dirty="0"/>
+              <a:t>SonarQube Scanner </a:t>
+            </a:r>
+            <a:r>
+              <a:rPr lang="en-US" dirty="0">
+                <a:sym typeface="Wingdings" panose="05000000000000000000" pitchFamily="2" charset="2"/>
+              </a:rPr>
+              <a:t> plugin</a:t>
+            </a:r>
+          </a:p>
+          <a:p>
+            <a:r>
+              <a:rPr lang="en-US" dirty="0">
+                <a:sym typeface="Wingdings" panose="05000000000000000000" pitchFamily="2" charset="2"/>
+              </a:rPr>
+              <a:t>Under build steps in your job</a:t>
+            </a:r>
+          </a:p>
+          <a:p>
+            <a:pPr lvl="1"/>
+            <a:r>
+              <a:rPr lang="en-US" dirty="0"/>
+              <a:t>clean compile test package </a:t>
+            </a:r>
+            <a:r>
+              <a:rPr lang="en-US" dirty="0" err="1">
+                <a:highlight>
+                  <a:srgbClr val="FFFF00"/>
+                </a:highlight>
+              </a:rPr>
+              <a:t>sonar:sonar</a:t>
+            </a:r>
+            <a:endParaRPr lang="en-US" dirty="0">
+              <a:highlight>
+                <a:srgbClr val="FFFF00"/>
+              </a:highlight>
+            </a:endParaRPr>
+          </a:p>
+        </p:txBody>
+      </p:sp>
+    </p:spTree>
+    <p:extLst>
+      <p:ext uri="{BB962C8B-B14F-4D97-AF65-F5344CB8AC3E}">
+        <p14:creationId xmlns:p14="http://schemas.microsoft.com/office/powerpoint/2010/main" val="3564383861"/>
+      </p:ext>
+    </p:extLst>
+  </p:cSld>
+  <p:clrMapOvr>
+    <a:masterClrMapping/>
+  </p:clrMapOvr>
+</p:sld>
+</file>
+
+<file path=ppt/slides/slide24.xml><?xml version="1.0" encoding="utf-8"?>
+<p:sld xmlns:a="http://schemas.openxmlformats.org/drawingml/2006/main" xmlns:r="http://schemas.openxmlformats.org/officeDocument/2006/relationships" xmlns:p="http://schemas.openxmlformats.org/presentationml/2006/main">
+  <p:cSld>
+    <p:spTree>
+      <p:nvGrpSpPr>
+        <p:cNvPr id="1" name=""/>
+        <p:cNvGrpSpPr/>
+        <p:nvPr/>
+      </p:nvGrpSpPr>
+      <p:grpSpPr>
+        <a:xfrm>
+          <a:off x="0" y="0"/>
+          <a:ext cx="0" cy="0"/>
+          <a:chOff x="0" y="0"/>
+          <a:chExt cx="0" cy="0"/>
+        </a:xfrm>
+      </p:grpSpPr>
+      <p:sp>
+        <p:nvSpPr>
+          <p:cNvPr id="2" name="Title 1">
+            <a:extLst>
+              <a:ext uri="{FF2B5EF4-FFF2-40B4-BE49-F238E27FC236}">
+                <a16:creationId xmlns:a16="http://schemas.microsoft.com/office/drawing/2014/main" id="{100A6607-02B3-433F-B24D-DDAAB5F416E1}"/>
+              </a:ext>
+            </a:extLst>
+          </p:cNvPr>
+          <p:cNvSpPr>
+            <a:spLocks noGrp="1"/>
+          </p:cNvSpPr>
+          <p:nvPr>
+            <p:ph type="title"/>
+          </p:nvPr>
+        </p:nvSpPr>
+        <p:spPr/>
+        <p:txBody>
+          <a:bodyPr/>
+          <a:lstStyle/>
+          <a:p>
+            <a:r>
+              <a:rPr lang="en-US" dirty="0"/>
+              <a:t>IDE checks code quality</a:t>
+            </a:r>
+          </a:p>
+        </p:txBody>
+      </p:sp>
+      <p:sp>
+        <p:nvSpPr>
+          <p:cNvPr id="3" name="Content Placeholder 2">
+            <a:extLst>
+              <a:ext uri="{FF2B5EF4-FFF2-40B4-BE49-F238E27FC236}">
+                <a16:creationId xmlns:a16="http://schemas.microsoft.com/office/drawing/2014/main" id="{5056AA7C-896B-4FE9-A6B6-5679D991C541}"/>
+              </a:ext>
+            </a:extLst>
+          </p:cNvPr>
+          <p:cNvSpPr>
+            <a:spLocks noGrp="1"/>
+          </p:cNvSpPr>
+          <p:nvPr>
+            <p:ph idx="1"/>
+          </p:nvPr>
+        </p:nvSpPr>
+        <p:spPr>
+          <a:xfrm>
+            <a:off x="838200" y="1825625"/>
+            <a:ext cx="6795499" cy="4351338"/>
+          </a:xfrm>
+        </p:spPr>
+        <p:txBody>
+          <a:bodyPr/>
+          <a:lstStyle/>
+          <a:p>
+            <a:r>
+              <a:rPr lang="en-US" dirty="0"/>
+              <a:t>Go to Maven installation Directory:</a:t>
+            </a:r>
+          </a:p>
+          <a:p>
+            <a:pPr lvl="1"/>
+            <a:r>
+              <a:rPr lang="en-US" dirty="0"/>
+              <a:t>C:\vidavid\Maven\apache-maven-3.3.9\conf</a:t>
+            </a:r>
+          </a:p>
+          <a:p>
+            <a:pPr lvl="1"/>
+            <a:r>
+              <a:rPr lang="en-US" dirty="0"/>
+              <a:t>Settings.xml </a:t>
+            </a:r>
+            <a:r>
+              <a:rPr lang="en-US" dirty="0">
+                <a:sym typeface="Wingdings" panose="05000000000000000000" pitchFamily="2" charset="2"/>
+              </a:rPr>
+              <a:t> open this</a:t>
+            </a:r>
+          </a:p>
+          <a:p>
+            <a:pPr lvl="1"/>
+            <a:r>
+              <a:rPr lang="en-US" dirty="0">
+                <a:sym typeface="Wingdings" panose="05000000000000000000" pitchFamily="2" charset="2"/>
+              </a:rPr>
+              <a:t>Add Sonar Profile in this XML file.</a:t>
+            </a:r>
+          </a:p>
+          <a:p>
+            <a:pPr lvl="1"/>
+            <a:endParaRPr lang="en-US" dirty="0"/>
+          </a:p>
+        </p:txBody>
+      </p:sp>
+      <p:sp>
+        <p:nvSpPr>
+          <p:cNvPr id="4" name="TextBox 3">
+            <a:extLst>
+              <a:ext uri="{FF2B5EF4-FFF2-40B4-BE49-F238E27FC236}">
+                <a16:creationId xmlns:a16="http://schemas.microsoft.com/office/drawing/2014/main" id="{BEDB03E2-9605-42F8-B314-E575D0795302}"/>
+              </a:ext>
+            </a:extLst>
+          </p:cNvPr>
+          <p:cNvSpPr txBox="1"/>
+          <p:nvPr/>
+        </p:nvSpPr>
+        <p:spPr>
+          <a:xfrm>
+            <a:off x="2486347" y="3429000"/>
+            <a:ext cx="7427098" cy="3416320"/>
+          </a:xfrm>
+          <a:prstGeom prst="rect">
+            <a:avLst/>
+          </a:prstGeom>
+          <a:noFill/>
+        </p:spPr>
+        <p:txBody>
+          <a:bodyPr wrap="none" rtlCol="0">
+            <a:spAutoFit/>
+          </a:bodyPr>
+          <a:lstStyle/>
+          <a:p>
+            <a:r>
+              <a:rPr lang="en-US" dirty="0"/>
+              <a:t>&lt;profile&gt;</a:t>
+            </a:r>
+          </a:p>
+          <a:p>
+            <a:r>
+              <a:rPr lang="en-US" dirty="0"/>
+              <a:t>            &lt;id&gt;sonar&lt;/id&gt;</a:t>
+            </a:r>
+          </a:p>
+          <a:p>
+            <a:r>
+              <a:rPr lang="en-US" dirty="0"/>
+              <a:t>            &lt;activation&gt;</a:t>
+            </a:r>
+          </a:p>
+          <a:p>
+            <a:r>
+              <a:rPr lang="en-US" dirty="0"/>
+              <a:t>                &lt;</a:t>
+            </a:r>
+            <a:r>
+              <a:rPr lang="en-US" dirty="0" err="1"/>
+              <a:t>activeByDefault</a:t>
+            </a:r>
+            <a:r>
+              <a:rPr lang="en-US" dirty="0"/>
+              <a:t>&gt;true&lt;/</a:t>
+            </a:r>
+            <a:r>
+              <a:rPr lang="en-US" dirty="0" err="1"/>
+              <a:t>activeByDefault</a:t>
+            </a:r>
+            <a:r>
+              <a:rPr lang="en-US" dirty="0"/>
+              <a:t>&gt;</a:t>
+            </a:r>
+          </a:p>
+          <a:p>
+            <a:r>
+              <a:rPr lang="en-US" dirty="0"/>
+              <a:t>            &lt;/activation&gt;</a:t>
+            </a:r>
+          </a:p>
+          <a:p>
+            <a:r>
+              <a:rPr lang="en-US" dirty="0"/>
+              <a:t>            &lt;properties&gt;</a:t>
+            </a:r>
+          </a:p>
+          <a:p>
+            <a:r>
+              <a:rPr lang="en-US" dirty="0"/>
+              <a:t>                &lt;!-- Optional URL to server. Default value is http://localhost:9000 --&gt;</a:t>
+            </a:r>
+          </a:p>
+          <a:p>
+            <a:r>
+              <a:rPr lang="en-US" dirty="0"/>
+              <a:t>                &lt;sonar.host.url&gt;</a:t>
+            </a:r>
+          </a:p>
+          <a:p>
+            <a:r>
+              <a:rPr lang="en-US" dirty="0"/>
+              <a:t>                  http://localhost:9000</a:t>
+            </a:r>
+          </a:p>
+          <a:p>
+            <a:r>
+              <a:rPr lang="en-US" dirty="0"/>
+              <a:t>                &lt;/sonar.host.url&gt;</a:t>
+            </a:r>
+          </a:p>
+          <a:p>
+            <a:r>
+              <a:rPr lang="en-US" dirty="0"/>
+              <a:t>            &lt;/properties&gt;</a:t>
+            </a:r>
+          </a:p>
+          <a:p>
+            <a:r>
+              <a:rPr lang="en-US" dirty="0"/>
+              <a:t>        &lt;/profile&gt;</a:t>
+            </a:r>
+          </a:p>
+        </p:txBody>
+      </p:sp>
+    </p:spTree>
+    <p:extLst>
+      <p:ext uri="{BB962C8B-B14F-4D97-AF65-F5344CB8AC3E}">
+        <p14:creationId xmlns:p14="http://schemas.microsoft.com/office/powerpoint/2010/main" val="3355840373"/>
+      </p:ext>
+    </p:extLst>
+  </p:cSld>
+  <p:clrMapOvr>
+    <a:masterClrMapping/>
+  </p:clrMapOvr>
+</p:sld>
+</file>
+
+<file path=ppt/slides/slide25.xml><?xml version="1.0" encoding="utf-8"?>
+<p:sld xmlns:a="http://schemas.openxmlformats.org/drawingml/2006/main" xmlns:r="http://schemas.openxmlformats.org/officeDocument/2006/relationships" xmlns:p="http://schemas.openxmlformats.org/presentationml/2006/main">
+  <p:cSld>
+    <p:spTree>
+      <p:nvGrpSpPr>
+        <p:cNvPr id="1" name=""/>
+        <p:cNvGrpSpPr/>
+        <p:nvPr/>
+      </p:nvGrpSpPr>
+      <p:grpSpPr>
+        <a:xfrm>
+          <a:off x="0" y="0"/>
+          <a:ext cx="0" cy="0"/>
+          <a:chOff x="0" y="0"/>
+          <a:chExt cx="0" cy="0"/>
+        </a:xfrm>
+      </p:grpSpPr>
+      <p:sp>
+        <p:nvSpPr>
+          <p:cNvPr id="2" name="Title 1">
+            <a:extLst>
+              <a:ext uri="{FF2B5EF4-FFF2-40B4-BE49-F238E27FC236}">
+                <a16:creationId xmlns:a16="http://schemas.microsoft.com/office/drawing/2014/main" id="{29F33831-94AD-4FDD-9217-CA2E10E0B9C4}"/>
+              </a:ext>
+            </a:extLst>
+          </p:cNvPr>
+          <p:cNvSpPr>
+            <a:spLocks noGrp="1"/>
+          </p:cNvSpPr>
+          <p:nvPr>
+            <p:ph type="title"/>
+          </p:nvPr>
+        </p:nvSpPr>
+        <p:spPr/>
+        <p:txBody>
+          <a:bodyPr/>
+          <a:lstStyle/>
+          <a:p>
+            <a:r>
+              <a:rPr lang="en-US" dirty="0"/>
+              <a:t>IDE checks code quality (cont..)</a:t>
+            </a:r>
+          </a:p>
+        </p:txBody>
+      </p:sp>
+      <p:sp>
+        <p:nvSpPr>
+          <p:cNvPr id="3" name="Content Placeholder 2">
+            <a:extLst>
+              <a:ext uri="{FF2B5EF4-FFF2-40B4-BE49-F238E27FC236}">
+                <a16:creationId xmlns:a16="http://schemas.microsoft.com/office/drawing/2014/main" id="{7D41B96A-96A7-431F-9A9D-A106730410EA}"/>
+              </a:ext>
+            </a:extLst>
+          </p:cNvPr>
+          <p:cNvSpPr>
+            <a:spLocks noGrp="1"/>
+          </p:cNvSpPr>
+          <p:nvPr>
+            <p:ph idx="1"/>
+          </p:nvPr>
+        </p:nvSpPr>
+        <p:spPr/>
+        <p:txBody>
+          <a:bodyPr/>
+          <a:lstStyle/>
+          <a:p>
+            <a:r>
+              <a:rPr lang="en-US" dirty="0"/>
+              <a:t>Windows </a:t>
+            </a:r>
+            <a:r>
+              <a:rPr lang="en-US" dirty="0">
+                <a:sym typeface="Wingdings" panose="05000000000000000000" pitchFamily="2" charset="2"/>
+              </a:rPr>
+              <a:t> Preferences Maven  User Settings  Click browse (under </a:t>
+            </a:r>
+            <a:r>
+              <a:rPr lang="en-US" dirty="0" err="1">
+                <a:sym typeface="Wingdings" panose="05000000000000000000" pitchFamily="2" charset="2"/>
+              </a:rPr>
+              <a:t>usersettings</a:t>
+            </a:r>
+            <a:r>
+              <a:rPr lang="en-US" dirty="0">
+                <a:sym typeface="Wingdings" panose="05000000000000000000" pitchFamily="2" charset="2"/>
+              </a:rPr>
+              <a:t>)  locate the settings.xml file which you have updated.</a:t>
+            </a:r>
+          </a:p>
+          <a:p>
+            <a:endParaRPr lang="en-US" dirty="0">
+              <a:sym typeface="Wingdings" panose="05000000000000000000" pitchFamily="2" charset="2"/>
+            </a:endParaRPr>
+          </a:p>
+          <a:p>
+            <a:r>
+              <a:rPr lang="en-US" dirty="0">
+                <a:sym typeface="Wingdings" panose="05000000000000000000" pitchFamily="2" charset="2"/>
+              </a:rPr>
+              <a:t>Right Click your project  Run As  Maven Build  Goals  </a:t>
+            </a:r>
+          </a:p>
+          <a:p>
+            <a:pPr marL="457200" lvl="1" indent="0">
+              <a:buNone/>
+            </a:pPr>
+            <a:r>
+              <a:rPr lang="en-US" b="1" dirty="0" err="1">
+                <a:highlight>
+                  <a:srgbClr val="FFFF00"/>
+                </a:highlight>
+                <a:sym typeface="Wingdings" panose="05000000000000000000" pitchFamily="2" charset="2"/>
+              </a:rPr>
+              <a:t>sonar:sonar</a:t>
+            </a:r>
+            <a:endParaRPr lang="en-US" b="1" dirty="0">
+              <a:highlight>
+                <a:srgbClr val="FFFF00"/>
+              </a:highlight>
+            </a:endParaRPr>
+          </a:p>
+        </p:txBody>
+      </p:sp>
+    </p:spTree>
+    <p:extLst>
+      <p:ext uri="{BB962C8B-B14F-4D97-AF65-F5344CB8AC3E}">
+        <p14:creationId xmlns:p14="http://schemas.microsoft.com/office/powerpoint/2010/main" val="1133348869"/>
+      </p:ext>
+    </p:extLst>
+  </p:cSld>
+  <p:clrMapOvr>
+    <a:masterClrMapping/>
+  </p:clrMapOvr>
+</p:sld>
+</file>
+
+<file path=ppt/slides/slide26.xml><?xml version="1.0" encoding="utf-8"?>
+<p:sld xmlns:a="http://schemas.openxmlformats.org/drawingml/2006/main" xmlns:r="http://schemas.openxmlformats.org/officeDocument/2006/relationships" xmlns:p="http://schemas.openxmlformats.org/presentationml/2006/main">
+  <p:cSld>
+    <p:spTree>
+      <p:nvGrpSpPr>
+        <p:cNvPr id="1" name=""/>
+        <p:cNvGrpSpPr/>
+        <p:nvPr/>
+      </p:nvGrpSpPr>
+      <p:grpSpPr>
+        <a:xfrm>
+          <a:off x="0" y="0"/>
+          <a:ext cx="0" cy="0"/>
+          <a:chOff x="0" y="0"/>
+          <a:chExt cx="0" cy="0"/>
+        </a:xfrm>
+      </p:grpSpPr>
+      <p:sp>
+        <p:nvSpPr>
+          <p:cNvPr id="2" name="Title 1">
+            <a:extLst>
+              <a:ext uri="{FF2B5EF4-FFF2-40B4-BE49-F238E27FC236}">
+                <a16:creationId xmlns:a16="http://schemas.microsoft.com/office/drawing/2014/main" id="{85AE116D-99C0-4488-9B5F-914D3608D9E5}"/>
+              </a:ext>
+            </a:extLst>
+          </p:cNvPr>
+          <p:cNvSpPr>
+            <a:spLocks noGrp="1"/>
+          </p:cNvSpPr>
+          <p:nvPr>
+            <p:ph type="title"/>
+          </p:nvPr>
+        </p:nvSpPr>
+        <p:spPr/>
+        <p:txBody>
+          <a:bodyPr/>
+          <a:lstStyle/>
+          <a:p>
+            <a:r>
+              <a:rPr lang="en-US" dirty="0"/>
+              <a:t>Lab Exercise</a:t>
+            </a:r>
+          </a:p>
+        </p:txBody>
+      </p:sp>
+      <p:sp>
+        <p:nvSpPr>
+          <p:cNvPr id="3" name="Content Placeholder 2">
+            <a:extLst>
+              <a:ext uri="{FF2B5EF4-FFF2-40B4-BE49-F238E27FC236}">
+                <a16:creationId xmlns:a16="http://schemas.microsoft.com/office/drawing/2014/main" id="{56818BF2-7EA4-4BC1-8F2F-10871843D4E2}"/>
+              </a:ext>
+            </a:extLst>
+          </p:cNvPr>
+          <p:cNvSpPr>
+            <a:spLocks noGrp="1"/>
+          </p:cNvSpPr>
+          <p:nvPr>
+            <p:ph idx="1"/>
+          </p:nvPr>
+        </p:nvSpPr>
+        <p:spPr/>
+        <p:txBody>
+          <a:bodyPr/>
+          <a:lstStyle/>
+          <a:p>
+            <a:r>
+              <a:rPr lang="en-US" dirty="0"/>
+              <a:t>Integrate SonarQube in Jenkins</a:t>
+            </a:r>
+          </a:p>
+          <a:p>
+            <a:r>
+              <a:rPr lang="en-US" dirty="0"/>
+              <a:t>Run Sonar plug-in in IDE (STS)</a:t>
+            </a:r>
+          </a:p>
+          <a:p>
+            <a:endParaRPr lang="en-US" dirty="0"/>
+          </a:p>
+        </p:txBody>
+      </p:sp>
+    </p:spTree>
+    <p:extLst>
+      <p:ext uri="{BB962C8B-B14F-4D97-AF65-F5344CB8AC3E}">
+        <p14:creationId xmlns:p14="http://schemas.microsoft.com/office/powerpoint/2010/main" val="3676587650"/>
       </p:ext>
     </p:extLst>
   </p:cSld>
@@ -5679,7 +7652,7 @@
               <a:buAutoNum type="arabicPeriod"/>
             </a:pPr>
             <a:r>
-              <a:rPr lang="en-US">
+              <a:rPr lang="en-US" dirty="0">
                 <a:hlinkClick r:id="rId6"/>
               </a:rPr>
               <a:t>https://dev.mysql.com/downloads/mysql/</a:t>
@@ -5806,19 +7779,13 @@
               <a:t> </a:t>
             </a:r>
             <a:r>
-              <a:rPr lang="en-US" dirty="0" err="1">
+              <a:rPr lang="en-US" dirty="0">
                 <a:highlight>
                   <a:srgbClr val="FFFF00"/>
                 </a:highlight>
                 <a:sym typeface="Wingdings" panose="05000000000000000000" pitchFamily="2" charset="2"/>
               </a:rPr>
-              <a:t>Dev</a:t>
-            </a:r>
-            <a:r>
-              <a:rPr lang="en-US" dirty="0" err="1">
-                <a:sym typeface="Wingdings" panose="05000000000000000000" pitchFamily="2" charset="2"/>
-              </a:rPr>
-              <a:t>lopment</a:t>
+              <a:t>Development</a:t>
             </a:r>
             <a:r>
               <a:rPr lang="en-US" dirty="0">
@@ -6584,6 +8551,9 @@
           <a:prstGeom prst="rect">
             <a:avLst/>
           </a:prstGeom>
+          <a:solidFill>
+            <a:srgbClr val="FF0000"/>
+          </a:solidFill>
         </p:spPr>
         <p:style>
           <a:lnRef idx="2">
@@ -8884,6 +10854,85 @@
           </a:fontRef>
         </p:style>
       </p:cxnSp>
+      <p:cxnSp>
+        <p:nvCxnSpPr>
+          <p:cNvPr id="5" name="Straight Connector 4">
+            <a:extLst>
+              <a:ext uri="{FF2B5EF4-FFF2-40B4-BE49-F238E27FC236}">
+                <a16:creationId xmlns:a16="http://schemas.microsoft.com/office/drawing/2014/main" id="{9FA0FCAB-BB95-4679-B545-FECBB13376D5}"/>
+              </a:ext>
+            </a:extLst>
+          </p:cNvPr>
+          <p:cNvCxnSpPr/>
+          <p:nvPr/>
+        </p:nvCxnSpPr>
+        <p:spPr>
+          <a:xfrm>
+            <a:off x="7613151" y="1232899"/>
+            <a:ext cx="0" cy="5464914"/>
+          </a:xfrm>
+          <a:prstGeom prst="line">
+            <a:avLst/>
+          </a:prstGeom>
+          <a:ln w="57150"/>
+        </p:spPr>
+        <p:style>
+          <a:lnRef idx="1">
+            <a:schemeClr val="accent1"/>
+          </a:lnRef>
+          <a:fillRef idx="0">
+            <a:schemeClr val="accent1"/>
+          </a:fillRef>
+          <a:effectRef idx="0">
+            <a:schemeClr val="accent1"/>
+          </a:effectRef>
+          <a:fontRef idx="minor">
+            <a:schemeClr val="tx1"/>
+          </a:fontRef>
+        </p:style>
+      </p:cxnSp>
+      <p:sp>
+        <p:nvSpPr>
+          <p:cNvPr id="11" name="TextBox 10">
+            <a:extLst>
+              <a:ext uri="{FF2B5EF4-FFF2-40B4-BE49-F238E27FC236}">
+                <a16:creationId xmlns:a16="http://schemas.microsoft.com/office/drawing/2014/main" id="{94598C69-F280-4DE7-859C-E740DC7F0224}"/>
+              </a:ext>
+            </a:extLst>
+          </p:cNvPr>
+          <p:cNvSpPr txBox="1"/>
+          <p:nvPr/>
+        </p:nvSpPr>
+        <p:spPr>
+          <a:xfrm>
+            <a:off x="7657623" y="1418640"/>
+            <a:ext cx="5147435" cy="646331"/>
+          </a:xfrm>
+          <a:prstGeom prst="rect">
+            <a:avLst/>
+          </a:prstGeom>
+          <a:noFill/>
+        </p:spPr>
+        <p:txBody>
+          <a:bodyPr wrap="none" rtlCol="0">
+            <a:spAutoFit/>
+          </a:bodyPr>
+          <a:lstStyle/>
+          <a:p>
+            <a:r>
+              <a:rPr lang="en-US" sz="3600" dirty="0"/>
+              <a:t>CD </a:t>
+            </a:r>
+            <a:r>
+              <a:rPr lang="en-US" sz="3600" dirty="0">
+                <a:sym typeface="Wingdings" panose="05000000000000000000" pitchFamily="2" charset="2"/>
+              </a:rPr>
+              <a:t> Continuous Delivery</a:t>
+            </a:r>
+            <a:endParaRPr lang="en-US" sz="3600" dirty="0"/>
+          </a:p>
+        </p:txBody>
+      </p:sp>
     </p:spTree>
     <p:extLst>
       <p:ext uri="{BB962C8B-B14F-4D97-AF65-F5344CB8AC3E}">
